--- a/Bringing the Analog World to Digital Design_EC551_Final Project.pptx
+++ b/Bringing the Analog World to Digital Design_EC551_Final Project.pptx
@@ -5,7 +5,7 @@
     <p:sldMasterId id="2147483648" r:id="rId1"/>
   </p:sldMasterIdLst>
   <p:notesMasterIdLst>
-    <p:notesMasterId r:id="rId17"/>
+    <p:notesMasterId r:id="rId18"/>
   </p:notesMasterIdLst>
   <p:sldIdLst>
     <p:sldId id="256" r:id="rId2"/>
@@ -13,16 +13,17 @@
     <p:sldId id="274" r:id="rId4"/>
     <p:sldId id="275" r:id="rId5"/>
     <p:sldId id="276" r:id="rId6"/>
-    <p:sldId id="281" r:id="rId7"/>
-    <p:sldId id="282" r:id="rId8"/>
-    <p:sldId id="277" r:id="rId9"/>
-    <p:sldId id="278" r:id="rId10"/>
-    <p:sldId id="279" r:id="rId11"/>
-    <p:sldId id="280" r:id="rId12"/>
-    <p:sldId id="284" r:id="rId13"/>
-    <p:sldId id="283" r:id="rId14"/>
-    <p:sldId id="268" r:id="rId15"/>
-    <p:sldId id="258" r:id="rId16"/>
+    <p:sldId id="285" r:id="rId7"/>
+    <p:sldId id="281" r:id="rId8"/>
+    <p:sldId id="282" r:id="rId9"/>
+    <p:sldId id="277" r:id="rId10"/>
+    <p:sldId id="278" r:id="rId11"/>
+    <p:sldId id="279" r:id="rId12"/>
+    <p:sldId id="280" r:id="rId13"/>
+    <p:sldId id="284" r:id="rId14"/>
+    <p:sldId id="283" r:id="rId15"/>
+    <p:sldId id="268" r:id="rId16"/>
+    <p:sldId id="258" r:id="rId17"/>
   </p:sldIdLst>
   <p:sldSz cx="12192000" cy="6858000"/>
   <p:notesSz cx="6858000" cy="9144000"/>
@@ -3675,6 +3676,105 @@
           <p:cNvPr id="2" name="Title 1">
             <a:extLst>
               <a:ext uri="{FF2B5EF4-FFF2-40B4-BE49-F238E27FC236}">
+                <a16:creationId xmlns:a16="http://schemas.microsoft.com/office/drawing/2014/main" id="{200D8DF6-F784-4F6E-8355-DCA9B3C6A74C}"/>
+              </a:ext>
+            </a:extLst>
+          </p:cNvPr>
+          <p:cNvSpPr>
+            <a:spLocks noGrp="1"/>
+          </p:cNvSpPr>
+          <p:nvPr>
+            <p:ph type="title"/>
+          </p:nvPr>
+        </p:nvSpPr>
+        <p:spPr/>
+        <p:txBody>
+          <a:bodyPr/>
+          <a:lstStyle/>
+          <a:p>
+            <a:r>
+              <a:rPr lang="en-US" dirty="0"/>
+              <a:t>Verilog Example [Conor]</a:t>
+            </a:r>
+          </a:p>
+        </p:txBody>
+      </p:sp>
+      <p:sp>
+        <p:nvSpPr>
+          <p:cNvPr id="3" name="Text Placeholder 2">
+            <a:extLst>
+              <a:ext uri="{FF2B5EF4-FFF2-40B4-BE49-F238E27FC236}">
+                <a16:creationId xmlns:a16="http://schemas.microsoft.com/office/drawing/2014/main" id="{45B15F33-002C-459E-8BA3-897CD52D3A59}"/>
+              </a:ext>
+            </a:extLst>
+          </p:cNvPr>
+          <p:cNvSpPr>
+            <a:spLocks noGrp="1"/>
+          </p:cNvSpPr>
+          <p:nvPr>
+            <p:ph type="body" sz="half" idx="1"/>
+          </p:nvPr>
+        </p:nvSpPr>
+        <p:spPr/>
+        <p:txBody>
+          <a:bodyPr/>
+          <a:lstStyle/>
+          <a:p>
+            <a:r>
+              <a:rPr lang="en-US" dirty="0"/>
+              <a:t>ADC instantiation</a:t>
+            </a:r>
+          </a:p>
+          <a:p>
+            <a:r>
+              <a:rPr lang="en-US" dirty="0"/>
+              <a:t>Explain DRP connection</a:t>
+            </a:r>
+          </a:p>
+          <a:p>
+            <a:r>
+              <a:rPr lang="en-US" dirty="0"/>
+              <a:t>Annotate code with simple comments of functionality</a:t>
+            </a:r>
+          </a:p>
+        </p:txBody>
+      </p:sp>
+    </p:spTree>
+    <p:extLst>
+      <p:ext uri="{BB962C8B-B14F-4D97-AF65-F5344CB8AC3E}">
+        <p14:creationId xmlns:p14="http://schemas.microsoft.com/office/powerpoint/2010/main" val="2209896776"/>
+      </p:ext>
+    </p:extLst>
+  </p:cSld>
+  <p:clrMapOvr>
+    <a:masterClrMapping/>
+  </p:clrMapOvr>
+  <p:transition spd="med"/>
+</p:sld>
+</file>
+
+<file path=ppt/slides/slide11.xml><?xml version="1.0" encoding="utf-8"?>
+<p:sld xmlns:a="http://schemas.openxmlformats.org/drawingml/2006/main" xmlns:r="http://schemas.openxmlformats.org/officeDocument/2006/relationships" xmlns:p="http://schemas.openxmlformats.org/presentationml/2006/main">
+  <p:cSld>
+    <p:spTree>
+      <p:nvGrpSpPr>
+        <p:cNvPr id="1" name=""/>
+        <p:cNvGrpSpPr/>
+        <p:nvPr/>
+      </p:nvGrpSpPr>
+      <p:grpSpPr>
+        <a:xfrm>
+          <a:off x="0" y="0"/>
+          <a:ext cx="0" cy="0"/>
+          <a:chOff x="0" y="0"/>
+          <a:chExt cx="0" cy="0"/>
+        </a:xfrm>
+      </p:grpSpPr>
+      <p:sp>
+        <p:nvSpPr>
+          <p:cNvPr id="2" name="Title 1">
+            <a:extLst>
+              <a:ext uri="{FF2B5EF4-FFF2-40B4-BE49-F238E27FC236}">
                 <a16:creationId xmlns:a16="http://schemas.microsoft.com/office/drawing/2014/main" id="{18ADC116-86FE-4382-BFB0-2622ED23F9F2}"/>
               </a:ext>
             </a:extLst>
@@ -3758,7 +3858,7 @@
 </p:sld>
 </file>
 
-<file path=ppt/slides/slide11.xml><?xml version="1.0" encoding="utf-8"?>
+<file path=ppt/slides/slide12.xml><?xml version="1.0" encoding="utf-8"?>
 <p:sld xmlns:a="http://schemas.openxmlformats.org/drawingml/2006/main" xmlns:r="http://schemas.openxmlformats.org/officeDocument/2006/relationships" xmlns:p="http://schemas.openxmlformats.org/presentationml/2006/main">
   <p:cSld>
     <p:spTree>
@@ -3857,7 +3957,7 @@
 </p:sld>
 </file>
 
-<file path=ppt/slides/slide12.xml><?xml version="1.0" encoding="utf-8"?>
+<file path=ppt/slides/slide13.xml><?xml version="1.0" encoding="utf-8"?>
 <p:sld xmlns:a="http://schemas.openxmlformats.org/drawingml/2006/main" xmlns:r="http://schemas.openxmlformats.org/officeDocument/2006/relationships" xmlns:p="http://schemas.openxmlformats.org/presentationml/2006/main">
   <p:cSld>
     <p:spTree>
@@ -3941,7 +4041,7 @@
 </p:sld>
 </file>
 
-<file path=ppt/slides/slide13.xml><?xml version="1.0" encoding="utf-8"?>
+<file path=ppt/slides/slide14.xml><?xml version="1.0" encoding="utf-8"?>
 <p:sld xmlns:a="http://schemas.openxmlformats.org/drawingml/2006/main" xmlns:r="http://schemas.openxmlformats.org/officeDocument/2006/relationships" xmlns:p="http://schemas.openxmlformats.org/presentationml/2006/main">
   <p:cSld>
     <p:spTree>
@@ -4000,7 +4100,7 @@
 </p:sld>
 </file>
 
-<file path=ppt/slides/slide14.xml><?xml version="1.0" encoding="utf-8"?>
+<file path=ppt/slides/slide15.xml><?xml version="1.0" encoding="utf-8"?>
 <p:sld xmlns:a="http://schemas.openxmlformats.org/drawingml/2006/main" xmlns:r="http://schemas.openxmlformats.org/officeDocument/2006/relationships" xmlns:p="http://schemas.openxmlformats.org/presentationml/2006/main">
   <p:cSld>
     <p:spTree>
@@ -4237,7 +4337,7 @@
 </p:sld>
 </file>
 
-<file path=ppt/slides/slide15.xml><?xml version="1.0" encoding="utf-8"?>
+<file path=ppt/slides/slide16.xml><?xml version="1.0" encoding="utf-8"?>
 <p:sld xmlns:a="http://schemas.openxmlformats.org/drawingml/2006/main" xmlns:r="http://schemas.openxmlformats.org/officeDocument/2006/relationships" xmlns:p="http://schemas.openxmlformats.org/presentationml/2006/main">
   <p:cSld>
     <p:spTree>
@@ -4551,7 +4651,7 @@
           <a:p>
             <a:r>
               <a:rPr lang="en-US" dirty="0"/>
-              <a:t>Short Functionality [Bin]</a:t>
+              <a:t>Short Functionality</a:t>
             </a:r>
           </a:p>
         </p:txBody>
@@ -4585,13 +4685,17 @@
           <a:p>
             <a:r>
               <a:rPr lang="en-US" dirty="0"/>
-              <a:t>Balls speed up after certain number of points</a:t>
+              <a:t>Balloons speed up after certain number of points</a:t>
             </a:r>
           </a:p>
           <a:p>
             <a:r>
               <a:rPr lang="en-US" dirty="0"/>
-              <a:t>Additional balloons coming in</a:t>
+              <a:t>Additional </a:t>
+            </a:r>
+            <a:r>
+              <a:rPr lang="en-US"/>
+              <a:t>balloons coming in</a:t>
             </a:r>
           </a:p>
           <a:p>
@@ -4766,7 +4870,7 @@
         </p:spPr>
         <p:txBody>
           <a:bodyPr>
-            <a:normAutofit fontScale="92500"/>
+            <a:normAutofit fontScale="92500" lnSpcReduction="10000"/>
           </a:bodyPr>
           <a:lstStyle/>
           <a:p>
@@ -4794,6 +4898,13 @@
             <a:r>
               <a:rPr lang="en-US" dirty="0"/>
               <a:t>12 bit ADC</a:t>
+            </a:r>
+          </a:p>
+          <a:p>
+            <a:pPr lvl="2"/>
+            <a:r>
+              <a:rPr lang="en-US" dirty="0"/>
+              <a:t>4096 quantization levels</a:t>
             </a:r>
           </a:p>
           <a:p>
@@ -4914,7 +5025,7 @@
           <p:cNvPr id="2" name="Title 1">
             <a:extLst>
               <a:ext uri="{FF2B5EF4-FFF2-40B4-BE49-F238E27FC236}">
-                <a16:creationId xmlns:a16="http://schemas.microsoft.com/office/drawing/2014/main" id="{6809E014-24B6-4F26-82D2-8232BDF7B56E}"/>
+                <a16:creationId xmlns:a16="http://schemas.microsoft.com/office/drawing/2014/main" id="{9F0775CA-A2E5-A662-A70A-10994A9FBCA2}"/>
               </a:ext>
             </a:extLst>
           </p:cNvPr>
@@ -4927,12 +5038,14 @@
         </p:nvSpPr>
         <p:spPr/>
         <p:txBody>
-          <a:bodyPr/>
+          <a:bodyPr>
+            <a:normAutofit fontScale="90000"/>
+          </a:bodyPr>
           <a:lstStyle/>
           <a:p>
             <a:r>
               <a:rPr lang="en-US" dirty="0"/>
-              <a:t>Detailed Functionality-Game [Bin]</a:t>
+              <a:t>Detailed Functionality-Force Sensitive Resistor [Conor]</a:t>
             </a:r>
           </a:p>
         </p:txBody>
@@ -4942,7 +5055,7 @@
           <p:cNvPr id="3" name="Text Placeholder 2">
             <a:extLst>
               <a:ext uri="{FF2B5EF4-FFF2-40B4-BE49-F238E27FC236}">
-                <a16:creationId xmlns:a16="http://schemas.microsoft.com/office/drawing/2014/main" id="{DB267B4A-B026-46B7-9D6E-BC609B9CE301}"/>
+                <a16:creationId xmlns:a16="http://schemas.microsoft.com/office/drawing/2014/main" id="{336E9B22-A2C5-B2DD-9EFE-AF2163F005A4}"/>
               </a:ext>
             </a:extLst>
           </p:cNvPr>
@@ -4953,28 +5066,150 @@
             <p:ph type="body" sz="half" idx="1"/>
           </p:nvPr>
         </p:nvSpPr>
-        <p:spPr/>
+        <p:spPr>
+          <a:xfrm>
+            <a:off x="972600" y="2771832"/>
+            <a:ext cx="6981792" cy="3014802"/>
+          </a:xfrm>
+        </p:spPr>
         <p:txBody>
           <a:bodyPr/>
           <a:lstStyle/>
           <a:p>
             <a:r>
               <a:rPr lang="en-US" dirty="0"/>
-              <a:t>How did we change the game?</a:t>
+              <a:t>FSR is a material which changes its resistance when a force or pressure is applied.</a:t>
             </a:r>
           </a:p>
           <a:p>
             <a:r>
               <a:rPr lang="en-US" dirty="0"/>
-              <a:t>How do we use the output of the ADC</a:t>
+              <a:t>Composed by two substrate layers sandwiching together a conductive film and a spacer.</a:t>
+            </a:r>
+          </a:p>
+          <a:p>
+            <a:r>
+              <a:rPr lang="en-US" dirty="0"/>
+              <a:t>The substrate layer which is on the spacer side also has a conductive ink printed on it.</a:t>
+            </a:r>
+          </a:p>
+          <a:p>
+            <a:r>
+              <a:rPr lang="en-US" dirty="0"/>
+              <a:t>When force is applied to the sensor, the conductive film is deformed against the substrate and air is pushed out of the spacer causing the conductive film to come into contact with the conductive print on the substrate. The more of the conductive ink area touching the conductive film, the lower the resistance.</a:t>
             </a:r>
           </a:p>
         </p:txBody>
       </p:sp>
+      <p:sp>
+        <p:nvSpPr>
+          <p:cNvPr id="7" name="AutoShape 8" descr="A Wheatstone bridge has four resistors forming the sides of a diamond shape. A battery is connected across one pair of opposite corners, and a galvanometer across the other pair.">
+            <a:extLst>
+              <a:ext uri="{FF2B5EF4-FFF2-40B4-BE49-F238E27FC236}">
+                <a16:creationId xmlns:a16="http://schemas.microsoft.com/office/drawing/2014/main" id="{7778454C-7312-87A0-4AAB-EB215232D3DD}"/>
+              </a:ext>
+            </a:extLst>
+          </p:cNvPr>
+          <p:cNvSpPr>
+            <a:spLocks noChangeAspect="1" noChangeArrowheads="1"/>
+          </p:cNvSpPr>
+          <p:nvPr/>
+        </p:nvSpPr>
+        <p:spPr bwMode="auto">
+          <a:xfrm>
+            <a:off x="5943600" y="3276600"/>
+            <a:ext cx="304800" cy="304800"/>
+          </a:xfrm>
+          <a:prstGeom prst="rect">
+            <a:avLst/>
+          </a:prstGeom>
+          <a:noFill/>
+          <a:extLst>
+            <a:ext uri="{909E8E84-426E-40DD-AFC4-6F175D3DCCD1}">
+              <a14:hiddenFill xmlns:a14="http://schemas.microsoft.com/office/drawing/2010/main">
+                <a:solidFill>
+                  <a:srgbClr val="FFFFFF"/>
+                </a:solidFill>
+              </a14:hiddenFill>
+            </a:ext>
+          </a:extLst>
+        </p:spPr>
+        <p:txBody>
+          <a:bodyPr vert="horz" wrap="square" lIns="91440" tIns="45720" rIns="91440" bIns="45720" numCol="1" anchor="t" anchorCtr="0" compatLnSpc="1">
+            <a:prstTxWarp prst="textNoShape">
+              <a:avLst/>
+            </a:prstTxWarp>
+          </a:bodyPr>
+          <a:lstStyle/>
+          <a:p>
+            <a:endParaRPr lang="en-US"/>
+          </a:p>
+        </p:txBody>
+      </p:sp>
+      <p:pic>
+        <p:nvPicPr>
+          <p:cNvPr id="10" name="Picture 9">
+            <a:extLst>
+              <a:ext uri="{FF2B5EF4-FFF2-40B4-BE49-F238E27FC236}">
+                <a16:creationId xmlns:a16="http://schemas.microsoft.com/office/drawing/2014/main" id="{8EE8834F-8BEC-6E8E-8202-75C81CEBC811}"/>
+              </a:ext>
+            </a:extLst>
+          </p:cNvPr>
+          <p:cNvPicPr>
+            <a:picLocks noChangeAspect="1"/>
+          </p:cNvPicPr>
+          <p:nvPr/>
+        </p:nvPicPr>
+        <p:blipFill>
+          <a:blip r:embed="rId2"/>
+          <a:stretch>
+            <a:fillRect/>
+          </a:stretch>
+        </p:blipFill>
+        <p:spPr>
+          <a:xfrm>
+            <a:off x="9015051" y="3984067"/>
+            <a:ext cx="3062145" cy="2368442"/>
+          </a:xfrm>
+          <a:prstGeom prst="rect">
+            <a:avLst/>
+          </a:prstGeom>
+        </p:spPr>
+      </p:pic>
+      <p:pic>
+        <p:nvPicPr>
+          <p:cNvPr id="12" name="Picture 11">
+            <a:extLst>
+              <a:ext uri="{FF2B5EF4-FFF2-40B4-BE49-F238E27FC236}">
+                <a16:creationId xmlns:a16="http://schemas.microsoft.com/office/drawing/2014/main" id="{91A299DB-CC94-D732-CE5F-8EC6BBD8BD74}"/>
+              </a:ext>
+            </a:extLst>
+          </p:cNvPr>
+          <p:cNvPicPr>
+            <a:picLocks noChangeAspect="1"/>
+          </p:cNvPicPr>
+          <p:nvPr/>
+        </p:nvPicPr>
+        <p:blipFill>
+          <a:blip r:embed="rId3"/>
+          <a:stretch>
+            <a:fillRect/>
+          </a:stretch>
+        </p:blipFill>
+        <p:spPr>
+          <a:xfrm>
+            <a:off x="8335566" y="98764"/>
+            <a:ext cx="3741630" cy="3482636"/>
+          </a:xfrm>
+          <a:prstGeom prst="rect">
+            <a:avLst/>
+          </a:prstGeom>
+        </p:spPr>
+      </p:pic>
     </p:spTree>
     <p:extLst>
       <p:ext uri="{BB962C8B-B14F-4D97-AF65-F5344CB8AC3E}">
-        <p14:creationId xmlns:p14="http://schemas.microsoft.com/office/powerpoint/2010/main" val="528772889"/>
+        <p14:creationId xmlns:p14="http://schemas.microsoft.com/office/powerpoint/2010/main" val="10407439"/>
       </p:ext>
     </p:extLst>
   </p:cSld>
@@ -5025,15 +5260,7 @@
           <a:p>
             <a:r>
               <a:rPr lang="en-US" dirty="0"/>
-              <a:t>Detailed Functionality-Memory [</a:t>
-            </a:r>
-            <a:r>
-              <a:rPr lang="en-US" dirty="0" err="1"/>
-              <a:t>Yimin</a:t>
-            </a:r>
-            <a:r>
-              <a:rPr lang="en-US" dirty="0"/>
-              <a:t>] </a:t>
+              <a:t>Detailed Functionality-Game [Bin]</a:t>
             </a:r>
           </a:p>
         </p:txBody>
@@ -5061,6 +5288,107 @@
           <a:p>
             <a:r>
               <a:rPr lang="en-US" dirty="0"/>
+              <a:t>How did we change the game?</a:t>
+            </a:r>
+          </a:p>
+          <a:p>
+            <a:r>
+              <a:rPr lang="en-US" dirty="0"/>
+              <a:t>How do we use the output of the ADC</a:t>
+            </a:r>
+          </a:p>
+        </p:txBody>
+      </p:sp>
+    </p:spTree>
+    <p:extLst>
+      <p:ext uri="{BB962C8B-B14F-4D97-AF65-F5344CB8AC3E}">
+        <p14:creationId xmlns:p14="http://schemas.microsoft.com/office/powerpoint/2010/main" val="528772889"/>
+      </p:ext>
+    </p:extLst>
+  </p:cSld>
+  <p:clrMapOvr>
+    <a:masterClrMapping/>
+  </p:clrMapOvr>
+  <p:transition spd="med"/>
+</p:sld>
+</file>
+
+<file path=ppt/slides/slide8.xml><?xml version="1.0" encoding="utf-8"?>
+<p:sld xmlns:a="http://schemas.openxmlformats.org/drawingml/2006/main" xmlns:r="http://schemas.openxmlformats.org/officeDocument/2006/relationships" xmlns:p="http://schemas.openxmlformats.org/presentationml/2006/main">
+  <p:cSld>
+    <p:spTree>
+      <p:nvGrpSpPr>
+        <p:cNvPr id="1" name=""/>
+        <p:cNvGrpSpPr/>
+        <p:nvPr/>
+      </p:nvGrpSpPr>
+      <p:grpSpPr>
+        <a:xfrm>
+          <a:off x="0" y="0"/>
+          <a:ext cx="0" cy="0"/>
+          <a:chOff x="0" y="0"/>
+          <a:chExt cx="0" cy="0"/>
+        </a:xfrm>
+      </p:grpSpPr>
+      <p:sp>
+        <p:nvSpPr>
+          <p:cNvPr id="2" name="Title 1">
+            <a:extLst>
+              <a:ext uri="{FF2B5EF4-FFF2-40B4-BE49-F238E27FC236}">
+                <a16:creationId xmlns:a16="http://schemas.microsoft.com/office/drawing/2014/main" id="{6809E014-24B6-4F26-82D2-8232BDF7B56E}"/>
+              </a:ext>
+            </a:extLst>
+          </p:cNvPr>
+          <p:cNvSpPr>
+            <a:spLocks noGrp="1"/>
+          </p:cNvSpPr>
+          <p:nvPr>
+            <p:ph type="title"/>
+          </p:nvPr>
+        </p:nvSpPr>
+        <p:spPr/>
+        <p:txBody>
+          <a:bodyPr/>
+          <a:lstStyle/>
+          <a:p>
+            <a:r>
+              <a:rPr lang="en-US" dirty="0"/>
+              <a:t>Detailed Functionality-Memory [</a:t>
+            </a:r>
+            <a:r>
+              <a:rPr lang="en-US" dirty="0" err="1"/>
+              <a:t>Yimin</a:t>
+            </a:r>
+            <a:r>
+              <a:rPr lang="en-US" dirty="0"/>
+              <a:t>] </a:t>
+            </a:r>
+          </a:p>
+        </p:txBody>
+      </p:sp>
+      <p:sp>
+        <p:nvSpPr>
+          <p:cNvPr id="3" name="Text Placeholder 2">
+            <a:extLst>
+              <a:ext uri="{FF2B5EF4-FFF2-40B4-BE49-F238E27FC236}">
+                <a16:creationId xmlns:a16="http://schemas.microsoft.com/office/drawing/2014/main" id="{DB267B4A-B026-46B7-9D6E-BC609B9CE301}"/>
+              </a:ext>
+            </a:extLst>
+          </p:cNvPr>
+          <p:cNvSpPr>
+            <a:spLocks noGrp="1"/>
+          </p:cNvSpPr>
+          <p:nvPr>
+            <p:ph type="body" sz="half" idx="1"/>
+          </p:nvPr>
+        </p:nvSpPr>
+        <p:spPr/>
+        <p:txBody>
+          <a:bodyPr/>
+          <a:lstStyle/>
+          <a:p>
+            <a:r>
+              <a:rPr lang="en-US" dirty="0"/>
               <a:t>What were we planning on doing with the memory?</a:t>
             </a:r>
           </a:p>
@@ -5098,7 +5426,7 @@
 </p:sld>
 </file>
 
-<file path=ppt/slides/slide8.xml><?xml version="1.0" encoding="utf-8"?>
+<file path=ppt/slides/slide9.xml><?xml version="1.0" encoding="utf-8"?>
 <p:sld xmlns:a="http://schemas.openxmlformats.org/drawingml/2006/main" xmlns:r="http://schemas.openxmlformats.org/officeDocument/2006/relationships" xmlns:p="http://schemas.openxmlformats.org/presentationml/2006/main">
   <p:cSld>
     <p:spTree>
@@ -5172,135 +5500,6 @@
     <p:extLst>
       <p:ext uri="{BB962C8B-B14F-4D97-AF65-F5344CB8AC3E}">
         <p14:creationId xmlns:p14="http://schemas.microsoft.com/office/powerpoint/2010/main" val="3053318514"/>
-      </p:ext>
-    </p:extLst>
-  </p:cSld>
-  <p:clrMapOvr>
-    <a:masterClrMapping/>
-  </p:clrMapOvr>
-  <p:transition spd="med"/>
-</p:sld>
-</file>
-
-<file path=ppt/slides/slide9.xml><?xml version="1.0" encoding="utf-8"?>
-<p:sld xmlns:a="http://schemas.openxmlformats.org/drawingml/2006/main" xmlns:r="http://schemas.openxmlformats.org/officeDocument/2006/relationships" xmlns:p="http://schemas.openxmlformats.org/presentationml/2006/main">
-  <p:cSld>
-    <p:spTree>
-      <p:nvGrpSpPr>
-        <p:cNvPr id="1" name=""/>
-        <p:cNvGrpSpPr/>
-        <p:nvPr/>
-      </p:nvGrpSpPr>
-      <p:grpSpPr>
-        <a:xfrm>
-          <a:off x="0" y="0"/>
-          <a:ext cx="0" cy="0"/>
-          <a:chOff x="0" y="0"/>
-          <a:chExt cx="0" cy="0"/>
-        </a:xfrm>
-      </p:grpSpPr>
-      <p:sp>
-        <p:nvSpPr>
-          <p:cNvPr id="2" name="Title 1">
-            <a:extLst>
-              <a:ext uri="{FF2B5EF4-FFF2-40B4-BE49-F238E27FC236}">
-                <a16:creationId xmlns:a16="http://schemas.microsoft.com/office/drawing/2014/main" id="{200D8DF6-F784-4F6E-8355-DCA9B3C6A74C}"/>
-              </a:ext>
-            </a:extLst>
-          </p:cNvPr>
-          <p:cNvSpPr>
-            <a:spLocks noGrp="1"/>
-          </p:cNvSpPr>
-          <p:nvPr>
-            <p:ph type="title"/>
-          </p:nvPr>
-        </p:nvSpPr>
-        <p:spPr/>
-        <p:txBody>
-          <a:bodyPr/>
-          <a:lstStyle/>
-          <a:p>
-            <a:r>
-              <a:rPr lang="en-US" dirty="0"/>
-              <a:t>Verilog Example [Conor]</a:t>
-            </a:r>
-          </a:p>
-        </p:txBody>
-      </p:sp>
-      <p:sp>
-        <p:nvSpPr>
-          <p:cNvPr id="3" name="Text Placeholder 2">
-            <a:extLst>
-              <a:ext uri="{FF2B5EF4-FFF2-40B4-BE49-F238E27FC236}">
-                <a16:creationId xmlns:a16="http://schemas.microsoft.com/office/drawing/2014/main" id="{45B15F33-002C-459E-8BA3-897CD52D3A59}"/>
-              </a:ext>
-            </a:extLst>
-          </p:cNvPr>
-          <p:cNvSpPr>
-            <a:spLocks noGrp="1"/>
-          </p:cNvSpPr>
-          <p:nvPr>
-            <p:ph type="body" sz="half" idx="1"/>
-          </p:nvPr>
-        </p:nvSpPr>
-        <p:spPr/>
-        <p:txBody>
-          <a:bodyPr/>
-          <a:lstStyle/>
-          <a:p>
-            <a:r>
-              <a:rPr lang="en-US" dirty="0"/>
-              <a:t>ADC instantiation</a:t>
-            </a:r>
-          </a:p>
-          <a:p>
-            <a:r>
-              <a:rPr lang="en-US" dirty="0"/>
-              <a:t>Explain DRP connection</a:t>
-            </a:r>
-          </a:p>
-          <a:p>
-            <a:r>
-              <a:rPr lang="en-US" dirty="0"/>
-              <a:t>Annotate code with simple comments of functionality</a:t>
-            </a:r>
-          </a:p>
-        </p:txBody>
-      </p:sp>
-      <p:pic>
-        <p:nvPicPr>
-          <p:cNvPr id="4" name="Picture 3">
-            <a:extLst>
-              <a:ext uri="{FF2B5EF4-FFF2-40B4-BE49-F238E27FC236}">
-                <a16:creationId xmlns:a16="http://schemas.microsoft.com/office/drawing/2014/main" id="{0BA66D91-A091-4CEE-96AC-D79949A0B061}"/>
-              </a:ext>
-            </a:extLst>
-          </p:cNvPr>
-          <p:cNvPicPr>
-            <a:picLocks noChangeAspect="1"/>
-          </p:cNvPicPr>
-          <p:nvPr/>
-        </p:nvPicPr>
-        <p:blipFill>
-          <a:blip r:embed="rId2"/>
-          <a:stretch>
-            <a:fillRect/>
-          </a:stretch>
-        </p:blipFill>
-        <p:spPr>
-          <a:xfrm>
-            <a:off x="7358126" y="2437301"/>
-            <a:ext cx="2144218" cy="3683863"/>
-          </a:xfrm>
-          <a:prstGeom prst="rect">
-            <a:avLst/>
-          </a:prstGeom>
-        </p:spPr>
-      </p:pic>
-    </p:spTree>
-    <p:extLst>
-      <p:ext uri="{BB962C8B-B14F-4D97-AF65-F5344CB8AC3E}">
-        <p14:creationId xmlns:p14="http://schemas.microsoft.com/office/powerpoint/2010/main" val="2209896776"/>
       </p:ext>
     </p:extLst>
   </p:cSld>

--- a/Bringing the Analog World to Digital Design_EC551_Final Project.pptx
+++ b/Bringing the Analog World to Digital Design_EC551_Final Project.pptx
@@ -5,25 +5,26 @@
     <p:sldMasterId id="2147483648" r:id="rId1"/>
   </p:sldMasterIdLst>
   <p:notesMasterIdLst>
-    <p:notesMasterId r:id="rId18"/>
+    <p:notesMasterId r:id="rId19"/>
   </p:notesMasterIdLst>
   <p:sldIdLst>
     <p:sldId id="256" r:id="rId2"/>
     <p:sldId id="257" r:id="rId3"/>
     <p:sldId id="274" r:id="rId4"/>
     <p:sldId id="275" r:id="rId5"/>
-    <p:sldId id="276" r:id="rId6"/>
-    <p:sldId id="285" r:id="rId7"/>
-    <p:sldId id="281" r:id="rId8"/>
-    <p:sldId id="282" r:id="rId9"/>
-    <p:sldId id="277" r:id="rId10"/>
-    <p:sldId id="278" r:id="rId11"/>
-    <p:sldId id="279" r:id="rId12"/>
-    <p:sldId id="280" r:id="rId13"/>
-    <p:sldId id="284" r:id="rId14"/>
-    <p:sldId id="283" r:id="rId15"/>
-    <p:sldId id="268" r:id="rId16"/>
-    <p:sldId id="258" r:id="rId17"/>
+    <p:sldId id="286" r:id="rId6"/>
+    <p:sldId id="276" r:id="rId7"/>
+    <p:sldId id="285" r:id="rId8"/>
+    <p:sldId id="281" r:id="rId9"/>
+    <p:sldId id="282" r:id="rId10"/>
+    <p:sldId id="277" r:id="rId11"/>
+    <p:sldId id="278" r:id="rId12"/>
+    <p:sldId id="279" r:id="rId13"/>
+    <p:sldId id="280" r:id="rId14"/>
+    <p:sldId id="284" r:id="rId15"/>
+    <p:sldId id="283" r:id="rId16"/>
+    <p:sldId id="268" r:id="rId17"/>
+    <p:sldId id="258" r:id="rId18"/>
   </p:sldIdLst>
   <p:sldSz cx="12192000" cy="6858000"/>
   <p:notesSz cx="6858000" cy="9144000"/>
@@ -2623,7 +2624,7 @@
           </a:ln>
           <a:extLst>
             <a:ext uri="{C572A759-6A51-4108-AA02-DFA0A04FC94B}">
-              <ma14:wrappingTextBoxFlag xmlns="" xmlns:m="http://schemas.openxmlformats.org/officeDocument/2006/math" xmlns:a14="http://schemas.microsoft.com/office/drawing/2010/main" xmlns:ma14="http://schemas.microsoft.com/office/mac/drawingml/2011/main" val="1"/>
+              <ma14:wrappingTextBoxFlag xmlns:ma14="http://schemas.microsoft.com/office/mac/drawingml/2011/main" xmlns:a14="http://schemas.microsoft.com/office/drawing/2010/main" xmlns:m="http://schemas.openxmlformats.org/officeDocument/2006/math" xmlns="" val="1"/>
             </a:ext>
           </a:extLst>
         </p:spPr>
@@ -2662,7 +2663,7 @@
           </a:ln>
           <a:extLst>
             <a:ext uri="{C572A759-6A51-4108-AA02-DFA0A04FC94B}">
-              <ma14:wrappingTextBoxFlag xmlns="" xmlns:m="http://schemas.openxmlformats.org/officeDocument/2006/math" xmlns:a14="http://schemas.microsoft.com/office/drawing/2010/main" xmlns:ma14="http://schemas.microsoft.com/office/mac/drawingml/2011/main" val="1"/>
+              <ma14:wrappingTextBoxFlag xmlns:ma14="http://schemas.microsoft.com/office/mac/drawingml/2011/main" xmlns:a14="http://schemas.microsoft.com/office/drawing/2010/main" xmlns:m="http://schemas.openxmlformats.org/officeDocument/2006/math" xmlns="" val="1"/>
             </a:ext>
           </a:extLst>
         </p:spPr>
@@ -3676,6 +3677,90 @@
           <p:cNvPr id="2" name="Title 1">
             <a:extLst>
               <a:ext uri="{FF2B5EF4-FFF2-40B4-BE49-F238E27FC236}">
+                <a16:creationId xmlns:a16="http://schemas.microsoft.com/office/drawing/2014/main" id="{4848E6D0-1F8A-455D-AFD3-64A4D88F6C46}"/>
+              </a:ext>
+            </a:extLst>
+          </p:cNvPr>
+          <p:cNvSpPr>
+            <a:spLocks noGrp="1"/>
+          </p:cNvSpPr>
+          <p:nvPr>
+            <p:ph type="title"/>
+          </p:nvPr>
+        </p:nvSpPr>
+        <p:spPr/>
+        <p:txBody>
+          <a:bodyPr/>
+          <a:lstStyle/>
+          <a:p>
+            <a:r>
+              <a:rPr lang="en-US" dirty="0"/>
+              <a:t>Detailed Block Diagram [Bin]</a:t>
+            </a:r>
+          </a:p>
+        </p:txBody>
+      </p:sp>
+      <p:sp>
+        <p:nvSpPr>
+          <p:cNvPr id="3" name="Text Placeholder 2">
+            <a:extLst>
+              <a:ext uri="{FF2B5EF4-FFF2-40B4-BE49-F238E27FC236}">
+                <a16:creationId xmlns:a16="http://schemas.microsoft.com/office/drawing/2014/main" id="{CB0228E2-EB34-4EFA-9FD6-234EE40B06D7}"/>
+              </a:ext>
+            </a:extLst>
+          </p:cNvPr>
+          <p:cNvSpPr>
+            <a:spLocks noGrp="1"/>
+          </p:cNvSpPr>
+          <p:nvPr>
+            <p:ph type="body" sz="half" idx="1"/>
+          </p:nvPr>
+        </p:nvSpPr>
+        <p:spPr/>
+        <p:txBody>
+          <a:bodyPr/>
+          <a:lstStyle/>
+          <a:p>
+            <a:endParaRPr lang="en-US"/>
+          </a:p>
+        </p:txBody>
+      </p:sp>
+    </p:spTree>
+    <p:extLst>
+      <p:ext uri="{BB962C8B-B14F-4D97-AF65-F5344CB8AC3E}">
+        <p14:creationId xmlns:p14="http://schemas.microsoft.com/office/powerpoint/2010/main" val="3053318514"/>
+      </p:ext>
+    </p:extLst>
+  </p:cSld>
+  <p:clrMapOvr>
+    <a:masterClrMapping/>
+  </p:clrMapOvr>
+  <p:transition spd="med"/>
+</p:sld>
+</file>
+
+<file path=ppt/slides/slide11.xml><?xml version="1.0" encoding="utf-8"?>
+<p:sld xmlns:a="http://schemas.openxmlformats.org/drawingml/2006/main" xmlns:r="http://schemas.openxmlformats.org/officeDocument/2006/relationships" xmlns:p="http://schemas.openxmlformats.org/presentationml/2006/main">
+  <p:cSld>
+    <p:spTree>
+      <p:nvGrpSpPr>
+        <p:cNvPr id="1" name=""/>
+        <p:cNvGrpSpPr/>
+        <p:nvPr/>
+      </p:nvGrpSpPr>
+      <p:grpSpPr>
+        <a:xfrm>
+          <a:off x="0" y="0"/>
+          <a:ext cx="0" cy="0"/>
+          <a:chOff x="0" y="0"/>
+          <a:chExt cx="0" cy="0"/>
+        </a:xfrm>
+      </p:grpSpPr>
+      <p:sp>
+        <p:nvSpPr>
+          <p:cNvPr id="2" name="Title 1">
+            <a:extLst>
+              <a:ext uri="{FF2B5EF4-FFF2-40B4-BE49-F238E27FC236}">
                 <a16:creationId xmlns:a16="http://schemas.microsoft.com/office/drawing/2014/main" id="{200D8DF6-F784-4F6E-8355-DCA9B3C6A74C}"/>
               </a:ext>
             </a:extLst>
@@ -3715,7 +3800,12 @@
             <p:ph type="body" sz="half" idx="1"/>
           </p:nvPr>
         </p:nvSpPr>
-        <p:spPr/>
+        <p:spPr>
+          <a:xfrm>
+            <a:off x="972600" y="2771832"/>
+            <a:ext cx="6891240" cy="3014802"/>
+          </a:xfrm>
+        </p:spPr>
         <p:txBody>
           <a:bodyPr/>
           <a:lstStyle/>
@@ -3737,8 +3827,43 @@
               <a:t>Annotate code with simple comments of functionality</a:t>
             </a:r>
           </a:p>
+          <a:p>
+            <a:r>
+              <a:rPr lang="en-US" dirty="0"/>
+              <a:t>The DRP is the interface between the ADC and FPGA through which the FPGA can access the ADC registers</a:t>
+            </a:r>
+          </a:p>
         </p:txBody>
       </p:sp>
+      <p:pic>
+        <p:nvPicPr>
+          <p:cNvPr id="5" name="Picture 4">
+            <a:extLst>
+              <a:ext uri="{FF2B5EF4-FFF2-40B4-BE49-F238E27FC236}">
+                <a16:creationId xmlns:a16="http://schemas.microsoft.com/office/drawing/2014/main" id="{7FE297F8-DD21-E0BE-1330-60FBBF4E2BFB}"/>
+              </a:ext>
+            </a:extLst>
+          </p:cNvPr>
+          <p:cNvPicPr>
+            <a:picLocks noChangeAspect="1"/>
+          </p:cNvPicPr>
+          <p:nvPr/>
+        </p:nvPicPr>
+        <p:blipFill rotWithShape="1">
+          <a:blip r:embed="rId2"/>
+          <a:srcRect t="843"/>
+          <a:stretch/>
+        </p:blipFill>
+        <p:spPr>
+          <a:xfrm>
+            <a:off x="8040455" y="228841"/>
+            <a:ext cx="3901778" cy="6400317"/>
+          </a:xfrm>
+          <a:prstGeom prst="rect">
+            <a:avLst/>
+          </a:prstGeom>
+        </p:spPr>
+      </p:pic>
     </p:spTree>
     <p:extLst>
       <p:ext uri="{BB962C8B-B14F-4D97-AF65-F5344CB8AC3E}">
@@ -3753,7 +3878,7 @@
 </p:sld>
 </file>
 
-<file path=ppt/slides/slide11.xml><?xml version="1.0" encoding="utf-8"?>
+<file path=ppt/slides/slide12.xml><?xml version="1.0" encoding="utf-8"?>
 <p:sld xmlns:a="http://schemas.openxmlformats.org/drawingml/2006/main" xmlns:r="http://schemas.openxmlformats.org/officeDocument/2006/relationships" xmlns:p="http://schemas.openxmlformats.org/presentationml/2006/main">
   <p:cSld>
     <p:spTree>
@@ -3834,13 +3959,8 @@
           <a:p>
             <a:r>
               <a:rPr lang="en-US" dirty="0"/>
-              <a:t>Attribution </a:t>
-            </a:r>
-            <a:r>
-              <a:rPr lang="en-US"/>
-              <a:t>of successes</a:t>
-            </a:r>
-            <a:endParaRPr lang="en-US" dirty="0"/>
+              <a:t>Attribution of successes</a:t>
+            </a:r>
           </a:p>
         </p:txBody>
       </p:sp>
@@ -3858,7 +3978,7 @@
 </p:sld>
 </file>
 
-<file path=ppt/slides/slide12.xml><?xml version="1.0" encoding="utf-8"?>
+<file path=ppt/slides/slide13.xml><?xml version="1.0" encoding="utf-8"?>
 <p:sld xmlns:a="http://schemas.openxmlformats.org/drawingml/2006/main" xmlns:r="http://schemas.openxmlformats.org/officeDocument/2006/relationships" xmlns:p="http://schemas.openxmlformats.org/presentationml/2006/main">
   <p:cSld>
     <p:spTree>
@@ -3957,7 +4077,7 @@
 </p:sld>
 </file>
 
-<file path=ppt/slides/slide13.xml><?xml version="1.0" encoding="utf-8"?>
+<file path=ppt/slides/slide14.xml><?xml version="1.0" encoding="utf-8"?>
 <p:sld xmlns:a="http://schemas.openxmlformats.org/drawingml/2006/main" xmlns:r="http://schemas.openxmlformats.org/officeDocument/2006/relationships" xmlns:p="http://schemas.openxmlformats.org/presentationml/2006/main">
   <p:cSld>
     <p:spTree>
@@ -4023,7 +4143,10 @@
           <a:bodyPr/>
           <a:lstStyle/>
           <a:p>
-            <a:endParaRPr lang="en-US" dirty="0"/>
+            <a:r>
+              <a:rPr lang="en-US" dirty="0"/>
+              <a:t>https://github.com/Digilent/Nexys-A7-100T-XADC</a:t>
+            </a:r>
           </a:p>
         </p:txBody>
       </p:sp>
@@ -4041,7 +4164,7 @@
 </p:sld>
 </file>
 
-<file path=ppt/slides/slide14.xml><?xml version="1.0" encoding="utf-8"?>
+<file path=ppt/slides/slide15.xml><?xml version="1.0" encoding="utf-8"?>
 <p:sld xmlns:a="http://schemas.openxmlformats.org/drawingml/2006/main" xmlns:r="http://schemas.openxmlformats.org/officeDocument/2006/relationships" xmlns:p="http://schemas.openxmlformats.org/presentationml/2006/main">
   <p:cSld>
     <p:spTree>
@@ -4100,7 +4223,7 @@
 </p:sld>
 </file>
 
-<file path=ppt/slides/slide15.xml><?xml version="1.0" encoding="utf-8"?>
+<file path=ppt/slides/slide16.xml><?xml version="1.0" encoding="utf-8"?>
 <p:sld xmlns:a="http://schemas.openxmlformats.org/drawingml/2006/main" xmlns:r="http://schemas.openxmlformats.org/officeDocument/2006/relationships" xmlns:p="http://schemas.openxmlformats.org/presentationml/2006/main">
   <p:cSld>
     <p:spTree>
@@ -4337,7 +4460,7 @@
 </p:sld>
 </file>
 
-<file path=ppt/slides/slide16.xml><?xml version="1.0" encoding="utf-8"?>
+<file path=ppt/slides/slide17.xml><?xml version="1.0" encoding="utf-8"?>
 <p:sld xmlns:a="http://schemas.openxmlformats.org/drawingml/2006/main" xmlns:r="http://schemas.openxmlformats.org/officeDocument/2006/relationships" xmlns:p="http://schemas.openxmlformats.org/presentationml/2006/main">
   <p:cSld>
     <p:spTree>
@@ -4471,47 +4594,6 @@
       </p:grpSpPr>
       <p:sp>
         <p:nvSpPr>
-          <p:cNvPr id="132" name="Google Shape;130;p20"/>
-          <p:cNvSpPr txBox="1">
-            <a:spLocks noGrp="1"/>
-          </p:cNvSpPr>
-          <p:nvPr>
-            <p:ph type="title"/>
-          </p:nvPr>
-        </p:nvSpPr>
-        <p:spPr>
-          <a:xfrm>
-            <a:off x="972600" y="1758200"/>
-            <a:ext cx="10251600" cy="713601"/>
-          </a:xfrm>
-          <a:prstGeom prst="rect">
-            <a:avLst/>
-          </a:prstGeom>
-        </p:spPr>
-        <p:txBody>
-          <a:bodyPr lIns="121899" tIns="121899" rIns="121899" bIns="121899">
-            <a:normAutofit fontScale="90000"/>
-          </a:bodyPr>
-          <a:lstStyle>
-            <a:lvl1pPr defTabSz="822959">
-              <a:defRPr sz="3150"/>
-            </a:lvl1pPr>
-          </a:lstStyle>
-          <a:p>
-            <a:r>
-              <a:rPr dirty="0"/>
-              <a:t>Goal</a:t>
-            </a:r>
-            <a:r>
-              <a:rPr lang="en-US" dirty="0"/>
-              <a:t>/Motivation</a:t>
-            </a:r>
-            <a:endParaRPr dirty="0"/>
-          </a:p>
-        </p:txBody>
-      </p:sp>
-      <p:sp>
-        <p:nvSpPr>
           <p:cNvPr id="133" name="Google Shape;131;p20"/>
           <p:cNvSpPr txBox="1">
             <a:spLocks noGrp="1"/>
@@ -4522,7 +4604,7 @@
         </p:nvSpPr>
         <p:spPr>
           <a:xfrm>
-            <a:off x="972600" y="2568632"/>
+            <a:off x="890304" y="2047424"/>
             <a:ext cx="10251600" cy="4046401"/>
           </a:xfrm>
           <a:prstGeom prst="rect">
@@ -4533,6 +4615,17 @@
           <a:bodyPr lIns="121899" tIns="121899" rIns="121899" bIns="121899"/>
           <a:lstStyle/>
           <a:p>
+            <a:pPr marL="194729" indent="0">
+              <a:buNone/>
+              <a:defRPr sz="2400"/>
+            </a:pPr>
+            <a:r>
+              <a:rPr lang="en-US" sz="2400" b="1" dirty="0"/>
+              <a:t>Goals</a:t>
+            </a:r>
+            <a:endParaRPr lang="en-US" sz="2000" b="1" dirty="0"/>
+          </a:p>
+          <a:p>
             <a:pPr>
               <a:defRPr sz="2400"/>
             </a:pPr>
@@ -4540,34 +4633,33 @@
               <a:rPr sz="2000" dirty="0"/>
               <a:t>Explore the use of analog signals</a:t>
             </a:r>
+            <a:endParaRPr lang="en-US" sz="2000" dirty="0"/>
           </a:p>
           <a:p>
             <a:pPr>
               <a:defRPr sz="2400"/>
             </a:pPr>
             <a:r>
-              <a:rPr sz="2000" dirty="0"/>
-              <a:t>Exchange a digital input for a game with an analog input</a:t>
+              <a:rPr lang="en-US" sz="2000" dirty="0"/>
+              <a:t>Deep dive into how Analog to Digital Converters (ADCs) work</a:t>
             </a:r>
           </a:p>
           <a:p>
             <a:pPr>
               <a:defRPr sz="2400"/>
             </a:pPr>
-            <a:r>
-              <a:rPr sz="2000" dirty="0"/>
-              <a:t>Store ADC data</a:t>
-            </a:r>
-          </a:p>
-          <a:p>
-            <a:pPr>
+            <a:endParaRPr lang="en-US" sz="2000" dirty="0"/>
+          </a:p>
+          <a:p>
+            <a:pPr marL="194729" indent="0">
+              <a:buNone/>
               <a:defRPr sz="2400"/>
             </a:pPr>
             <a:r>
-              <a:rPr sz="2000" dirty="0"/>
-              <a:t>Pull data from memory</a:t>
-            </a:r>
-            <a:endParaRPr lang="en-US" sz="2000" dirty="0"/>
+              <a:rPr lang="en-US" sz="2400" b="1" dirty="0"/>
+              <a:t>Motivation</a:t>
+            </a:r>
+            <a:endParaRPr sz="2000" b="1" dirty="0"/>
           </a:p>
           <a:p>
             <a:r>
@@ -4578,30 +4670,58 @@
           <a:p>
             <a:r>
               <a:rPr lang="en-US" sz="2000" dirty="0"/>
-              <a:t>Analog is more interesting than digital</a:t>
-            </a:r>
-          </a:p>
-          <a:p>
-            <a:r>
-              <a:rPr lang="en-US" sz="2000" dirty="0"/>
               <a:t>Requires interacting with and controlling another component of the development board (Analog to Digital Converter (ADC))</a:t>
             </a:r>
-          </a:p>
-          <a:p>
-            <a:pPr indent="-423322">
-              <a:lnSpc>
-                <a:spcPct val="200000"/>
-              </a:lnSpc>
-              <a:spcBef>
-                <a:spcPts val="100"/>
-              </a:spcBef>
-              <a:buSzPts val="2400"/>
-              <a:defRPr sz="2400"/>
-            </a:pPr>
-            <a:endParaRPr lang="en-US" dirty="0"/>
           </a:p>
         </p:txBody>
       </p:sp>
+      <p:pic>
+        <p:nvPicPr>
+          <p:cNvPr id="4" name="Picture 2" descr="Analog to Digital Signal Diagram">
+            <a:extLst>
+              <a:ext uri="{FF2B5EF4-FFF2-40B4-BE49-F238E27FC236}">
+                <a16:creationId xmlns:a16="http://schemas.microsoft.com/office/drawing/2014/main" id="{F2EC18AF-336E-CB42-BE91-F5C4E1211B1B}"/>
+              </a:ext>
+            </a:extLst>
+          </p:cNvPr>
+          <p:cNvPicPr>
+            <a:picLocks noChangeAspect="1" noChangeArrowheads="1"/>
+          </p:cNvPicPr>
+          <p:nvPr/>
+        </p:nvPicPr>
+        <p:blipFill>
+          <a:blip r:embed="rId2" cstate="print">
+            <a:extLst>
+              <a:ext uri="{28A0092B-C50C-407E-A947-70E740481C1C}">
+                <a14:useLocalDpi xmlns:a14="http://schemas.microsoft.com/office/drawing/2010/main" val="0"/>
+              </a:ext>
+            </a:extLst>
+          </a:blip>
+          <a:srcRect/>
+          <a:stretch>
+            <a:fillRect/>
+          </a:stretch>
+        </p:blipFill>
+        <p:spPr bwMode="auto">
+          <a:xfrm>
+            <a:off x="7566356" y="764175"/>
+            <a:ext cx="4625644" cy="1725837"/>
+          </a:xfrm>
+          <a:prstGeom prst="rect">
+            <a:avLst/>
+          </a:prstGeom>
+          <a:noFill/>
+          <a:extLst>
+            <a:ext uri="{909E8E84-426E-40DD-AFC4-6F175D3DCCD1}">
+              <a14:hiddenFill xmlns:a14="http://schemas.microsoft.com/office/drawing/2010/main">
+                <a:solidFill>
+                  <a:srgbClr val="FFFFFF"/>
+                </a:solidFill>
+              </a14:hiddenFill>
+            </a:ext>
+          </a:extLst>
+        </p:spPr>
+      </p:pic>
     </p:spTree>
   </p:cSld>
   <p:clrMapOvr>
@@ -4841,7 +4961,7 @@
           <a:p>
             <a:r>
               <a:rPr lang="en-US" dirty="0"/>
-              <a:t>Detailed Functionality-ADC [Conor]</a:t>
+              <a:t>Analog to Digital Converter (ADC)</a:t>
             </a:r>
           </a:p>
         </p:txBody>
@@ -4865,97 +4985,524 @@
         <p:spPr>
           <a:xfrm>
             <a:off x="972600" y="2771832"/>
-            <a:ext cx="5818818" cy="3014802"/>
+            <a:ext cx="6306024" cy="3912432"/>
           </a:xfrm>
         </p:spPr>
         <p:txBody>
           <a:bodyPr>
-            <a:normAutofit fontScale="92500" lnSpcReduction="10000"/>
+            <a:normAutofit/>
           </a:bodyPr>
           <a:lstStyle/>
           <a:p>
             <a:r>
+              <a:rPr lang="en-US" sz="1400" dirty="0"/>
+              <a:t>What is an ADC?</a:t>
+            </a:r>
+          </a:p>
+          <a:p>
+            <a:pPr lvl="1"/>
+            <a:r>
+              <a:rPr lang="en-US" sz="1400" dirty="0"/>
+              <a:t>HW that takes in an analog signal and converts it to a digital output</a:t>
+            </a:r>
+          </a:p>
+          <a:p>
+            <a:pPr lvl="1"/>
+            <a:r>
+              <a:rPr lang="en-US" sz="1400" dirty="0"/>
+              <a:t>In other words, it changes an analog signal that is </a:t>
+            </a:r>
+            <a:r>
+              <a:rPr lang="en-US" sz="1400" b="1" u="sng" dirty="0"/>
+              <a:t>continuous</a:t>
+            </a:r>
+            <a:r>
+              <a:rPr lang="en-US" sz="1400" dirty="0"/>
+              <a:t> in terms of both time and amplitude to a digital signal that is </a:t>
+            </a:r>
+            <a:r>
+              <a:rPr lang="en-US" sz="1400" b="1" u="sng" dirty="0"/>
+              <a:t>discrete</a:t>
+            </a:r>
+            <a:r>
+              <a:rPr lang="en-US" sz="1400" dirty="0"/>
+              <a:t> in terms of both time and amplitude</a:t>
+            </a:r>
+          </a:p>
+          <a:p>
+            <a:r>
+              <a:rPr lang="en-US" sz="1400" dirty="0"/>
+              <a:t>How does an ADC work?</a:t>
+            </a:r>
+          </a:p>
+          <a:p>
+            <a:pPr lvl="1"/>
+            <a:r>
+              <a:rPr lang="en-US" sz="1400" dirty="0"/>
+              <a:t>Analog input is </a:t>
+            </a:r>
+            <a:r>
+              <a:rPr lang="en-US" sz="1400" b="1" u="sng" dirty="0"/>
+              <a:t>sampled</a:t>
+            </a:r>
+            <a:r>
+              <a:rPr lang="en-US" sz="1400" dirty="0"/>
+              <a:t> at a certain frequency</a:t>
+            </a:r>
+          </a:p>
+          <a:p>
+            <a:pPr lvl="1"/>
+            <a:r>
+              <a:rPr lang="en-US" sz="1400" dirty="0"/>
+              <a:t>Sample is </a:t>
+            </a:r>
+            <a:r>
+              <a:rPr lang="en-US" sz="1400" b="1" u="sng" dirty="0"/>
+              <a:t>quantized</a:t>
+            </a:r>
+            <a:r>
+              <a:rPr lang="en-US" sz="1400" dirty="0"/>
+              <a:t> into a digital value by comparing with a reference voltage</a:t>
+            </a:r>
+          </a:p>
+          <a:p>
+            <a:pPr lvl="1"/>
+            <a:r>
+              <a:rPr lang="en-US" sz="1400" dirty="0"/>
+              <a:t>12-bit ADC =&gt; 4096 quantization levels</a:t>
+            </a:r>
+          </a:p>
+          <a:p>
+            <a:r>
+              <a:rPr lang="en-US" sz="1400" dirty="0"/>
+              <a:t>How does ADC sampling work?</a:t>
+            </a:r>
+          </a:p>
+          <a:p>
+            <a:pPr lvl="1"/>
+            <a:r>
+              <a:rPr lang="en-US" sz="1400" dirty="0"/>
+              <a:t>Choose sample rate so the digital output accurately reflects the input (≥ 2x the fastest input frequency) </a:t>
+            </a:r>
+          </a:p>
+          <a:p>
+            <a:pPr lvl="1"/>
+            <a:r>
+              <a:rPr lang="en-US" sz="1400" dirty="0"/>
+              <a:t>Max sample rate 1MSPS</a:t>
+            </a:r>
+          </a:p>
+          <a:p>
+            <a:endParaRPr lang="en-US" sz="900" dirty="0"/>
+          </a:p>
+        </p:txBody>
+      </p:sp>
+      <p:pic>
+        <p:nvPicPr>
+          <p:cNvPr id="1026" name="Picture 2" descr="Analog to Digital Signal Diagram">
+            <a:extLst>
+              <a:ext uri="{FF2B5EF4-FFF2-40B4-BE49-F238E27FC236}">
+                <a16:creationId xmlns:a16="http://schemas.microsoft.com/office/drawing/2014/main" id="{902175C8-EBF9-7AED-F55D-82954BBF5D5C}"/>
+              </a:ext>
+            </a:extLst>
+          </p:cNvPr>
+          <p:cNvPicPr>
+            <a:picLocks noChangeAspect="1" noChangeArrowheads="1"/>
+          </p:cNvPicPr>
+          <p:nvPr/>
+        </p:nvPicPr>
+        <p:blipFill>
+          <a:blip r:embed="rId2" cstate="print">
+            <a:extLst>
+              <a:ext uri="{28A0092B-C50C-407E-A947-70E740481C1C}">
+                <a14:useLocalDpi xmlns:a14="http://schemas.microsoft.com/office/drawing/2010/main" val="0"/>
+              </a:ext>
+            </a:extLst>
+          </a:blip>
+          <a:srcRect/>
+          <a:stretch>
+            <a:fillRect/>
+          </a:stretch>
+        </p:blipFill>
+        <p:spPr bwMode="auto">
+          <a:xfrm>
+            <a:off x="8004837" y="2515437"/>
+            <a:ext cx="4112865" cy="1534518"/>
+          </a:xfrm>
+          <a:prstGeom prst="rect">
+            <a:avLst/>
+          </a:prstGeom>
+          <a:noFill/>
+          <a:extLst>
+            <a:ext uri="{909E8E84-426E-40DD-AFC4-6F175D3DCCD1}">
+              <a14:hiddenFill xmlns:a14="http://schemas.microsoft.com/office/drawing/2010/main">
+                <a:solidFill>
+                  <a:srgbClr val="FFFFFF"/>
+                </a:solidFill>
+              </a14:hiddenFill>
+            </a:ext>
+          </a:extLst>
+        </p:spPr>
+      </p:pic>
+      <p:pic>
+        <p:nvPicPr>
+          <p:cNvPr id="1028" name="Picture 4" descr="Digital Signal Resolution Example">
+            <a:extLst>
+              <a:ext uri="{FF2B5EF4-FFF2-40B4-BE49-F238E27FC236}">
+                <a16:creationId xmlns:a16="http://schemas.microsoft.com/office/drawing/2014/main" id="{B01502CB-FDB2-8814-A133-7EC6E28D00E6}"/>
+              </a:ext>
+            </a:extLst>
+          </p:cNvPr>
+          <p:cNvPicPr>
+            <a:picLocks noChangeAspect="1" noChangeArrowheads="1"/>
+          </p:cNvPicPr>
+          <p:nvPr/>
+        </p:nvPicPr>
+        <p:blipFill>
+          <a:blip r:embed="rId3">
+            <a:extLst>
+              <a:ext uri="{28A0092B-C50C-407E-A947-70E740481C1C}">
+                <a14:useLocalDpi xmlns:a14="http://schemas.microsoft.com/office/drawing/2010/main" val="0"/>
+              </a:ext>
+            </a:extLst>
+          </a:blip>
+          <a:srcRect/>
+          <a:stretch>
+            <a:fillRect/>
+          </a:stretch>
+        </p:blipFill>
+        <p:spPr bwMode="auto">
+          <a:xfrm>
+            <a:off x="8610704" y="4386199"/>
+            <a:ext cx="3181615" cy="1904872"/>
+          </a:xfrm>
+          <a:prstGeom prst="rect">
+            <a:avLst/>
+          </a:prstGeom>
+          <a:noFill/>
+          <a:extLst>
+            <a:ext uri="{909E8E84-426E-40DD-AFC4-6F175D3DCCD1}">
+              <a14:hiddenFill xmlns:a14="http://schemas.microsoft.com/office/drawing/2010/main">
+                <a:solidFill>
+                  <a:srgbClr val="FFFFFF"/>
+                </a:solidFill>
+              </a14:hiddenFill>
+            </a:ext>
+          </a:extLst>
+        </p:spPr>
+      </p:pic>
+      <p:sp>
+        <p:nvSpPr>
+          <p:cNvPr id="5" name="TextBox 4">
+            <a:extLst>
+              <a:ext uri="{FF2B5EF4-FFF2-40B4-BE49-F238E27FC236}">
+                <a16:creationId xmlns:a16="http://schemas.microsoft.com/office/drawing/2014/main" id="{761CAB8E-C59C-28EC-7C61-7FEB8A3F78AB}"/>
+              </a:ext>
+            </a:extLst>
+          </p:cNvPr>
+          <p:cNvSpPr txBox="1"/>
+          <p:nvPr/>
+        </p:nvSpPr>
+        <p:spPr>
+          <a:xfrm>
+            <a:off x="8884920" y="6291071"/>
+            <a:ext cx="2633184" cy="261608"/>
+          </a:xfrm>
+          <a:prstGeom prst="rect">
+            <a:avLst/>
+          </a:prstGeom>
+          <a:noFill/>
+          <a:ln w="12700" cap="flat">
+            <a:noFill/>
+            <a:miter lim="400000"/>
+          </a:ln>
+          <a:effectLst/>
+          <a:sp3d/>
+        </p:spPr>
+        <p:style>
+          <a:lnRef idx="0">
+            <a:scrgbClr r="0" g="0" b="0"/>
+          </a:lnRef>
+          <a:fillRef idx="0">
+            <a:scrgbClr r="0" g="0" b="0"/>
+          </a:fillRef>
+          <a:effectRef idx="0">
+            <a:scrgbClr r="0" g="0" b="0"/>
+          </a:effectRef>
+          <a:fontRef idx="none"/>
+        </p:style>
+        <p:txBody>
+          <a:bodyPr rot="0" spcFirstLastPara="1" vertOverflow="overflow" horzOverflow="overflow" vert="horz" wrap="square" lIns="45719" tIns="45719" rIns="45719" bIns="45719" numCol="1" spcCol="38100" rtlCol="0" anchor="t">
+            <a:spAutoFit/>
+          </a:bodyPr>
+          <a:lstStyle/>
+          <a:p>
+            <a:pPr marL="0" marR="0" indent="0" algn="ctr" defTabSz="914400" rtl="0" fontAlgn="auto" latinLnBrk="0" hangingPunct="0">
+              <a:lnSpc>
+                <a:spcPct val="100000"/>
+              </a:lnSpc>
+              <a:spcBef>
+                <a:spcPts val="0"/>
+              </a:spcBef>
+              <a:spcAft>
+                <a:spcPts val="0"/>
+              </a:spcAft>
+              <a:buClrTx/>
+              <a:buSzTx/>
+              <a:buFontTx/>
+              <a:buNone/>
+              <a:tabLst/>
+            </a:pPr>
+            <a:r>
+              <a:rPr lang="en-US" sz="1100" dirty="0"/>
+              <a:t>Illustration of quantization levels</a:t>
+            </a:r>
+            <a:endParaRPr kumimoji="0" lang="en-US" sz="1100" b="0" i="0" u="none" strike="noStrike" cap="none" spc="0" normalizeH="0" baseline="0" dirty="0">
+              <a:ln>
+                <a:noFill/>
+              </a:ln>
+              <a:solidFill>
+                <a:srgbClr val="1A9988"/>
+              </a:solidFill>
+              <a:effectLst/>
+              <a:uFillTx/>
+              <a:latin typeface="Arial"/>
+              <a:ea typeface="Arial"/>
+              <a:cs typeface="Arial"/>
+              <a:sym typeface="Arial"/>
+            </a:endParaRPr>
+          </a:p>
+        </p:txBody>
+      </p:sp>
+      <p:sp>
+        <p:nvSpPr>
+          <p:cNvPr id="7" name="TextBox 6">
+            <a:extLst>
+              <a:ext uri="{FF2B5EF4-FFF2-40B4-BE49-F238E27FC236}">
+                <a16:creationId xmlns:a16="http://schemas.microsoft.com/office/drawing/2014/main" id="{467F726B-D32F-6031-AA21-AF013FC37FEE}"/>
+              </a:ext>
+            </a:extLst>
+          </p:cNvPr>
+          <p:cNvSpPr txBox="1"/>
+          <p:nvPr/>
+        </p:nvSpPr>
+        <p:spPr>
+          <a:xfrm>
+            <a:off x="7986550" y="3995142"/>
+            <a:ext cx="4112864" cy="261608"/>
+          </a:xfrm>
+          <a:prstGeom prst="rect">
+            <a:avLst/>
+          </a:prstGeom>
+          <a:noFill/>
+          <a:ln w="12700" cap="flat">
+            <a:noFill/>
+            <a:miter lim="400000"/>
+          </a:ln>
+          <a:effectLst/>
+          <a:sp3d/>
+        </p:spPr>
+        <p:style>
+          <a:lnRef idx="0">
+            <a:scrgbClr r="0" g="0" b="0"/>
+          </a:lnRef>
+          <a:fillRef idx="0">
+            <a:scrgbClr r="0" g="0" b="0"/>
+          </a:fillRef>
+          <a:effectRef idx="0">
+            <a:scrgbClr r="0" g="0" b="0"/>
+          </a:effectRef>
+          <a:fontRef idx="none"/>
+        </p:style>
+        <p:txBody>
+          <a:bodyPr rot="0" spcFirstLastPara="1" vertOverflow="overflow" horzOverflow="overflow" vert="horz" wrap="square" lIns="45719" tIns="45719" rIns="45719" bIns="45719" numCol="1" spcCol="38100" rtlCol="0" anchor="t">
+            <a:spAutoFit/>
+          </a:bodyPr>
+          <a:lstStyle/>
+          <a:p>
+            <a:pPr marL="0" marR="0" indent="0" algn="ctr" defTabSz="914400" rtl="0" fontAlgn="auto" latinLnBrk="0" hangingPunct="0">
+              <a:lnSpc>
+                <a:spcPct val="100000"/>
+              </a:lnSpc>
+              <a:spcBef>
+                <a:spcPts val="0"/>
+              </a:spcBef>
+              <a:spcAft>
+                <a:spcPts val="0"/>
+              </a:spcAft>
+              <a:buClrTx/>
+              <a:buSzTx/>
+              <a:buFontTx/>
+              <a:buNone/>
+              <a:tabLst/>
+            </a:pPr>
+            <a:r>
+              <a:rPr lang="en-US" sz="1100" dirty="0"/>
+              <a:t>Illustration of analog input being approximated by a digital output</a:t>
+            </a:r>
+            <a:endParaRPr kumimoji="0" lang="en-US" sz="1100" b="0" i="0" u="none" strike="noStrike" cap="none" spc="0" normalizeH="0" baseline="0" dirty="0">
+              <a:ln>
+                <a:noFill/>
+              </a:ln>
+              <a:solidFill>
+                <a:srgbClr val="1A9988"/>
+              </a:solidFill>
+              <a:effectLst/>
+              <a:uFillTx/>
+              <a:latin typeface="Arial"/>
+              <a:ea typeface="Arial"/>
+              <a:cs typeface="Arial"/>
+              <a:sym typeface="Arial"/>
+            </a:endParaRPr>
+          </a:p>
+        </p:txBody>
+      </p:sp>
+    </p:spTree>
+    <p:extLst>
+      <p:ext uri="{BB962C8B-B14F-4D97-AF65-F5344CB8AC3E}">
+        <p14:creationId xmlns:p14="http://schemas.microsoft.com/office/powerpoint/2010/main" val="959804788"/>
+      </p:ext>
+    </p:extLst>
+  </p:cSld>
+  <p:clrMapOvr>
+    <a:masterClrMapping/>
+  </p:clrMapOvr>
+  <p:transition spd="med"/>
+</p:sld>
+</file>
+
+<file path=ppt/slides/slide6.xml><?xml version="1.0" encoding="utf-8"?>
+<p:sld xmlns:a="http://schemas.openxmlformats.org/drawingml/2006/main" xmlns:r="http://schemas.openxmlformats.org/officeDocument/2006/relationships" xmlns:p="http://schemas.openxmlformats.org/presentationml/2006/main">
+  <p:cSld>
+    <p:spTree>
+      <p:nvGrpSpPr>
+        <p:cNvPr id="1" name=""/>
+        <p:cNvGrpSpPr/>
+        <p:nvPr/>
+      </p:nvGrpSpPr>
+      <p:grpSpPr>
+        <a:xfrm>
+          <a:off x="0" y="0"/>
+          <a:ext cx="0" cy="0"/>
+          <a:chOff x="0" y="0"/>
+          <a:chExt cx="0" cy="0"/>
+        </a:xfrm>
+      </p:grpSpPr>
+      <p:sp>
+        <p:nvSpPr>
+          <p:cNvPr id="2" name="Title 1">
+            <a:extLst>
+              <a:ext uri="{FF2B5EF4-FFF2-40B4-BE49-F238E27FC236}">
+                <a16:creationId xmlns:a16="http://schemas.microsoft.com/office/drawing/2014/main" id="{2BFD780D-8920-4003-BCB6-2CAA81F5F5BE}"/>
+              </a:ext>
+            </a:extLst>
+          </p:cNvPr>
+          <p:cNvSpPr>
+            <a:spLocks noGrp="1"/>
+          </p:cNvSpPr>
+          <p:nvPr>
+            <p:ph type="title"/>
+          </p:nvPr>
+        </p:nvSpPr>
+        <p:spPr/>
+        <p:txBody>
+          <a:bodyPr/>
+          <a:lstStyle/>
+          <a:p>
+            <a:r>
               <a:rPr lang="en-US" dirty="0"/>
-              <a:t>How does ADC sampling work?</a:t>
+              <a:t>Further ADC Details</a:t>
+            </a:r>
+          </a:p>
+        </p:txBody>
+      </p:sp>
+      <p:sp>
+        <p:nvSpPr>
+          <p:cNvPr id="3" name="Text Placeholder 2">
+            <a:extLst>
+              <a:ext uri="{FF2B5EF4-FFF2-40B4-BE49-F238E27FC236}">
+                <a16:creationId xmlns:a16="http://schemas.microsoft.com/office/drawing/2014/main" id="{4FBD4FD0-A078-481F-9044-DC5278242DCE}"/>
+              </a:ext>
+            </a:extLst>
+          </p:cNvPr>
+          <p:cNvSpPr>
+            <a:spLocks noGrp="1"/>
+          </p:cNvSpPr>
+          <p:nvPr>
+            <p:ph type="body" sz="half" idx="1"/>
+          </p:nvPr>
+        </p:nvSpPr>
+        <p:spPr>
+          <a:xfrm>
+            <a:off x="972600" y="2771832"/>
+            <a:ext cx="5818818" cy="3912432"/>
+          </a:xfrm>
+        </p:spPr>
+        <p:txBody>
+          <a:bodyPr>
+            <a:normAutofit/>
+          </a:bodyPr>
+          <a:lstStyle/>
+          <a:p>
+            <a:r>
+              <a:rPr lang="en-US" sz="1400" dirty="0"/>
+              <a:t>What are the peripheral components to the ADC?</a:t>
             </a:r>
           </a:p>
           <a:p>
             <a:pPr lvl="1"/>
             <a:r>
-              <a:rPr lang="en-US" dirty="0"/>
-              <a:t>System clock needs to be kept at 18 times sample frequency</a:t>
+              <a:rPr lang="en-US" sz="1400" dirty="0"/>
+              <a:t>Input mux</a:t>
             </a:r>
           </a:p>
           <a:p>
             <a:pPr lvl="1"/>
             <a:r>
-              <a:rPr lang="en-US" dirty="0"/>
-              <a:t>Sample rate 1MSPS</a:t>
+              <a:rPr lang="en-US" sz="1400" dirty="0"/>
+              <a:t>Status and control registers</a:t>
             </a:r>
           </a:p>
           <a:p>
             <a:pPr lvl="1"/>
             <a:r>
-              <a:rPr lang="en-US" dirty="0"/>
-              <a:t>12 bit ADC</a:t>
-            </a:r>
-          </a:p>
-          <a:p>
-            <a:pPr lvl="2"/>
-            <a:r>
-              <a:rPr lang="en-US" dirty="0"/>
-              <a:t>4096 quantization levels</a:t>
+              <a:rPr lang="en-US" sz="1400" dirty="0"/>
+              <a:t>Reference generator</a:t>
             </a:r>
           </a:p>
           <a:p>
             <a:pPr lvl="1"/>
             <a:r>
-              <a:rPr lang="en-US" dirty="0"/>
-              <a:t>General-purpose, high-precision analog interface for a range of applications</a:t>
+              <a:rPr lang="en-US" sz="1400" dirty="0"/>
+              <a:t>DRP Interface</a:t>
+            </a:r>
+          </a:p>
+          <a:p>
+            <a:r>
+              <a:rPr lang="en-US" sz="1400" dirty="0"/>
+              <a:t>What parameters define how the ADC works?</a:t>
             </a:r>
           </a:p>
           <a:p>
             <a:pPr lvl="1"/>
             <a:r>
-              <a:rPr lang="en-US" dirty="0"/>
+              <a:rPr lang="en-US" sz="1400" dirty="0"/>
+              <a:t>Channel averaging</a:t>
+            </a:r>
+          </a:p>
+          <a:p>
+            <a:pPr lvl="1"/>
+            <a:r>
+              <a:rPr lang="en-US" sz="1400" dirty="0"/>
               <a:t>Unipolar and differential measurement</a:t>
             </a:r>
           </a:p>
           <a:p>
             <a:pPr lvl="1"/>
-            <a:r>
-              <a:rPr lang="en-US" dirty="0"/>
-              <a:t>Status registers: where conversion data is stored</a:t>
-            </a:r>
-          </a:p>
-          <a:p>
-            <a:pPr lvl="1"/>
-            <a:r>
-              <a:rPr lang="en-US" dirty="0"/>
-              <a:t>Conversion data accessible through a 16-bit synchronous read and write port called the dynamic reconfiguration port (DRP)</a:t>
-            </a:r>
-          </a:p>
-          <a:p>
-            <a:pPr lvl="1"/>
-            <a:r>
-              <a:rPr lang="en-US" dirty="0"/>
-              <a:t>Also accessible though JTAG TAP</a:t>
-            </a:r>
-          </a:p>
-          <a:p>
-            <a:r>
-              <a:rPr lang="en-US" dirty="0"/>
-              <a:t>What does the ADC output mean?</a:t>
-            </a:r>
-          </a:p>
-          <a:p>
-            <a:r>
-              <a:rPr lang="en-US" dirty="0"/>
-              <a:t>Make it clear which block we are in (visual in top corner)</a:t>
-            </a:r>
-          </a:p>
-          <a:p>
-            <a:endParaRPr lang="en-US" dirty="0"/>
+            <a:endParaRPr lang="en-US" sz="900" dirty="0"/>
+          </a:p>
+          <a:p>
+            <a:endParaRPr lang="en-US" sz="900" dirty="0"/>
           </a:p>
         </p:txBody>
       </p:sp>
@@ -4981,8 +5528,68 @@
         </p:blipFill>
         <p:spPr>
           <a:xfrm>
-            <a:off x="6791418" y="2654379"/>
-            <a:ext cx="5025547" cy="2728356"/>
+            <a:off x="7292835" y="1212406"/>
+            <a:ext cx="4639530" cy="2518789"/>
+          </a:xfrm>
+          <a:prstGeom prst="rect">
+            <a:avLst/>
+          </a:prstGeom>
+        </p:spPr>
+      </p:pic>
+      <p:pic>
+        <p:nvPicPr>
+          <p:cNvPr id="8" name="Picture 7">
+            <a:extLst>
+              <a:ext uri="{FF2B5EF4-FFF2-40B4-BE49-F238E27FC236}">
+                <a16:creationId xmlns:a16="http://schemas.microsoft.com/office/drawing/2014/main" id="{3FCA4DFB-39B4-D16A-4122-7C579B6D558F}"/>
+              </a:ext>
+            </a:extLst>
+          </p:cNvPr>
+          <p:cNvPicPr>
+            <a:picLocks noChangeAspect="1"/>
+          </p:cNvPicPr>
+          <p:nvPr/>
+        </p:nvPicPr>
+        <p:blipFill>
+          <a:blip r:embed="rId3"/>
+          <a:stretch>
+            <a:fillRect/>
+          </a:stretch>
+        </p:blipFill>
+        <p:spPr>
+          <a:xfrm>
+            <a:off x="8116307" y="3975102"/>
+            <a:ext cx="3400006" cy="2473758"/>
+          </a:xfrm>
+          <a:prstGeom prst="rect">
+            <a:avLst/>
+          </a:prstGeom>
+        </p:spPr>
+      </p:pic>
+      <p:pic>
+        <p:nvPicPr>
+          <p:cNvPr id="9" name="Picture 8">
+            <a:extLst>
+              <a:ext uri="{FF2B5EF4-FFF2-40B4-BE49-F238E27FC236}">
+                <a16:creationId xmlns:a16="http://schemas.microsoft.com/office/drawing/2014/main" id="{0772578C-B77A-A680-A5A2-428137CA5C24}"/>
+              </a:ext>
+            </a:extLst>
+          </p:cNvPr>
+          <p:cNvPicPr>
+            <a:picLocks noChangeAspect="1"/>
+          </p:cNvPicPr>
+          <p:nvPr/>
+        </p:nvPicPr>
+        <p:blipFill>
+          <a:blip r:embed="rId4"/>
+          <a:stretch>
+            <a:fillRect/>
+          </a:stretch>
+        </p:blipFill>
+        <p:spPr>
+          <a:xfrm>
+            <a:off x="2617784" y="4910166"/>
+            <a:ext cx="5166808" cy="1874682"/>
           </a:xfrm>
           <a:prstGeom prst="rect">
             <a:avLst/>
@@ -5003,7 +5610,7 @@
 </p:sld>
 </file>
 
-<file path=ppt/slides/slide6.xml><?xml version="1.0" encoding="utf-8"?>
+<file path=ppt/slides/slide7.xml><?xml version="1.0" encoding="utf-8"?>
 <p:sld xmlns:a="http://schemas.openxmlformats.org/drawingml/2006/main" xmlns:r="http://schemas.openxmlformats.org/officeDocument/2006/relationships" xmlns:p="http://schemas.openxmlformats.org/presentationml/2006/main">
   <p:cSld>
     <p:spTree>
@@ -5039,13 +5646,13 @@
         <p:spPr/>
         <p:txBody>
           <a:bodyPr>
-            <a:normAutofit fontScale="90000"/>
+            <a:normAutofit/>
           </a:bodyPr>
           <a:lstStyle/>
           <a:p>
             <a:r>
               <a:rPr lang="en-US" dirty="0"/>
-              <a:t>Detailed Functionality-Force Sensitive Resistor [Conor]</a:t>
+              <a:t>Force Sensitive Resistor (FSR)</a:t>
             </a:r>
           </a:p>
         </p:txBody>
@@ -5073,30 +5680,52 @@
           </a:xfrm>
         </p:spPr>
         <p:txBody>
-          <a:bodyPr/>
+          <a:bodyPr>
+            <a:normAutofit lnSpcReduction="10000"/>
+          </a:bodyPr>
           <a:lstStyle/>
           <a:p>
             <a:r>
-              <a:rPr lang="en-US" dirty="0"/>
-              <a:t>FSR is a material which changes its resistance when a force or pressure is applied.</a:t>
-            </a:r>
-          </a:p>
-          <a:p>
-            <a:r>
-              <a:rPr lang="en-US" dirty="0"/>
+              <a:rPr lang="en-US" sz="1400" dirty="0"/>
+              <a:t>FSR is an electrical component which changes its resistance when a force or pressure is applied.</a:t>
+            </a:r>
+          </a:p>
+          <a:p>
+            <a:r>
+              <a:rPr lang="en-US" sz="1400" dirty="0"/>
               <a:t>Composed by two substrate layers sandwiching together a conductive film and a spacer.</a:t>
             </a:r>
           </a:p>
           <a:p>
             <a:r>
-              <a:rPr lang="en-US" dirty="0"/>
+              <a:rPr lang="en-US" sz="1400" dirty="0"/>
               <a:t>The substrate layer which is on the spacer side also has a conductive ink printed on it.</a:t>
             </a:r>
           </a:p>
           <a:p>
             <a:r>
-              <a:rPr lang="en-US" dirty="0"/>
+              <a:rPr lang="en-US" sz="1400" dirty="0"/>
               <a:t>When force is applied to the sensor, the conductive film is deformed against the substrate and air is pushed out of the spacer causing the conductive film to come into contact with the conductive print on the substrate. The more of the conductive ink area touching the conductive film, the lower the resistance.</a:t>
+            </a:r>
+          </a:p>
+          <a:p>
+            <a:r>
+              <a:rPr lang="en-US" sz="1400" dirty="0"/>
+              <a:t>Not very </a:t>
+            </a:r>
+            <a:r>
+              <a:rPr lang="en-US" sz="1400" b="1" u="sng" dirty="0"/>
+              <a:t>differentiable</a:t>
+            </a:r>
+            <a:r>
+              <a:rPr lang="en-US" sz="1400" dirty="0"/>
+              <a:t> (i.e. basically a 1 or 0)</a:t>
+            </a:r>
+          </a:p>
+          <a:p>
+            <a:r>
+              <a:rPr lang="en-US" sz="1400" dirty="0"/>
+              <a:t>Solution: Wheatstone Bridge</a:t>
             </a:r>
           </a:p>
         </p:txBody>
@@ -5168,8 +5797,8 @@
         </p:blipFill>
         <p:spPr>
           <a:xfrm>
-            <a:off x="9015051" y="3984067"/>
-            <a:ext cx="3062145" cy="2368442"/>
+            <a:off x="9301467" y="4572000"/>
+            <a:ext cx="2325654" cy="1798797"/>
           </a:xfrm>
           <a:prstGeom prst="rect">
             <a:avLst/>
@@ -5198,111 +5827,698 @@
         </p:blipFill>
         <p:spPr>
           <a:xfrm>
-            <a:off x="8335566" y="98764"/>
-            <a:ext cx="3741630" cy="3482636"/>
+            <a:off x="8065009" y="129979"/>
+            <a:ext cx="4012188" cy="3734465"/>
           </a:xfrm>
           <a:prstGeom prst="rect">
             <a:avLst/>
           </a:prstGeom>
         </p:spPr>
       </p:pic>
+      <p:sp>
+        <p:nvSpPr>
+          <p:cNvPr id="4" name="TextBox 3">
+            <a:extLst>
+              <a:ext uri="{FF2B5EF4-FFF2-40B4-BE49-F238E27FC236}">
+                <a16:creationId xmlns:a16="http://schemas.microsoft.com/office/drawing/2014/main" id="{FFC16B1C-3E9E-FB83-87CA-CB8714D4915F}"/>
+              </a:ext>
+            </a:extLst>
+          </p:cNvPr>
+          <p:cNvSpPr txBox="1"/>
+          <p:nvPr/>
+        </p:nvSpPr>
+        <p:spPr>
+          <a:xfrm>
+            <a:off x="8897112" y="6370797"/>
+            <a:ext cx="3225804" cy="261608"/>
+          </a:xfrm>
+          <a:prstGeom prst="rect">
+            <a:avLst/>
+          </a:prstGeom>
+          <a:noFill/>
+          <a:ln w="12700" cap="flat">
+            <a:noFill/>
+            <a:miter lim="400000"/>
+          </a:ln>
+          <a:effectLst/>
+          <a:sp3d/>
+        </p:spPr>
+        <p:style>
+          <a:lnRef idx="0">
+            <a:scrgbClr r="0" g="0" b="0"/>
+          </a:lnRef>
+          <a:fillRef idx="0">
+            <a:scrgbClr r="0" g="0" b="0"/>
+          </a:fillRef>
+          <a:effectRef idx="0">
+            <a:scrgbClr r="0" g="0" b="0"/>
+          </a:effectRef>
+          <a:fontRef idx="none"/>
+        </p:style>
+        <p:txBody>
+          <a:bodyPr rot="0" spcFirstLastPara="1" vertOverflow="overflow" horzOverflow="overflow" vert="horz" wrap="square" lIns="45719" tIns="45719" rIns="45719" bIns="45719" numCol="1" spcCol="38100" rtlCol="0" anchor="t">
+            <a:spAutoFit/>
+          </a:bodyPr>
+          <a:lstStyle/>
+          <a:p>
+            <a:pPr marL="0" marR="0" indent="0" algn="ctr" defTabSz="914400" rtl="0" fontAlgn="auto" latinLnBrk="0" hangingPunct="0">
+              <a:lnSpc>
+                <a:spcPct val="100000"/>
+              </a:lnSpc>
+              <a:spcBef>
+                <a:spcPts val="0"/>
+              </a:spcBef>
+              <a:spcAft>
+                <a:spcPts val="0"/>
+              </a:spcAft>
+              <a:buClrTx/>
+              <a:buSzTx/>
+              <a:buFontTx/>
+              <a:buNone/>
+              <a:tabLst/>
+            </a:pPr>
+            <a:r>
+              <a:rPr kumimoji="0" lang="en-US" sz="1100" b="0" i="0" u="none" strike="noStrike" cap="none" spc="0" normalizeH="0" baseline="0" dirty="0">
+                <a:ln>
+                  <a:noFill/>
+                </a:ln>
+                <a:solidFill>
+                  <a:srgbClr val="1A9988"/>
+                </a:solidFill>
+                <a:effectLst/>
+                <a:uFillTx/>
+                <a:latin typeface="Arial"/>
+                <a:ea typeface="Arial"/>
+                <a:cs typeface="Arial"/>
+                <a:sym typeface="Arial"/>
+              </a:rPr>
+              <a:t>Wheatstone Bridge with a variable resistor Rx</a:t>
+            </a:r>
+          </a:p>
+        </p:txBody>
+      </p:sp>
+      <p:sp>
+        <p:nvSpPr>
+          <p:cNvPr id="5" name="TextBox 4">
+            <a:extLst>
+              <a:ext uri="{FF2B5EF4-FFF2-40B4-BE49-F238E27FC236}">
+                <a16:creationId xmlns:a16="http://schemas.microsoft.com/office/drawing/2014/main" id="{5298E696-759D-C35D-BE54-542769C272D5}"/>
+              </a:ext>
+            </a:extLst>
+          </p:cNvPr>
+          <p:cNvSpPr txBox="1"/>
+          <p:nvPr/>
+        </p:nvSpPr>
+        <p:spPr>
+          <a:xfrm>
+            <a:off x="8065009" y="3859366"/>
+            <a:ext cx="4012188" cy="261608"/>
+          </a:xfrm>
+          <a:prstGeom prst="rect">
+            <a:avLst/>
+          </a:prstGeom>
+          <a:noFill/>
+          <a:ln w="12700" cap="flat">
+            <a:noFill/>
+            <a:miter lim="400000"/>
+          </a:ln>
+          <a:effectLst/>
+          <a:sp3d/>
+        </p:spPr>
+        <p:style>
+          <a:lnRef idx="0">
+            <a:scrgbClr r="0" g="0" b="0"/>
+          </a:lnRef>
+          <a:fillRef idx="0">
+            <a:scrgbClr r="0" g="0" b="0"/>
+          </a:fillRef>
+          <a:effectRef idx="0">
+            <a:scrgbClr r="0" g="0" b="0"/>
+          </a:effectRef>
+          <a:fontRef idx="none"/>
+        </p:style>
+        <p:txBody>
+          <a:bodyPr rot="0" spcFirstLastPara="1" vertOverflow="overflow" horzOverflow="overflow" vert="horz" wrap="square" lIns="45719" tIns="45719" rIns="45719" bIns="45719" numCol="1" spcCol="38100" rtlCol="0" anchor="t">
+            <a:spAutoFit/>
+          </a:bodyPr>
+          <a:lstStyle/>
+          <a:p>
+            <a:pPr marL="0" marR="0" indent="0" algn="ctr" defTabSz="914400" rtl="0" fontAlgn="auto" latinLnBrk="0" hangingPunct="0">
+              <a:lnSpc>
+                <a:spcPct val="100000"/>
+              </a:lnSpc>
+              <a:spcBef>
+                <a:spcPts val="0"/>
+              </a:spcBef>
+              <a:spcAft>
+                <a:spcPts val="0"/>
+              </a:spcAft>
+              <a:buClrTx/>
+              <a:buSzTx/>
+              <a:buFontTx/>
+              <a:buNone/>
+              <a:tabLst/>
+            </a:pPr>
+            <a:r>
+              <a:rPr kumimoji="0" lang="en-US" sz="1100" b="0" i="0" u="none" strike="noStrike" cap="none" spc="0" normalizeH="0" baseline="0" dirty="0">
+                <a:ln>
+                  <a:noFill/>
+                </a:ln>
+                <a:solidFill>
+                  <a:srgbClr val="1A9988"/>
+                </a:solidFill>
+                <a:effectLst/>
+                <a:uFillTx/>
+                <a:latin typeface="Arial"/>
+                <a:ea typeface="Arial"/>
+                <a:cs typeface="Arial"/>
+                <a:sym typeface="Arial"/>
+              </a:rPr>
+              <a:t>Breakdown of Force Sensitive Resistor</a:t>
+            </a:r>
+          </a:p>
+        </p:txBody>
+      </p:sp>
+      <mc:AlternateContent xmlns:mc="http://schemas.openxmlformats.org/markup-compatibility/2006">
+        <mc:Choice xmlns:a14="http://schemas.microsoft.com/office/drawing/2010/main" Requires="a14">
+          <p:sp>
+            <p:nvSpPr>
+              <p:cNvPr id="6" name="TextBox 5">
+                <a:extLst>
+                  <a:ext uri="{FF2B5EF4-FFF2-40B4-BE49-F238E27FC236}">
+                    <a16:creationId xmlns:a16="http://schemas.microsoft.com/office/drawing/2014/main" id="{C90427FD-9314-4001-6A55-6F7E7712DFA6}"/>
+                  </a:ext>
+                </a:extLst>
+              </p:cNvPr>
+              <p:cNvSpPr txBox="1"/>
+              <p:nvPr/>
+            </p:nvSpPr>
+            <p:spPr>
+              <a:xfrm>
+                <a:off x="5866546" y="5444374"/>
+                <a:ext cx="3232744" cy="622350"/>
+              </a:xfrm>
+              <a:prstGeom prst="rect">
+                <a:avLst/>
+              </a:prstGeom>
+              <a:noFill/>
+              <a:ln w="12700" cap="flat">
+                <a:noFill/>
+                <a:miter lim="400000"/>
+              </a:ln>
+              <a:effectLst/>
+              <a:sp3d/>
+            </p:spPr>
+            <p:style>
+              <a:lnRef idx="0">
+                <a:scrgbClr r="0" g="0" b="0"/>
+              </a:lnRef>
+              <a:fillRef idx="0">
+                <a:scrgbClr r="0" g="0" b="0"/>
+              </a:fillRef>
+              <a:effectRef idx="0">
+                <a:scrgbClr r="0" g="0" b="0"/>
+              </a:effectRef>
+              <a:fontRef idx="none"/>
+            </p:style>
+            <p:txBody>
+              <a:bodyPr rot="0" spcFirstLastPara="1" vertOverflow="overflow" horzOverflow="overflow" vert="horz" wrap="none" lIns="0" tIns="0" rIns="0" bIns="0" numCol="1" spcCol="38100" rtlCol="0" anchor="t">
+                <a:spAutoFit/>
+              </a:bodyPr>
+              <a:lstStyle/>
+              <a:p>
+                <a14:m>
+                  <m:oMathPara xmlns:m="http://schemas.openxmlformats.org/officeDocument/2006/math">
+                    <m:oMathParaPr>
+                      <m:jc m:val="centerGroup"/>
+                    </m:oMathParaPr>
+                    <m:oMath xmlns:m="http://schemas.openxmlformats.org/officeDocument/2006/math">
+                      <m:sSub>
+                        <m:sSubPr>
+                          <m:ctrlPr>
+                            <a:rPr kumimoji="0" lang="en-US" sz="1800" b="0" i="1" u="none" strike="noStrike" cap="none" spc="0" normalizeH="0" baseline="0" smtClean="0">
+                              <a:ln>
+                                <a:noFill/>
+                              </a:ln>
+                              <a:solidFill>
+                                <a:srgbClr val="1A9988"/>
+                              </a:solidFill>
+                              <a:effectLst/>
+                              <a:uFillTx/>
+                              <a:latin typeface="Cambria Math" panose="02040503050406030204" pitchFamily="18" charset="0"/>
+                              <a:cs typeface="Arial"/>
+                              <a:sym typeface="Arial"/>
+                            </a:rPr>
+                          </m:ctrlPr>
+                        </m:sSubPr>
+                        <m:e>
+                          <m:r>
+                            <a:rPr kumimoji="0" lang="en-US" sz="1800" b="0" i="1" u="none" strike="noStrike" cap="none" spc="0" normalizeH="0" baseline="0" smtClean="0">
+                              <a:ln>
+                                <a:noFill/>
+                              </a:ln>
+                              <a:solidFill>
+                                <a:srgbClr val="1A9988"/>
+                              </a:solidFill>
+                              <a:effectLst/>
+                              <a:uFillTx/>
+                              <a:latin typeface="Cambria Math" panose="02040503050406030204" pitchFamily="18" charset="0"/>
+                              <a:cs typeface="Arial"/>
+                              <a:sym typeface="Arial"/>
+                            </a:rPr>
+                            <m:t>𝑉</m:t>
+                          </m:r>
+                        </m:e>
+                        <m:sub>
+                          <m:r>
+                            <a:rPr kumimoji="0" lang="en-US" sz="1800" b="0" i="1" u="none" strike="noStrike" cap="none" spc="0" normalizeH="0" baseline="0" smtClean="0">
+                              <a:ln>
+                                <a:noFill/>
+                              </a:ln>
+                              <a:solidFill>
+                                <a:srgbClr val="1A9988"/>
+                              </a:solidFill>
+                              <a:effectLst/>
+                              <a:uFillTx/>
+                              <a:latin typeface="Cambria Math" panose="02040503050406030204" pitchFamily="18" charset="0"/>
+                              <a:cs typeface="Arial"/>
+                              <a:sym typeface="Arial"/>
+                            </a:rPr>
+                            <m:t>𝐺</m:t>
+                          </m:r>
+                        </m:sub>
+                      </m:sSub>
+                      <m:r>
+                        <a:rPr kumimoji="0" lang="en-US" sz="1800" b="0" i="1" u="none" strike="noStrike" cap="none" spc="0" normalizeH="0" baseline="0" smtClean="0">
+                          <a:ln>
+                            <a:noFill/>
+                          </a:ln>
+                          <a:solidFill>
+                            <a:srgbClr val="1A9988"/>
+                          </a:solidFill>
+                          <a:effectLst/>
+                          <a:uFillTx/>
+                          <a:latin typeface="Cambria Math" panose="02040503050406030204" pitchFamily="18" charset="0"/>
+                          <a:cs typeface="Arial"/>
+                          <a:sym typeface="Arial"/>
+                        </a:rPr>
+                        <m:t>=</m:t>
+                      </m:r>
+                      <m:sSub>
+                        <m:sSubPr>
+                          <m:ctrlPr>
+                            <a:rPr kumimoji="0" lang="en-US" sz="1800" b="0" i="1" u="none" strike="noStrike" cap="none" spc="0" normalizeH="0" baseline="0" smtClean="0">
+                              <a:ln>
+                                <a:noFill/>
+                              </a:ln>
+                              <a:solidFill>
+                                <a:srgbClr val="1A9988"/>
+                              </a:solidFill>
+                              <a:effectLst/>
+                              <a:uFillTx/>
+                              <a:latin typeface="Cambria Math" panose="02040503050406030204" pitchFamily="18" charset="0"/>
+                              <a:cs typeface="Arial"/>
+                              <a:sym typeface="Arial"/>
+                            </a:rPr>
+                          </m:ctrlPr>
+                        </m:sSubPr>
+                        <m:e>
+                          <m:r>
+                            <a:rPr kumimoji="0" lang="en-US" sz="1800" b="0" i="1" u="none" strike="noStrike" cap="none" spc="0" normalizeH="0" baseline="0" smtClean="0">
+                              <a:ln>
+                                <a:noFill/>
+                              </a:ln>
+                              <a:solidFill>
+                                <a:srgbClr val="1A9988"/>
+                              </a:solidFill>
+                              <a:effectLst/>
+                              <a:uFillTx/>
+                              <a:latin typeface="Cambria Math" panose="02040503050406030204" pitchFamily="18" charset="0"/>
+                              <a:cs typeface="Arial"/>
+                              <a:sym typeface="Arial"/>
+                            </a:rPr>
+                            <m:t>𝑉</m:t>
+                          </m:r>
+                        </m:e>
+                        <m:sub>
+                          <m:r>
+                            <a:rPr kumimoji="0" lang="en-US" sz="1800" b="0" i="1" u="none" strike="noStrike" cap="none" spc="0" normalizeH="0" baseline="0" smtClean="0">
+                              <a:ln>
+                                <a:noFill/>
+                              </a:ln>
+                              <a:solidFill>
+                                <a:srgbClr val="1A9988"/>
+                              </a:solidFill>
+                              <a:effectLst/>
+                              <a:uFillTx/>
+                              <a:latin typeface="Cambria Math" panose="02040503050406030204" pitchFamily="18" charset="0"/>
+                              <a:cs typeface="Arial"/>
+                              <a:sym typeface="Arial"/>
+                            </a:rPr>
+                            <m:t>𝑅𝑒𝑓</m:t>
+                          </m:r>
+                        </m:sub>
+                      </m:sSub>
+                      <m:d>
+                        <m:dPr>
+                          <m:ctrlPr>
+                            <a:rPr kumimoji="0" lang="en-US" sz="1800" b="0" i="1" u="none" strike="noStrike" cap="none" spc="0" normalizeH="0" baseline="0" smtClean="0">
+                              <a:ln>
+                                <a:noFill/>
+                              </a:ln>
+                              <a:solidFill>
+                                <a:srgbClr val="1A9988"/>
+                              </a:solidFill>
+                              <a:effectLst/>
+                              <a:uFillTx/>
+                              <a:latin typeface="Cambria Math" panose="02040503050406030204" pitchFamily="18" charset="0"/>
+                              <a:cs typeface="Arial"/>
+                              <a:sym typeface="Arial"/>
+                            </a:rPr>
+                          </m:ctrlPr>
+                        </m:dPr>
+                        <m:e>
+                          <m:f>
+                            <m:fPr>
+                              <m:ctrlPr>
+                                <a:rPr kumimoji="0" lang="en-US" sz="1800" b="0" i="1" u="none" strike="noStrike" cap="none" spc="0" normalizeH="0" baseline="0" smtClean="0">
+                                  <a:ln>
+                                    <a:noFill/>
+                                  </a:ln>
+                                  <a:solidFill>
+                                    <a:srgbClr val="1A9988"/>
+                                  </a:solidFill>
+                                  <a:effectLst/>
+                                  <a:uFillTx/>
+                                  <a:latin typeface="Cambria Math" panose="02040503050406030204" pitchFamily="18" charset="0"/>
+                                  <a:cs typeface="Arial"/>
+                                  <a:sym typeface="Arial"/>
+                                </a:rPr>
+                              </m:ctrlPr>
+                            </m:fPr>
+                            <m:num>
+                              <m:sSub>
+                                <m:sSubPr>
+                                  <m:ctrlPr>
+                                    <a:rPr kumimoji="0" lang="en-US" sz="1800" b="0" i="1" u="none" strike="noStrike" cap="none" spc="0" normalizeH="0" baseline="0" smtClean="0">
+                                      <a:ln>
+                                        <a:noFill/>
+                                      </a:ln>
+                                      <a:solidFill>
+                                        <a:srgbClr val="1A9988"/>
+                                      </a:solidFill>
+                                      <a:effectLst/>
+                                      <a:uFillTx/>
+                                      <a:latin typeface="Cambria Math" panose="02040503050406030204" pitchFamily="18" charset="0"/>
+                                      <a:cs typeface="Arial"/>
+                                      <a:sym typeface="Arial"/>
+                                    </a:rPr>
+                                  </m:ctrlPr>
+                                </m:sSubPr>
+                                <m:e>
+                                  <m:r>
+                                    <a:rPr kumimoji="0" lang="en-US" sz="1800" b="0" i="1" u="none" strike="noStrike" cap="none" spc="0" normalizeH="0" baseline="0" smtClean="0">
+                                      <a:ln>
+                                        <a:noFill/>
+                                      </a:ln>
+                                      <a:solidFill>
+                                        <a:srgbClr val="1A9988"/>
+                                      </a:solidFill>
+                                      <a:effectLst/>
+                                      <a:uFillTx/>
+                                      <a:latin typeface="Cambria Math" panose="02040503050406030204" pitchFamily="18" charset="0"/>
+                                      <a:cs typeface="Arial"/>
+                                      <a:sym typeface="Arial"/>
+                                    </a:rPr>
+                                    <m:t>𝑅</m:t>
+                                  </m:r>
+                                </m:e>
+                                <m:sub>
+                                  <m:r>
+                                    <a:rPr kumimoji="0" lang="en-US" sz="1800" b="0" i="1" u="none" strike="noStrike" cap="none" spc="0" normalizeH="0" baseline="0" smtClean="0">
+                                      <a:ln>
+                                        <a:noFill/>
+                                      </a:ln>
+                                      <a:solidFill>
+                                        <a:srgbClr val="1A9988"/>
+                                      </a:solidFill>
+                                      <a:effectLst/>
+                                      <a:uFillTx/>
+                                      <a:latin typeface="Cambria Math" panose="02040503050406030204" pitchFamily="18" charset="0"/>
+                                      <a:cs typeface="Arial"/>
+                                      <a:sym typeface="Arial"/>
+                                    </a:rPr>
+                                    <m:t>4</m:t>
+                                  </m:r>
+                                </m:sub>
+                              </m:sSub>
+                            </m:num>
+                            <m:den>
+                              <m:sSub>
+                                <m:sSubPr>
+                                  <m:ctrlPr>
+                                    <a:rPr lang="en-US" i="1">
+                                      <a:latin typeface="Cambria Math" panose="02040503050406030204" pitchFamily="18" charset="0"/>
+                                    </a:rPr>
+                                  </m:ctrlPr>
+                                </m:sSubPr>
+                                <m:e>
+                                  <m:r>
+                                    <a:rPr lang="en-US" i="1">
+                                      <a:latin typeface="Cambria Math" panose="02040503050406030204" pitchFamily="18" charset="0"/>
+                                    </a:rPr>
+                                    <m:t>𝑅</m:t>
+                                  </m:r>
+                                </m:e>
+                                <m:sub>
+                                  <m:r>
+                                    <a:rPr lang="en-US" b="0" i="1" smtClean="0">
+                                      <a:latin typeface="Cambria Math" panose="02040503050406030204" pitchFamily="18" charset="0"/>
+                                    </a:rPr>
+                                    <m:t>2</m:t>
+                                  </m:r>
+                                </m:sub>
+                              </m:sSub>
+                              <m:r>
+                                <a:rPr lang="en-US" b="0" i="1" smtClean="0">
+                                  <a:latin typeface="Cambria Math" panose="02040503050406030204" pitchFamily="18" charset="0"/>
+                                </a:rPr>
+                                <m:t>+</m:t>
+                              </m:r>
+                              <m:sSub>
+                                <m:sSubPr>
+                                  <m:ctrlPr>
+                                    <a:rPr lang="en-US" i="1">
+                                      <a:latin typeface="Cambria Math" panose="02040503050406030204" pitchFamily="18" charset="0"/>
+                                    </a:rPr>
+                                  </m:ctrlPr>
+                                </m:sSubPr>
+                                <m:e>
+                                  <m:r>
+                                    <a:rPr lang="en-US" i="1">
+                                      <a:latin typeface="Cambria Math" panose="02040503050406030204" pitchFamily="18" charset="0"/>
+                                    </a:rPr>
+                                    <m:t>𝑅</m:t>
+                                  </m:r>
+                                </m:e>
+                                <m:sub>
+                                  <m:r>
+                                    <a:rPr lang="en-US" i="1">
+                                      <a:latin typeface="Cambria Math" panose="02040503050406030204" pitchFamily="18" charset="0"/>
+                                    </a:rPr>
+                                    <m:t>4</m:t>
+                                  </m:r>
+                                </m:sub>
+                              </m:sSub>
+                            </m:den>
+                          </m:f>
+                          <m:r>
+                            <a:rPr kumimoji="0" lang="en-US" sz="1800" b="0" i="1" u="none" strike="noStrike" cap="none" spc="0" normalizeH="0" baseline="0" smtClean="0">
+                              <a:ln>
+                                <a:noFill/>
+                              </a:ln>
+                              <a:solidFill>
+                                <a:srgbClr val="1A9988"/>
+                              </a:solidFill>
+                              <a:effectLst/>
+                              <a:uFillTx/>
+                              <a:latin typeface="Cambria Math" panose="02040503050406030204" pitchFamily="18" charset="0"/>
+                              <a:cs typeface="Arial"/>
+                              <a:sym typeface="Arial"/>
+                            </a:rPr>
+                            <m:t>−</m:t>
+                          </m:r>
+                          <m:f>
+                            <m:fPr>
+                              <m:ctrlPr>
+                                <a:rPr lang="en-US" i="1">
+                                  <a:latin typeface="Cambria Math" panose="02040503050406030204" pitchFamily="18" charset="0"/>
+                                </a:rPr>
+                              </m:ctrlPr>
+                            </m:fPr>
+                            <m:num>
+                              <m:sSub>
+                                <m:sSubPr>
+                                  <m:ctrlPr>
+                                    <a:rPr lang="en-US" i="1">
+                                      <a:latin typeface="Cambria Math" panose="02040503050406030204" pitchFamily="18" charset="0"/>
+                                    </a:rPr>
+                                  </m:ctrlPr>
+                                </m:sSubPr>
+                                <m:e>
+                                  <m:r>
+                                    <a:rPr lang="en-US" i="1">
+                                      <a:latin typeface="Cambria Math" panose="02040503050406030204" pitchFamily="18" charset="0"/>
+                                    </a:rPr>
+                                    <m:t>𝑅</m:t>
+                                  </m:r>
+                                </m:e>
+                                <m:sub>
+                                  <m:r>
+                                    <a:rPr lang="en-US" b="0" i="1" smtClean="0">
+                                      <a:latin typeface="Cambria Math" panose="02040503050406030204" pitchFamily="18" charset="0"/>
+                                    </a:rPr>
+                                    <m:t>𝑥</m:t>
+                                  </m:r>
+                                </m:sub>
+                              </m:sSub>
+                            </m:num>
+                            <m:den>
+                              <m:sSub>
+                                <m:sSubPr>
+                                  <m:ctrlPr>
+                                    <a:rPr lang="en-US" i="1">
+                                      <a:latin typeface="Cambria Math" panose="02040503050406030204" pitchFamily="18" charset="0"/>
+                                    </a:rPr>
+                                  </m:ctrlPr>
+                                </m:sSubPr>
+                                <m:e>
+                                  <m:r>
+                                    <a:rPr lang="en-US" i="1">
+                                      <a:latin typeface="Cambria Math" panose="02040503050406030204" pitchFamily="18" charset="0"/>
+                                    </a:rPr>
+                                    <m:t>𝑅</m:t>
+                                  </m:r>
+                                </m:e>
+                                <m:sub>
+                                  <m:r>
+                                    <a:rPr lang="en-US" b="0" i="1" smtClean="0">
+                                      <a:latin typeface="Cambria Math" panose="02040503050406030204" pitchFamily="18" charset="0"/>
+                                    </a:rPr>
+                                    <m:t>3</m:t>
+                                  </m:r>
+                                </m:sub>
+                              </m:sSub>
+                              <m:r>
+                                <a:rPr lang="en-US" i="1">
+                                  <a:latin typeface="Cambria Math" panose="02040503050406030204" pitchFamily="18" charset="0"/>
+                                </a:rPr>
+                                <m:t>+</m:t>
+                              </m:r>
+                              <m:sSub>
+                                <m:sSubPr>
+                                  <m:ctrlPr>
+                                    <a:rPr lang="en-US" i="1">
+                                      <a:latin typeface="Cambria Math" panose="02040503050406030204" pitchFamily="18" charset="0"/>
+                                    </a:rPr>
+                                  </m:ctrlPr>
+                                </m:sSubPr>
+                                <m:e>
+                                  <m:r>
+                                    <a:rPr lang="en-US" i="1">
+                                      <a:latin typeface="Cambria Math" panose="02040503050406030204" pitchFamily="18" charset="0"/>
+                                    </a:rPr>
+                                    <m:t>𝑅</m:t>
+                                  </m:r>
+                                </m:e>
+                                <m:sub>
+                                  <m:r>
+                                    <a:rPr lang="en-US" b="0" i="1" smtClean="0">
+                                      <a:latin typeface="Cambria Math" panose="02040503050406030204" pitchFamily="18" charset="0"/>
+                                    </a:rPr>
+                                    <m:t>𝑥</m:t>
+                                  </m:r>
+                                </m:sub>
+                              </m:sSub>
+                            </m:den>
+                          </m:f>
+                        </m:e>
+                      </m:d>
+                    </m:oMath>
+                  </m:oMathPara>
+                </a14:m>
+                <a:endParaRPr kumimoji="0" lang="en-US" sz="1800" b="0" i="0" u="none" strike="noStrike" cap="none" spc="0" normalizeH="0" baseline="0" dirty="0">
+                  <a:ln>
+                    <a:noFill/>
+                  </a:ln>
+                  <a:solidFill>
+                    <a:srgbClr val="1A9988"/>
+                  </a:solidFill>
+                  <a:effectLst/>
+                  <a:uFillTx/>
+                  <a:latin typeface="Arial"/>
+                  <a:ea typeface="Arial"/>
+                  <a:cs typeface="Arial"/>
+                  <a:sym typeface="Arial"/>
+                </a:endParaRPr>
+              </a:p>
+            </p:txBody>
+          </p:sp>
+        </mc:Choice>
+        <mc:Fallback>
+          <p:sp>
+            <p:nvSpPr>
+              <p:cNvPr id="6" name="TextBox 5">
+                <a:extLst>
+                  <a:ext uri="{FF2B5EF4-FFF2-40B4-BE49-F238E27FC236}">
+                    <a16:creationId xmlns:a16="http://schemas.microsoft.com/office/drawing/2014/main" id="{C90427FD-9314-4001-6A55-6F7E7712DFA6}"/>
+                  </a:ext>
+                </a:extLst>
+              </p:cNvPr>
+              <p:cNvSpPr txBox="1">
+                <a:spLocks noRot="1" noChangeAspect="1" noMove="1" noResize="1" noEditPoints="1" noAdjustHandles="1" noChangeArrowheads="1" noChangeShapeType="1" noTextEdit="1"/>
+              </p:cNvSpPr>
+              <p:nvPr/>
+            </p:nvSpPr>
+            <p:spPr>
+              <a:xfrm>
+                <a:off x="5866546" y="5444374"/>
+                <a:ext cx="3232744" cy="622350"/>
+              </a:xfrm>
+              <a:prstGeom prst="rect">
+                <a:avLst/>
+              </a:prstGeom>
+              <a:blipFill>
+                <a:blip r:embed="rId4"/>
+                <a:stretch>
+                  <a:fillRect/>
+                </a:stretch>
+              </a:blipFill>
+              <a:ln w="12700" cap="flat">
+                <a:noFill/>
+                <a:miter lim="400000"/>
+              </a:ln>
+              <a:effectLst/>
+            </p:spPr>
+            <p:txBody>
+              <a:bodyPr/>
+              <a:lstStyle/>
+              <a:p>
+                <a:r>
+                  <a:rPr lang="en-US">
+                    <a:noFill/>
+                  </a:rPr>
+                  <a:t> </a:t>
+                </a:r>
+              </a:p>
+            </p:txBody>
+          </p:sp>
+        </mc:Fallback>
+      </mc:AlternateContent>
     </p:spTree>
     <p:extLst>
       <p:ext uri="{BB962C8B-B14F-4D97-AF65-F5344CB8AC3E}">
         <p14:creationId xmlns:p14="http://schemas.microsoft.com/office/powerpoint/2010/main" val="10407439"/>
-      </p:ext>
-    </p:extLst>
-  </p:cSld>
-  <p:clrMapOvr>
-    <a:masterClrMapping/>
-  </p:clrMapOvr>
-  <p:transition spd="med"/>
-</p:sld>
-</file>
-
-<file path=ppt/slides/slide7.xml><?xml version="1.0" encoding="utf-8"?>
-<p:sld xmlns:a="http://schemas.openxmlformats.org/drawingml/2006/main" xmlns:r="http://schemas.openxmlformats.org/officeDocument/2006/relationships" xmlns:p="http://schemas.openxmlformats.org/presentationml/2006/main">
-  <p:cSld>
-    <p:spTree>
-      <p:nvGrpSpPr>
-        <p:cNvPr id="1" name=""/>
-        <p:cNvGrpSpPr/>
-        <p:nvPr/>
-      </p:nvGrpSpPr>
-      <p:grpSpPr>
-        <a:xfrm>
-          <a:off x="0" y="0"/>
-          <a:ext cx="0" cy="0"/>
-          <a:chOff x="0" y="0"/>
-          <a:chExt cx="0" cy="0"/>
-        </a:xfrm>
-      </p:grpSpPr>
-      <p:sp>
-        <p:nvSpPr>
-          <p:cNvPr id="2" name="Title 1">
-            <a:extLst>
-              <a:ext uri="{FF2B5EF4-FFF2-40B4-BE49-F238E27FC236}">
-                <a16:creationId xmlns:a16="http://schemas.microsoft.com/office/drawing/2014/main" id="{6809E014-24B6-4F26-82D2-8232BDF7B56E}"/>
-              </a:ext>
-            </a:extLst>
-          </p:cNvPr>
-          <p:cNvSpPr>
-            <a:spLocks noGrp="1"/>
-          </p:cNvSpPr>
-          <p:nvPr>
-            <p:ph type="title"/>
-          </p:nvPr>
-        </p:nvSpPr>
-        <p:spPr/>
-        <p:txBody>
-          <a:bodyPr/>
-          <a:lstStyle/>
-          <a:p>
-            <a:r>
-              <a:rPr lang="en-US" dirty="0"/>
-              <a:t>Detailed Functionality-Game [Bin]</a:t>
-            </a:r>
-          </a:p>
-        </p:txBody>
-      </p:sp>
-      <p:sp>
-        <p:nvSpPr>
-          <p:cNvPr id="3" name="Text Placeholder 2">
-            <a:extLst>
-              <a:ext uri="{FF2B5EF4-FFF2-40B4-BE49-F238E27FC236}">
-                <a16:creationId xmlns:a16="http://schemas.microsoft.com/office/drawing/2014/main" id="{DB267B4A-B026-46B7-9D6E-BC609B9CE301}"/>
-              </a:ext>
-            </a:extLst>
-          </p:cNvPr>
-          <p:cNvSpPr>
-            <a:spLocks noGrp="1"/>
-          </p:cNvSpPr>
-          <p:nvPr>
-            <p:ph type="body" sz="half" idx="1"/>
-          </p:nvPr>
-        </p:nvSpPr>
-        <p:spPr/>
-        <p:txBody>
-          <a:bodyPr/>
-          <a:lstStyle/>
-          <a:p>
-            <a:r>
-              <a:rPr lang="en-US" dirty="0"/>
-              <a:t>How did we change the game?</a:t>
-            </a:r>
-          </a:p>
-          <a:p>
-            <a:r>
-              <a:rPr lang="en-US" dirty="0"/>
-              <a:t>How do we use the output of the ADC</a:t>
-            </a:r>
-          </a:p>
-        </p:txBody>
-      </p:sp>
-    </p:spTree>
-    <p:extLst>
-      <p:ext uri="{BB962C8B-B14F-4D97-AF65-F5344CB8AC3E}">
-        <p14:creationId xmlns:p14="http://schemas.microsoft.com/office/powerpoint/2010/main" val="528772889"/>
       </p:ext>
     </p:extLst>
   </p:cSld>
@@ -5353,15 +6569,7 @@
           <a:p>
             <a:r>
               <a:rPr lang="en-US" dirty="0"/>
-              <a:t>Detailed Functionality-Memory [</a:t>
-            </a:r>
-            <a:r>
-              <a:rPr lang="en-US" dirty="0" err="1"/>
-              <a:t>Yimin</a:t>
-            </a:r>
-            <a:r>
-              <a:rPr lang="en-US" dirty="0"/>
-              <a:t>] </a:t>
+              <a:t>Detailed Functionality-Game [Bin]</a:t>
             </a:r>
           </a:p>
         </p:txBody>
@@ -5389,25 +6597,13 @@
           <a:p>
             <a:r>
               <a:rPr lang="en-US" dirty="0"/>
-              <a:t>What were we planning on doing with the memory?</a:t>
+              <a:t>How did we change the game?</a:t>
             </a:r>
           </a:p>
           <a:p>
             <a:r>
               <a:rPr lang="en-US" dirty="0"/>
-              <a:t>Why didn’t it work?</a:t>
-            </a:r>
-          </a:p>
-          <a:p>
-            <a:r>
-              <a:rPr lang="en-US" dirty="0"/>
-              <a:t>How does Quad SPI flash work?</a:t>
-            </a:r>
-          </a:p>
-          <a:p>
-            <a:r>
-              <a:rPr lang="en-US" dirty="0"/>
-              <a:t>What did we end up doing instead?</a:t>
+              <a:t>How do we use the output of the ADC</a:t>
             </a:r>
           </a:p>
         </p:txBody>
@@ -5415,7 +6611,7 @@
     </p:spTree>
     <p:extLst>
       <p:ext uri="{BB962C8B-B14F-4D97-AF65-F5344CB8AC3E}">
-        <p14:creationId xmlns:p14="http://schemas.microsoft.com/office/powerpoint/2010/main" val="516964015"/>
+        <p14:creationId xmlns:p14="http://schemas.microsoft.com/office/powerpoint/2010/main" val="528772889"/>
       </p:ext>
     </p:extLst>
   </p:cSld>
@@ -5448,7 +6644,7 @@
           <p:cNvPr id="2" name="Title 1">
             <a:extLst>
               <a:ext uri="{FF2B5EF4-FFF2-40B4-BE49-F238E27FC236}">
-                <a16:creationId xmlns:a16="http://schemas.microsoft.com/office/drawing/2014/main" id="{4848E6D0-1F8A-455D-AFD3-64A4D88F6C46}"/>
+                <a16:creationId xmlns:a16="http://schemas.microsoft.com/office/drawing/2014/main" id="{6809E014-24B6-4F26-82D2-8232BDF7B56E}"/>
               </a:ext>
             </a:extLst>
           </p:cNvPr>
@@ -5466,7 +6662,15 @@
           <a:p>
             <a:r>
               <a:rPr lang="en-US" dirty="0"/>
-              <a:t>Detailed Block Diagram [Bin]</a:t>
+              <a:t>Detailed Functionality-Memory [</a:t>
+            </a:r>
+            <a:r>
+              <a:rPr lang="en-US" dirty="0" err="1"/>
+              <a:t>Yimin</a:t>
+            </a:r>
+            <a:r>
+              <a:rPr lang="en-US" dirty="0"/>
+              <a:t>] </a:t>
             </a:r>
           </a:p>
         </p:txBody>
@@ -5476,7 +6680,7 @@
           <p:cNvPr id="3" name="Text Placeholder 2">
             <a:extLst>
               <a:ext uri="{FF2B5EF4-FFF2-40B4-BE49-F238E27FC236}">
-                <a16:creationId xmlns:a16="http://schemas.microsoft.com/office/drawing/2014/main" id="{CB0228E2-EB34-4EFA-9FD6-234EE40B06D7}"/>
+                <a16:creationId xmlns:a16="http://schemas.microsoft.com/office/drawing/2014/main" id="{DB267B4A-B026-46B7-9D6E-BC609B9CE301}"/>
               </a:ext>
             </a:extLst>
           </p:cNvPr>
@@ -5492,14 +6696,35 @@
           <a:bodyPr/>
           <a:lstStyle/>
           <a:p>
-            <a:endParaRPr lang="en-US"/>
+            <a:r>
+              <a:rPr lang="en-US" dirty="0"/>
+              <a:t>What were we planning on doing with the memory?</a:t>
+            </a:r>
+          </a:p>
+          <a:p>
+            <a:r>
+              <a:rPr lang="en-US" dirty="0"/>
+              <a:t>Why didn’t it work?</a:t>
+            </a:r>
+          </a:p>
+          <a:p>
+            <a:r>
+              <a:rPr lang="en-US" dirty="0"/>
+              <a:t>How does Quad SPI flash work?</a:t>
+            </a:r>
+          </a:p>
+          <a:p>
+            <a:r>
+              <a:rPr lang="en-US" dirty="0"/>
+              <a:t>What did we end up doing instead?</a:t>
+            </a:r>
           </a:p>
         </p:txBody>
       </p:sp>
     </p:spTree>
     <p:extLst>
       <p:ext uri="{BB962C8B-B14F-4D97-AF65-F5344CB8AC3E}">
-        <p14:creationId xmlns:p14="http://schemas.microsoft.com/office/powerpoint/2010/main" val="3053318514"/>
+        <p14:creationId xmlns:p14="http://schemas.microsoft.com/office/powerpoint/2010/main" val="516964015"/>
       </p:ext>
     </p:extLst>
   </p:cSld>

--- a/Bringing the Analog World to Digital Design_EC551_Final Project.pptx
+++ b/Bringing the Analog World to Digital Design_EC551_Final Project.pptx
@@ -5,26 +5,24 @@
     <p:sldMasterId id="2147483648" r:id="rId1"/>
   </p:sldMasterIdLst>
   <p:notesMasterIdLst>
-    <p:notesMasterId r:id="rId19"/>
+    <p:notesMasterId r:id="rId17"/>
   </p:notesMasterIdLst>
   <p:sldIdLst>
     <p:sldId id="256" r:id="rId2"/>
     <p:sldId id="257" r:id="rId3"/>
     <p:sldId id="274" r:id="rId4"/>
-    <p:sldId id="275" r:id="rId5"/>
-    <p:sldId id="286" r:id="rId6"/>
-    <p:sldId id="276" r:id="rId7"/>
-    <p:sldId id="285" r:id="rId8"/>
-    <p:sldId id="281" r:id="rId9"/>
+    <p:sldId id="286" r:id="rId5"/>
+    <p:sldId id="276" r:id="rId6"/>
+    <p:sldId id="285" r:id="rId7"/>
+    <p:sldId id="288" r:id="rId8"/>
+    <p:sldId id="289" r:id="rId9"/>
     <p:sldId id="282" r:id="rId10"/>
-    <p:sldId id="277" r:id="rId11"/>
+    <p:sldId id="290" r:id="rId11"/>
     <p:sldId id="278" r:id="rId12"/>
     <p:sldId id="279" r:id="rId13"/>
     <p:sldId id="280" r:id="rId14"/>
-    <p:sldId id="284" r:id="rId15"/>
-    <p:sldId id="283" r:id="rId16"/>
-    <p:sldId id="268" r:id="rId17"/>
-    <p:sldId id="258" r:id="rId18"/>
+    <p:sldId id="293" r:id="rId15"/>
+    <p:sldId id="284" r:id="rId16"/>
   </p:sldIdLst>
   <p:sldSz cx="12192000" cy="6858000"/>
   <p:notesSz cx="6858000" cy="9144000"/>
@@ -806,251 +804,7 @@
 </p:sldLayout>
 </file>
 
-<file path=ppt/slideLayouts/slideLayout10.xml><?xml version="1.0" encoding="utf-8"?>
-<p:sldLayout xmlns:a="http://schemas.openxmlformats.org/drawingml/2006/main" xmlns:r="http://schemas.openxmlformats.org/officeDocument/2006/relationships" xmlns:p="http://schemas.openxmlformats.org/presentationml/2006/main" showMasterSp="0" type="tx">
-  <p:cSld name="Blank">
-    <p:spTree>
-      <p:nvGrpSpPr>
-        <p:cNvPr id="1" name=""/>
-        <p:cNvGrpSpPr/>
-        <p:nvPr/>
-      </p:nvGrpSpPr>
-      <p:grpSpPr>
-        <a:xfrm>
-          <a:off x="0" y="0"/>
-          <a:ext cx="0" cy="0"/>
-          <a:chOff x="0" y="0"/>
-          <a:chExt cx="0" cy="0"/>
-        </a:xfrm>
-      </p:grpSpPr>
-      <p:sp>
-        <p:nvSpPr>
-          <p:cNvPr id="120" name="幻灯片编号"/>
-          <p:cNvSpPr txBox="1">
-            <a:spLocks noGrp="1"/>
-          </p:cNvSpPr>
-          <p:nvPr>
-            <p:ph type="sldNum" sz="quarter" idx="2"/>
-          </p:nvPr>
-        </p:nvSpPr>
-        <p:spPr>
-          <a:prstGeom prst="rect">
-            <a:avLst/>
-          </a:prstGeom>
-        </p:spPr>
-        <p:txBody>
-          <a:bodyPr/>
-          <a:lstStyle/>
-          <a:p>
-            <a:fld id="{86CB4B4D-7CA3-9044-876B-883B54F8677D}" type="slidenum">
-              <a:t>‹#›</a:t>
-            </a:fld>
-            <a:endParaRPr/>
-          </a:p>
-        </p:txBody>
-      </p:sp>
-    </p:spTree>
-  </p:cSld>
-  <p:clrMapOvr>
-    <a:masterClrMapping/>
-  </p:clrMapOvr>
-  <p:transition spd="med"/>
-</p:sldLayout>
-</file>
-
 <file path=ppt/slideLayouts/slideLayout2.xml><?xml version="1.0" encoding="utf-8"?>
-<p:sldLayout xmlns:a="http://schemas.openxmlformats.org/drawingml/2006/main" xmlns:r="http://schemas.openxmlformats.org/officeDocument/2006/relationships" xmlns:p="http://schemas.openxmlformats.org/presentationml/2006/main" showMasterSp="0" type="tx">
-  <p:cSld name="Section header">
-    <p:bg>
-      <p:bgPr>
-        <a:solidFill>
-          <a:srgbClr val="1A9988"/>
-        </a:solidFill>
-        <a:effectLst/>
-      </p:bgPr>
-    </p:bg>
-    <p:spTree>
-      <p:nvGrpSpPr>
-        <p:cNvPr id="1" name=""/>
-        <p:cNvGrpSpPr/>
-        <p:nvPr/>
-      </p:nvGrpSpPr>
-      <p:grpSpPr>
-        <a:xfrm>
-          <a:off x="0" y="0"/>
-          <a:ext cx="0" cy="0"/>
-          <a:chOff x="0" y="0"/>
-          <a:chExt cx="0" cy="0"/>
-        </a:xfrm>
-      </p:grpSpPr>
-      <p:grpSp>
-        <p:nvGrpSpPr>
-          <p:cNvPr id="30" name="Google Shape;18;p3"/>
-          <p:cNvGrpSpPr/>
-          <p:nvPr/>
-        </p:nvGrpSpPr>
-        <p:grpSpPr>
-          <a:xfrm>
-            <a:off x="1107190" y="1588342"/>
-            <a:ext cx="994351" cy="61102"/>
-            <a:chOff x="0" y="0"/>
-            <a:chExt cx="994350" cy="61101"/>
-          </a:xfrm>
-        </p:grpSpPr>
-        <p:sp>
-          <p:nvSpPr>
-            <p:cNvPr id="28" name="Google Shape;19;p3"/>
-            <p:cNvSpPr/>
-            <p:nvPr/>
-          </p:nvSpPr>
-          <p:spPr>
-            <a:xfrm rot="16200000">
-              <a:off x="715227" y="-218022"/>
-              <a:ext cx="61102" cy="497145"/>
-            </a:xfrm>
-            <a:prstGeom prst="rect">
-              <a:avLst/>
-            </a:prstGeom>
-            <a:solidFill>
-              <a:srgbClr val="FFFFFF"/>
-            </a:solidFill>
-            <a:ln w="12700" cap="flat">
-              <a:noFill/>
-              <a:miter lim="400000"/>
-            </a:ln>
-            <a:effectLst/>
-          </p:spPr>
-          <p:txBody>
-            <a:bodyPr wrap="square" lIns="45719" tIns="45719" rIns="45719" bIns="45719" numCol="1" anchor="ctr">
-              <a:noAutofit/>
-            </a:bodyPr>
-            <a:lstStyle/>
-            <a:p>
-              <a:pPr>
-                <a:defRPr sz="2400"/>
-              </a:pPr>
-              <a:endParaRPr/>
-            </a:p>
-          </p:txBody>
-        </p:sp>
-        <p:sp>
-          <p:nvSpPr>
-            <p:cNvPr id="29" name="Google Shape;20;p3"/>
-            <p:cNvSpPr/>
-            <p:nvPr/>
-          </p:nvSpPr>
-          <p:spPr>
-            <a:xfrm rot="16200000">
-              <a:off x="220124" y="-220125"/>
-              <a:ext cx="61102" cy="501351"/>
-            </a:xfrm>
-            <a:prstGeom prst="rect">
-              <a:avLst/>
-            </a:prstGeom>
-            <a:solidFill>
-              <a:srgbClr val="FFFFFF"/>
-            </a:solidFill>
-            <a:ln w="12700" cap="flat">
-              <a:noFill/>
-              <a:miter lim="400000"/>
-            </a:ln>
-            <a:effectLst/>
-          </p:spPr>
-          <p:txBody>
-            <a:bodyPr wrap="square" lIns="45719" tIns="45719" rIns="45719" bIns="45719" numCol="1" anchor="ctr">
-              <a:noAutofit/>
-            </a:bodyPr>
-            <a:lstStyle/>
-            <a:p>
-              <a:pPr>
-                <a:defRPr sz="2400"/>
-              </a:pPr>
-              <a:endParaRPr/>
-            </a:p>
-          </p:txBody>
-        </p:sp>
-      </p:grpSp>
-      <p:sp>
-        <p:nvSpPr>
-          <p:cNvPr id="31" name="标题文本"/>
-          <p:cNvSpPr txBox="1">
-            <a:spLocks noGrp="1"/>
-          </p:cNvSpPr>
-          <p:nvPr>
-            <p:ph type="title"/>
-          </p:nvPr>
-        </p:nvSpPr>
-        <p:spPr>
-          <a:xfrm>
-            <a:off x="972600" y="1763266"/>
-            <a:ext cx="10251200" cy="2024802"/>
-          </a:xfrm>
-          <a:prstGeom prst="rect">
-            <a:avLst/>
-          </a:prstGeom>
-        </p:spPr>
-        <p:txBody>
-          <a:bodyPr/>
-          <a:lstStyle>
-            <a:lvl1pPr>
-              <a:defRPr sz="4800">
-                <a:solidFill>
-                  <a:srgbClr val="FFFFFF"/>
-                </a:solidFill>
-              </a:defRPr>
-            </a:lvl1pPr>
-          </a:lstStyle>
-          <a:p>
-            <a:r>
-              <a:t>标题文本</a:t>
-            </a:r>
-          </a:p>
-        </p:txBody>
-      </p:sp>
-      <p:sp>
-        <p:nvSpPr>
-          <p:cNvPr id="32" name="幻灯片编号"/>
-          <p:cNvSpPr txBox="1">
-            <a:spLocks noGrp="1"/>
-          </p:cNvSpPr>
-          <p:nvPr>
-            <p:ph type="sldNum" sz="quarter" idx="2"/>
-          </p:nvPr>
-        </p:nvSpPr>
-        <p:spPr>
-          <a:prstGeom prst="rect">
-            <a:avLst/>
-          </a:prstGeom>
-        </p:spPr>
-        <p:txBody>
-          <a:bodyPr/>
-          <a:lstStyle>
-            <a:lvl1pPr>
-              <a:defRPr>
-                <a:solidFill>
-                  <a:srgbClr val="FFFFFF"/>
-                </a:solidFill>
-              </a:defRPr>
-            </a:lvl1pPr>
-          </a:lstStyle>
-          <a:p>
-            <a:fld id="{86CB4B4D-7CA3-9044-876B-883B54F8677D}" type="slidenum">
-              <a:t>‹#›</a:t>
-            </a:fld>
-            <a:endParaRPr/>
-          </a:p>
-        </p:txBody>
-      </p:sp>
-    </p:spTree>
-  </p:cSld>
-  <p:clrMapOvr>
-    <a:masterClrMapping/>
-  </p:clrMapOvr>
-  <p:transition spd="med"/>
-</p:sldLayout>
-</file>
-
-<file path=ppt/slideLayouts/slideLayout3.xml><?xml version="1.0" encoding="utf-8"?>
 <p:sldLayout xmlns:a="http://schemas.openxmlformats.org/drawingml/2006/main" xmlns:r="http://schemas.openxmlformats.org/officeDocument/2006/relationships" xmlns:p="http://schemas.openxmlformats.org/presentationml/2006/main" type="tx">
   <p:cSld name="Title and body">
     <p:spTree>
@@ -1190,7 +944,7 @@
 </p:sldLayout>
 </file>
 
-<file path=ppt/slideLayouts/slideLayout4.xml><?xml version="1.0" encoding="utf-8"?>
+<file path=ppt/slideLayouts/slideLayout3.xml><?xml version="1.0" encoding="utf-8"?>
 <p:sldLayout xmlns:a="http://schemas.openxmlformats.org/drawingml/2006/main" xmlns:r="http://schemas.openxmlformats.org/officeDocument/2006/relationships" xmlns:p="http://schemas.openxmlformats.org/presentationml/2006/main" type="tx">
   <p:cSld name="Title and two columns">
     <p:spTree>
@@ -1354,7 +1108,7 @@
 </p:sldLayout>
 </file>
 
-<file path=ppt/slideLayouts/slideLayout5.xml><?xml version="1.0" encoding="utf-8"?>
+<file path=ppt/slideLayouts/slideLayout4.xml><?xml version="1.0" encoding="utf-8"?>
 <p:sldLayout xmlns:a="http://schemas.openxmlformats.org/drawingml/2006/main" xmlns:r="http://schemas.openxmlformats.org/officeDocument/2006/relationships" xmlns:p="http://schemas.openxmlformats.org/presentationml/2006/main" type="tx">
   <p:cSld name="One column text">
     <p:spTree>
@@ -1494,7 +1248,7 @@
 </p:sldLayout>
 </file>
 
-<file path=ppt/slideLayouts/slideLayout6.xml><?xml version="1.0" encoding="utf-8"?>
+<file path=ppt/slideLayouts/slideLayout5.xml><?xml version="1.0" encoding="utf-8"?>
 <p:sldLayout xmlns:a="http://schemas.openxmlformats.org/drawingml/2006/main" xmlns:r="http://schemas.openxmlformats.org/officeDocument/2006/relationships" xmlns:p="http://schemas.openxmlformats.org/presentationml/2006/main" showMasterSp="0" type="tx">
   <p:cSld name="Main point">
     <p:bg>
@@ -1686,7 +1440,7 @@
 </p:sldLayout>
 </file>
 
-<file path=ppt/slideLayouts/slideLayout7.xml><?xml version="1.0" encoding="utf-8"?>
+<file path=ppt/slideLayouts/slideLayout6.xml><?xml version="1.0" encoding="utf-8"?>
 <p:sldLayout xmlns:a="http://schemas.openxmlformats.org/drawingml/2006/main" xmlns:r="http://schemas.openxmlformats.org/officeDocument/2006/relationships" xmlns:p="http://schemas.openxmlformats.org/presentationml/2006/main" showMasterSp="0" type="tx">
   <p:cSld name="Section title and description">
     <p:spTree>
@@ -2018,7 +1772,7 @@
 </p:sldLayout>
 </file>
 
-<file path=ppt/slideLayouts/slideLayout8.xml><?xml version="1.0" encoding="utf-8"?>
+<file path=ppt/slideLayouts/slideLayout7.xml><?xml version="1.0" encoding="utf-8"?>
 <p:sldLayout xmlns:a="http://schemas.openxmlformats.org/drawingml/2006/main" xmlns:r="http://schemas.openxmlformats.org/officeDocument/2006/relationships" xmlns:p="http://schemas.openxmlformats.org/presentationml/2006/main" showMasterSp="0" type="tx">
   <p:cSld name="Caption">
     <p:spTree>
@@ -2161,7 +1915,7 @@
 </p:sldLayout>
 </file>
 
-<file path=ppt/slideLayouts/slideLayout9.xml><?xml version="1.0" encoding="utf-8"?>
+<file path=ppt/slideLayouts/slideLayout8.xml><?xml version="1.0" encoding="utf-8"?>
 <p:sldLayout xmlns:a="http://schemas.openxmlformats.org/drawingml/2006/main" xmlns:r="http://schemas.openxmlformats.org/officeDocument/2006/relationships" xmlns:p="http://schemas.openxmlformats.org/presentationml/2006/main" showMasterSp="0" type="tx">
   <p:cSld name="Big number">
     <p:bg>
@@ -2457,6 +2211,58 @@
 </p:sldLayout>
 </file>
 
+<file path=ppt/slideLayouts/slideLayout9.xml><?xml version="1.0" encoding="utf-8"?>
+<p:sldLayout xmlns:a="http://schemas.openxmlformats.org/drawingml/2006/main" xmlns:r="http://schemas.openxmlformats.org/officeDocument/2006/relationships" xmlns:p="http://schemas.openxmlformats.org/presentationml/2006/main" showMasterSp="0" type="tx">
+  <p:cSld name="Blank">
+    <p:spTree>
+      <p:nvGrpSpPr>
+        <p:cNvPr id="1" name=""/>
+        <p:cNvGrpSpPr/>
+        <p:nvPr/>
+      </p:nvGrpSpPr>
+      <p:grpSpPr>
+        <a:xfrm>
+          <a:off x="0" y="0"/>
+          <a:ext cx="0" cy="0"/>
+          <a:chOff x="0" y="0"/>
+          <a:chExt cx="0" cy="0"/>
+        </a:xfrm>
+      </p:grpSpPr>
+      <p:sp>
+        <p:nvSpPr>
+          <p:cNvPr id="120" name="幻灯片编号"/>
+          <p:cNvSpPr txBox="1">
+            <a:spLocks noGrp="1"/>
+          </p:cNvSpPr>
+          <p:nvPr>
+            <p:ph type="sldNum" sz="quarter" idx="2"/>
+          </p:nvPr>
+        </p:nvSpPr>
+        <p:spPr>
+          <a:prstGeom prst="rect">
+            <a:avLst/>
+          </a:prstGeom>
+        </p:spPr>
+        <p:txBody>
+          <a:bodyPr/>
+          <a:lstStyle/>
+          <a:p>
+            <a:fld id="{86CB4B4D-7CA3-9044-876B-883B54F8677D}" type="slidenum">
+              <a:t>‹#›</a:t>
+            </a:fld>
+            <a:endParaRPr/>
+          </a:p>
+        </p:txBody>
+      </p:sp>
+    </p:spTree>
+  </p:cSld>
+  <p:clrMapOvr>
+    <a:masterClrMapping/>
+  </p:clrMapOvr>
+  <p:transition spd="med"/>
+</p:sldLayout>
+</file>
+
 <file path=ppt/slideMasters/slideMaster1.xml><?xml version="1.0" encoding="utf-8"?>
 <p:sldMaster xmlns:a="http://schemas.openxmlformats.org/drawingml/2006/main" xmlns:r="http://schemas.openxmlformats.org/officeDocument/2006/relationships" xmlns:p="http://schemas.openxmlformats.org/presentationml/2006/main">
   <p:cSld>
@@ -2624,7 +2430,7 @@
           </a:ln>
           <a:extLst>
             <a:ext uri="{C572A759-6A51-4108-AA02-DFA0A04FC94B}">
-              <ma14:wrappingTextBoxFlag xmlns:ma14="http://schemas.microsoft.com/office/mac/drawingml/2011/main" xmlns:a14="http://schemas.microsoft.com/office/drawing/2010/main" xmlns:m="http://schemas.openxmlformats.org/officeDocument/2006/math" xmlns="" val="1"/>
+              <ma14:wrappingTextBoxFlag xmlns="" xmlns:m="http://schemas.openxmlformats.org/officeDocument/2006/math" xmlns:a14="http://schemas.microsoft.com/office/drawing/2010/main" xmlns:ma14="http://schemas.microsoft.com/office/mac/drawingml/2011/main" val="1"/>
             </a:ext>
           </a:extLst>
         </p:spPr>
@@ -2663,7 +2469,7 @@
           </a:ln>
           <a:extLst>
             <a:ext uri="{C572A759-6A51-4108-AA02-DFA0A04FC94B}">
-              <ma14:wrappingTextBoxFlag xmlns:ma14="http://schemas.microsoft.com/office/mac/drawingml/2011/main" xmlns:a14="http://schemas.microsoft.com/office/drawing/2010/main" xmlns:m="http://schemas.openxmlformats.org/officeDocument/2006/math" xmlns="" val="1"/>
+              <ma14:wrappingTextBoxFlag xmlns="" xmlns:m="http://schemas.openxmlformats.org/officeDocument/2006/math" xmlns:a14="http://schemas.microsoft.com/office/drawing/2010/main" xmlns:ma14="http://schemas.microsoft.com/office/mac/drawingml/2011/main" val="1"/>
             </a:ext>
           </a:extLst>
         </p:spPr>
@@ -2755,15 +2561,14 @@
   <p:clrMap bg1="dk1" tx1="lt1" bg2="dk2" tx2="lt2" accent1="accent1" accent2="accent2" accent3="accent3" accent4="accent4" accent5="accent5" accent6="accent6" hlink="hlink" folHlink="folHlink"/>
   <p:sldLayoutIdLst>
     <p:sldLayoutId id="2147483649" r:id="rId1"/>
-    <p:sldLayoutId id="2147483650" r:id="rId2"/>
-    <p:sldLayoutId id="2147483651" r:id="rId3"/>
-    <p:sldLayoutId id="2147483652" r:id="rId4"/>
-    <p:sldLayoutId id="2147483654" r:id="rId5"/>
-    <p:sldLayoutId id="2147483655" r:id="rId6"/>
-    <p:sldLayoutId id="2147483656" r:id="rId7"/>
-    <p:sldLayoutId id="2147483657" r:id="rId8"/>
-    <p:sldLayoutId id="2147483658" r:id="rId9"/>
-    <p:sldLayoutId id="2147483659" r:id="rId10"/>
+    <p:sldLayoutId id="2147483651" r:id="rId2"/>
+    <p:sldLayoutId id="2147483652" r:id="rId3"/>
+    <p:sldLayoutId id="2147483654" r:id="rId4"/>
+    <p:sldLayoutId id="2147483655" r:id="rId5"/>
+    <p:sldLayoutId id="2147483656" r:id="rId6"/>
+    <p:sldLayoutId id="2147483657" r:id="rId7"/>
+    <p:sldLayoutId id="2147483658" r:id="rId8"/>
+    <p:sldLayoutId id="2147483659" r:id="rId9"/>
   </p:sldLayoutIdLst>
   <p:transition spd="med"/>
   <p:txStyles>
@@ -3564,7 +3369,9 @@
           </a:prstGeom>
         </p:spPr>
         <p:txBody>
-          <a:bodyPr lIns="121899" tIns="121899" rIns="121899" bIns="121899"/>
+          <a:bodyPr lIns="121899" tIns="121899" rIns="121899" bIns="121899">
+            <a:normAutofit lnSpcReduction="10000"/>
+          </a:bodyPr>
           <a:lstStyle/>
           <a:p>
             <a:pPr marL="0" indent="0">
@@ -3579,7 +3386,24 @@
               </a:defRPr>
             </a:pPr>
             <a:r>
-              <a:t>Team member:</a:t>
+              <a:rPr dirty="0"/>
+              <a:t>Team </a:t>
+            </a:r>
+            <a:r>
+              <a:rPr lang="en-US" dirty="0"/>
+              <a:t>M</a:t>
+            </a:r>
+            <a:r>
+              <a:rPr dirty="0"/>
+              <a:t>ember</a:t>
+            </a:r>
+            <a:r>
+              <a:rPr lang="en-US" dirty="0"/>
+              <a:t>s</a:t>
+            </a:r>
+            <a:r>
+              <a:rPr dirty="0"/>
+              <a:t>:</a:t>
             </a:r>
           </a:p>
           <a:p>
@@ -3594,7 +3418,7 @@
                 <a:sym typeface="Arial"/>
               </a:defRPr>
             </a:pPr>
-            <a:endParaRPr/>
+            <a:endParaRPr dirty="0"/>
           </a:p>
           <a:p>
             <a:pPr marL="0" indent="0">
@@ -3609,6 +3433,7 @@
               </a:defRPr>
             </a:pPr>
             <a:r>
+              <a:rPr sz="2400" dirty="0"/>
               <a:t>Conor Naughton </a:t>
             </a:r>
           </a:p>
@@ -3625,6 +3450,7 @@
               </a:defRPr>
             </a:pPr>
             <a:r>
+              <a:rPr sz="2400" dirty="0"/>
               <a:t>Bin Xu</a:t>
             </a:r>
           </a:p>
@@ -3641,11 +3467,41 @@
               </a:defRPr>
             </a:pPr>
             <a:r>
+              <a:rPr sz="2400" dirty="0"/>
               <a:t>Yimin Xu</a:t>
             </a:r>
           </a:p>
         </p:txBody>
       </p:sp>
+      <p:pic>
+        <p:nvPicPr>
+          <p:cNvPr id="3" name="Picture 2">
+            <a:extLst>
+              <a:ext uri="{FF2B5EF4-FFF2-40B4-BE49-F238E27FC236}">
+                <a16:creationId xmlns:a16="http://schemas.microsoft.com/office/drawing/2014/main" id="{F06A99B8-E50B-D9E4-5F68-6F8AAAF8702C}"/>
+              </a:ext>
+            </a:extLst>
+          </p:cNvPr>
+          <p:cNvPicPr>
+            <a:picLocks noChangeAspect="1"/>
+          </p:cNvPicPr>
+          <p:nvPr/>
+        </p:nvPicPr>
+        <p:blipFill rotWithShape="1">
+          <a:blip r:embed="rId2"/>
+          <a:srcRect l="6380" t="5392" r="3678" b="5129"/>
+          <a:stretch/>
+        </p:blipFill>
+        <p:spPr>
+          <a:xfrm>
+            <a:off x="6875768" y="4041711"/>
+            <a:ext cx="4160520" cy="2386584"/>
+          </a:xfrm>
+          <a:prstGeom prst="rect">
+            <a:avLst/>
+          </a:prstGeom>
+        </p:spPr>
+      </p:pic>
     </p:spTree>
   </p:cSld>
   <p:clrMapOvr>
@@ -3688,47 +3544,74 @@
             <p:ph type="title"/>
           </p:nvPr>
         </p:nvSpPr>
-        <p:spPr/>
+        <p:spPr>
+          <a:xfrm>
+            <a:off x="967800" y="1516230"/>
+            <a:ext cx="10251600" cy="713601"/>
+          </a:xfrm>
+        </p:spPr>
         <p:txBody>
           <a:bodyPr/>
           <a:lstStyle/>
           <a:p>
             <a:r>
               <a:rPr lang="en-US" dirty="0"/>
-              <a:t>Detailed Block Diagram [Bin]</a:t>
+              <a:t>Block Diagram</a:t>
             </a:r>
           </a:p>
         </p:txBody>
       </p:sp>
-      <p:sp>
-        <p:nvSpPr>
-          <p:cNvPr id="3" name="Text Placeholder 2">
+      <p:pic>
+        <p:nvPicPr>
+          <p:cNvPr id="4102" name="Picture 6">
             <a:extLst>
               <a:ext uri="{FF2B5EF4-FFF2-40B4-BE49-F238E27FC236}">
-                <a16:creationId xmlns:a16="http://schemas.microsoft.com/office/drawing/2014/main" id="{CB0228E2-EB34-4EFA-9FD6-234EE40B06D7}"/>
+                <a16:creationId xmlns:a16="http://schemas.microsoft.com/office/drawing/2014/main" id="{8D9C7C63-77C0-8343-8EE7-6D6716F0142F}"/>
               </a:ext>
             </a:extLst>
           </p:cNvPr>
-          <p:cNvSpPr>
-            <a:spLocks noGrp="1"/>
-          </p:cNvSpPr>
-          <p:nvPr>
-            <p:ph type="body" sz="half" idx="1"/>
-          </p:nvPr>
-        </p:nvSpPr>
-        <p:spPr/>
-        <p:txBody>
-          <a:bodyPr/>
-          <a:lstStyle/>
-          <a:p>
-            <a:endParaRPr lang="en-US"/>
-          </a:p>
-        </p:txBody>
-      </p:sp>
+          <p:cNvPicPr>
+            <a:picLocks noChangeAspect="1" noChangeArrowheads="1"/>
+          </p:cNvPicPr>
+          <p:nvPr/>
+        </p:nvPicPr>
+        <p:blipFill>
+          <a:blip r:embed="rId2">
+            <a:extLst>
+              <a:ext uri="{28A0092B-C50C-407E-A947-70E740481C1C}">
+                <a14:useLocalDpi xmlns:a14="http://schemas.microsoft.com/office/drawing/2010/main" val="0"/>
+              </a:ext>
+            </a:extLst>
+          </a:blip>
+          <a:srcRect/>
+          <a:stretch>
+            <a:fillRect/>
+          </a:stretch>
+        </p:blipFill>
+        <p:spPr bwMode="auto">
+          <a:xfrm>
+            <a:off x="1108476" y="2229831"/>
+            <a:ext cx="9582969" cy="4446829"/>
+          </a:xfrm>
+          <a:prstGeom prst="rect">
+            <a:avLst/>
+          </a:prstGeom>
+          <a:noFill/>
+          <a:extLst>
+            <a:ext uri="{909E8E84-426E-40DD-AFC4-6F175D3DCCD1}">
+              <a14:hiddenFill xmlns:a14="http://schemas.microsoft.com/office/drawing/2010/main">
+                <a:solidFill>
+                  <a:srgbClr val="FFFFFF"/>
+                </a:solidFill>
+              </a14:hiddenFill>
+            </a:ext>
+          </a:extLst>
+        </p:spPr>
+      </p:pic>
     </p:spTree>
     <p:extLst>
       <p:ext uri="{BB962C8B-B14F-4D97-AF65-F5344CB8AC3E}">
-        <p14:creationId xmlns:p14="http://schemas.microsoft.com/office/powerpoint/2010/main" val="3053318514"/>
+        <p14:creationId xmlns:p14="http://schemas.microsoft.com/office/powerpoint/2010/main" val="4275204651"/>
       </p:ext>
     </p:extLst>
   </p:cSld>
@@ -3779,7 +3662,7 @@
           <a:p>
             <a:r>
               <a:rPr lang="en-US" dirty="0"/>
-              <a:t>Verilog Example [Conor]</a:t>
+              <a:t>Verilog Example</a:t>
             </a:r>
           </a:p>
         </p:txBody>
@@ -3816,21 +3699,29 @@
             </a:r>
           </a:p>
           <a:p>
+            <a:pPr lvl="1"/>
             <a:r>
               <a:rPr lang="en-US" dirty="0"/>
-              <a:t>Explain DRP connection</a:t>
-            </a:r>
-          </a:p>
-          <a:p>
+              <a:t>Initializing the control registers to define the ADC operation after configuration</a:t>
+            </a:r>
+          </a:p>
+          <a:p>
+            <a:pPr lvl="1"/>
             <a:r>
               <a:rPr lang="en-US" dirty="0"/>
-              <a:t>Annotate code with simple comments of functionality</a:t>
-            </a:r>
+              <a:t>Connect ADC I/Os to the design</a:t>
+            </a:r>
+          </a:p>
+          <a:p>
+            <a:endParaRPr lang="en-US" dirty="0"/>
+          </a:p>
+          <a:p>
+            <a:endParaRPr lang="en-US" dirty="0"/>
           </a:p>
           <a:p>
             <a:r>
               <a:rPr lang="en-US" dirty="0"/>
-              <a:t>The DRP is the interface between the ADC and FPGA through which the FPGA can access the ADC registers</a:t>
+              <a:t>DRP is the interface between the ADC and FPGA through which the FPGA can access the ADC registers</a:t>
             </a:r>
           </a:p>
         </p:txBody>
@@ -3856,14 +3747,146 @@
         </p:blipFill>
         <p:spPr>
           <a:xfrm>
-            <a:off x="8040455" y="228841"/>
-            <a:ext cx="3901778" cy="6400317"/>
+            <a:off x="8040455" y="713232"/>
+            <a:ext cx="3606482" cy="5915926"/>
           </a:xfrm>
           <a:prstGeom prst="rect">
             <a:avLst/>
           </a:prstGeom>
         </p:spPr>
       </p:pic>
+      <p:pic>
+        <p:nvPicPr>
+          <p:cNvPr id="6" name="Picture 5">
+            <a:extLst>
+              <a:ext uri="{FF2B5EF4-FFF2-40B4-BE49-F238E27FC236}">
+                <a16:creationId xmlns:a16="http://schemas.microsoft.com/office/drawing/2014/main" id="{C11C3327-51D7-E9F0-2A0C-143F23C83BB4}"/>
+              </a:ext>
+            </a:extLst>
+          </p:cNvPr>
+          <p:cNvPicPr>
+            <a:picLocks noChangeAspect="1"/>
+          </p:cNvPicPr>
+          <p:nvPr/>
+        </p:nvPicPr>
+        <p:blipFill>
+          <a:blip r:embed="rId3"/>
+          <a:stretch>
+            <a:fillRect/>
+          </a:stretch>
+        </p:blipFill>
+        <p:spPr>
+          <a:xfrm>
+            <a:off x="2277388" y="5427478"/>
+            <a:ext cx="5296359" cy="1318374"/>
+          </a:xfrm>
+          <a:prstGeom prst="rect">
+            <a:avLst/>
+          </a:prstGeom>
+        </p:spPr>
+      </p:pic>
+      <p:cxnSp>
+        <p:nvCxnSpPr>
+          <p:cNvPr id="8" name="Straight Arrow Connector 7">
+            <a:extLst>
+              <a:ext uri="{FF2B5EF4-FFF2-40B4-BE49-F238E27FC236}">
+                <a16:creationId xmlns:a16="http://schemas.microsoft.com/office/drawing/2014/main" id="{F02BCA3C-7A88-2377-4CA5-64615C6C4773}"/>
+              </a:ext>
+            </a:extLst>
+          </p:cNvPr>
+          <p:cNvCxnSpPr/>
+          <p:nvPr/>
+        </p:nvCxnSpPr>
+        <p:spPr>
+          <a:xfrm flipV="1">
+            <a:off x="7104888" y="2249424"/>
+            <a:ext cx="1435608" cy="941832"/>
+          </a:xfrm>
+          <a:prstGeom prst="straightConnector1">
+            <a:avLst/>
+          </a:prstGeom>
+          <a:noFill/>
+          <a:ln w="25400" cap="flat">
+            <a:solidFill>
+              <a:schemeClr val="accent1"/>
+            </a:solidFill>
+            <a:prstDash val="solid"/>
+            <a:round/>
+            <a:tailEnd type="triangle"/>
+          </a:ln>
+          <a:effectLst>
+            <a:outerShdw blurRad="38100" dist="20000" dir="5400000" rotWithShape="0">
+              <a:srgbClr val="000000">
+                <a:alpha val="38000"/>
+              </a:srgbClr>
+            </a:outerShdw>
+          </a:effectLst>
+          <a:sp3d/>
+        </p:spPr>
+        <p:style>
+          <a:lnRef idx="0">
+            <a:scrgbClr r="0" g="0" b="0"/>
+          </a:lnRef>
+          <a:fillRef idx="0">
+            <a:scrgbClr r="0" g="0" b="0"/>
+          </a:fillRef>
+          <a:effectRef idx="0">
+            <a:scrgbClr r="0" g="0" b="0"/>
+          </a:effectRef>
+          <a:fontRef idx="none"/>
+        </p:style>
+      </p:cxnSp>
+      <p:cxnSp>
+        <p:nvCxnSpPr>
+          <p:cNvPr id="10" name="Straight Arrow Connector 9">
+            <a:extLst>
+              <a:ext uri="{FF2B5EF4-FFF2-40B4-BE49-F238E27FC236}">
+                <a16:creationId xmlns:a16="http://schemas.microsoft.com/office/drawing/2014/main" id="{0998E0DC-F707-EA45-AAE1-186D4449C351}"/>
+              </a:ext>
+            </a:extLst>
+          </p:cNvPr>
+          <p:cNvCxnSpPr/>
+          <p:nvPr/>
+        </p:nvCxnSpPr>
+        <p:spPr>
+          <a:xfrm>
+            <a:off x="4736592" y="3657600"/>
+            <a:ext cx="3803904" cy="393192"/>
+          </a:xfrm>
+          <a:prstGeom prst="straightConnector1">
+            <a:avLst/>
+          </a:prstGeom>
+          <a:noFill/>
+          <a:ln w="25400" cap="flat">
+            <a:solidFill>
+              <a:schemeClr val="accent1"/>
+            </a:solidFill>
+            <a:prstDash val="solid"/>
+            <a:round/>
+            <a:tailEnd type="triangle"/>
+          </a:ln>
+          <a:effectLst>
+            <a:outerShdw blurRad="38100" dist="20000" dir="5400000" rotWithShape="0">
+              <a:srgbClr val="000000">
+                <a:alpha val="38000"/>
+              </a:srgbClr>
+            </a:outerShdw>
+          </a:effectLst>
+          <a:sp3d/>
+        </p:spPr>
+        <p:style>
+          <a:lnRef idx="0">
+            <a:scrgbClr r="0" g="0" b="0"/>
+          </a:lnRef>
+          <a:fillRef idx="0">
+            <a:scrgbClr r="0" g="0" b="0"/>
+          </a:fillRef>
+          <a:effectRef idx="0">
+            <a:scrgbClr r="0" g="0" b="0"/>
+          </a:effectRef>
+          <a:fontRef idx="none"/>
+        </p:style>
+      </p:cxnSp>
     </p:spTree>
     <p:extLst>
       <p:ext uri="{BB962C8B-B14F-4D97-AF65-F5344CB8AC3E}">
@@ -3941,25 +3964,53 @@
         </p:nvSpPr>
         <p:spPr/>
         <p:txBody>
-          <a:bodyPr/>
+          <a:bodyPr>
+            <a:normAutofit/>
+          </a:bodyPr>
           <a:lstStyle/>
           <a:p>
             <a:r>
-              <a:rPr lang="en-US" dirty="0"/>
-              <a:t>Analog game</a:t>
+              <a:rPr lang="en-US" sz="1600" dirty="0"/>
+              <a:t>Got the game to work [Bin]</a:t>
             </a:r>
           </a:p>
           <a:p>
             <a:pPr lvl="1"/>
             <a:r>
-              <a:rPr lang="en-US" dirty="0"/>
+              <a:rPr lang="en-US" sz="1600" dirty="0"/>
+              <a:t>Ball movement, start and end game display</a:t>
+            </a:r>
+          </a:p>
+          <a:p>
+            <a:r>
+              <a:rPr lang="en-US" sz="1600" dirty="0"/>
+              <a:t>Demonstrated analog nature of input sensor [Conor]</a:t>
+            </a:r>
+          </a:p>
+          <a:p>
+            <a:pPr lvl="1"/>
+            <a:r>
+              <a:rPr lang="en-US" sz="1600" dirty="0"/>
               <a:t>Pressing harder makes it move faster</a:t>
             </a:r>
           </a:p>
           <a:p>
-            <a:r>
-              <a:rPr lang="en-US" dirty="0"/>
-              <a:t>Attribution of successes</a:t>
+            <a:pPr lvl="1"/>
+            <a:r>
+              <a:rPr lang="en-US" sz="1600" dirty="0"/>
+              <a:t>Achieved using Wheatstone bridge setup</a:t>
+            </a:r>
+          </a:p>
+          <a:p>
+            <a:r>
+              <a:rPr lang="en-US" sz="1600" dirty="0"/>
+              <a:t>Multi-Channel ADC sampling [Conor]</a:t>
+            </a:r>
+          </a:p>
+          <a:p>
+            <a:r>
+              <a:rPr lang="en-US" sz="1600" dirty="0"/>
+              <a:t>Replaying final frame from game [Bin/Yimin]</a:t>
             </a:r>
           </a:p>
         </p:txBody>
@@ -4041,24 +4092,41 @@
         </p:nvSpPr>
         <p:spPr/>
         <p:txBody>
-          <a:bodyPr/>
+          <a:bodyPr>
+            <a:normAutofit/>
+          </a:bodyPr>
           <a:lstStyle/>
           <a:p>
             <a:r>
-              <a:rPr lang="en-US" dirty="0"/>
+              <a:rPr lang="en-US" sz="1600" dirty="0"/>
               <a:t>Use of Quad SPI flash memory</a:t>
             </a:r>
           </a:p>
           <a:p>
-            <a:r>
-              <a:rPr lang="en-US" dirty="0"/>
-              <a:t>Timing issues of direction change versus ADC settling</a:t>
-            </a:r>
-          </a:p>
-          <a:p>
-            <a:r>
-              <a:rPr lang="en-US" dirty="0"/>
-              <a:t>Explain what we tried for each of these</a:t>
+            <a:pPr lvl="1"/>
+            <a:r>
+              <a:rPr lang="en-US" sz="1600" dirty="0"/>
+              <a:t>Original plan was to demonstrate NVRAM</a:t>
+            </a:r>
+          </a:p>
+          <a:p>
+            <a:pPr lvl="1"/>
+            <a:r>
+              <a:rPr lang="en-US" sz="1600" dirty="0"/>
+              <a:t>Unable to figure out SPI protocol to interact with Quad SPI flash</a:t>
+            </a:r>
+          </a:p>
+          <a:p>
+            <a:r>
+              <a:rPr lang="en-US" sz="1600" dirty="0"/>
+              <a:t>ADC timing issue</a:t>
+            </a:r>
+          </a:p>
+          <a:p>
+            <a:pPr lvl="1"/>
+            <a:r>
+              <a:rPr lang="en-US" sz="1600" dirty="0"/>
+              <a:t>Despite flags, still had some issues with output from button press being applied to opposite </a:t>
             </a:r>
           </a:p>
         </p:txBody>
@@ -4099,7 +4167,7 @@
           <p:cNvPr id="2" name="Title 1">
             <a:extLst>
               <a:ext uri="{FF2B5EF4-FFF2-40B4-BE49-F238E27FC236}">
-                <a16:creationId xmlns:a16="http://schemas.microsoft.com/office/drawing/2014/main" id="{FC71F7FD-AE76-32AE-D0DB-BCF998655A3E}"/>
+                <a16:creationId xmlns:a16="http://schemas.microsoft.com/office/drawing/2014/main" id="{9F6C1EAE-FF2B-BE4C-8D0B-9E80EFC556DB}"/>
               </a:ext>
             </a:extLst>
           </p:cNvPr>
@@ -4117,7 +4185,7 @@
           <a:p>
             <a:r>
               <a:rPr lang="en-US" dirty="0"/>
-              <a:t>References</a:t>
+              <a:t>GitHub Link</a:t>
             </a:r>
           </a:p>
         </p:txBody>
@@ -4127,7 +4195,7 @@
           <p:cNvPr id="3" name="Text Placeholder 2">
             <a:extLst>
               <a:ext uri="{FF2B5EF4-FFF2-40B4-BE49-F238E27FC236}">
-                <a16:creationId xmlns:a16="http://schemas.microsoft.com/office/drawing/2014/main" id="{2B469654-7ACF-DA6E-229C-4698B439AC70}"/>
+                <a16:creationId xmlns:a16="http://schemas.microsoft.com/office/drawing/2014/main" id="{73AA3823-91B2-C24A-B767-75DA7BB06465}"/>
               </a:ext>
             </a:extLst>
           </p:cNvPr>
@@ -4144,16 +4212,22 @@
           <a:lstStyle/>
           <a:p>
             <a:r>
-              <a:rPr lang="en-US" dirty="0"/>
-              <a:t>https://github.com/Digilent/Nexys-A7-100T-XADC</a:t>
-            </a:r>
+              <a:rPr lang="en-US" sz="1800" dirty="0">
+                <a:hlinkClick r:id="rId2"/>
+              </a:rPr>
+              <a:t>https://github.com/xu842251462/EC551_Final_Project</a:t>
+            </a:r>
+            <a:endParaRPr lang="en-US" sz="1800" dirty="0"/>
+          </a:p>
+          <a:p>
+            <a:endParaRPr lang="en-US" dirty="0"/>
           </a:p>
         </p:txBody>
       </p:sp>
     </p:spTree>
     <p:extLst>
       <p:ext uri="{BB962C8B-B14F-4D97-AF65-F5344CB8AC3E}">
-        <p14:creationId xmlns:p14="http://schemas.microsoft.com/office/powerpoint/2010/main" val="1905147005"/>
+        <p14:creationId xmlns:p14="http://schemas.microsoft.com/office/powerpoint/2010/main" val="1706680646"/>
       </p:ext>
     </p:extLst>
   </p:cSld>
@@ -4186,7 +4260,7 @@
           <p:cNvPr id="2" name="Title 1">
             <a:extLst>
               <a:ext uri="{FF2B5EF4-FFF2-40B4-BE49-F238E27FC236}">
-                <a16:creationId xmlns:a16="http://schemas.microsoft.com/office/drawing/2014/main" id="{3D3FFB41-2A1F-4C77-A819-49497EA0DB02}"/>
+                <a16:creationId xmlns:a16="http://schemas.microsoft.com/office/drawing/2014/main" id="{FC71F7FD-AE76-32AE-D0DB-BCF998655A3E}"/>
               </a:ext>
             </a:extLst>
           </p:cNvPr>
@@ -4204,369 +4278,68 @@
           <a:p>
             <a:r>
               <a:rPr lang="en-US" dirty="0"/>
-              <a:t>From update presentation</a:t>
-            </a:r>
-          </a:p>
-        </p:txBody>
-      </p:sp>
-    </p:spTree>
-    <p:extLst>
-      <p:ext uri="{BB962C8B-B14F-4D97-AF65-F5344CB8AC3E}">
-        <p14:creationId xmlns:p14="http://schemas.microsoft.com/office/powerpoint/2010/main" val="835562081"/>
-      </p:ext>
-    </p:extLst>
-  </p:cSld>
-  <p:clrMapOvr>
-    <a:masterClrMapping/>
-  </p:clrMapOvr>
-  <p:transition spd="med"/>
-</p:sld>
-</file>
-
-<file path=ppt/slides/slide16.xml><?xml version="1.0" encoding="utf-8"?>
-<p:sld xmlns:a="http://schemas.openxmlformats.org/drawingml/2006/main" xmlns:r="http://schemas.openxmlformats.org/officeDocument/2006/relationships" xmlns:p="http://schemas.openxmlformats.org/presentationml/2006/main">
-  <p:cSld>
-    <p:spTree>
-      <p:nvGrpSpPr>
-        <p:cNvPr id="1" name=""/>
-        <p:cNvGrpSpPr/>
-        <p:nvPr/>
-      </p:nvGrpSpPr>
-      <p:grpSpPr>
-        <a:xfrm>
-          <a:off x="0" y="0"/>
-          <a:ext cx="0" cy="0"/>
-          <a:chOff x="0" y="0"/>
-          <a:chExt cx="0" cy="0"/>
-        </a:xfrm>
-      </p:grpSpPr>
-      <p:sp>
-        <p:nvSpPr>
-          <p:cNvPr id="172" name="Title 1"/>
-          <p:cNvSpPr txBox="1">
-            <a:spLocks noGrp="1"/>
-          </p:cNvSpPr>
-          <p:nvPr>
-            <p:ph type="title"/>
-          </p:nvPr>
-        </p:nvSpPr>
-        <p:spPr>
-          <a:xfrm>
-            <a:off x="972600" y="1758200"/>
-            <a:ext cx="10251600" cy="713601"/>
-          </a:xfrm>
-          <a:prstGeom prst="rect">
-            <a:avLst/>
-          </a:prstGeom>
-        </p:spPr>
-        <p:txBody>
-          <a:bodyPr/>
-          <a:lstStyle/>
-          <a:p>
-            <a:r>
-              <a:t>Path Forward</a:t>
+              <a:t>References</a:t>
             </a:r>
           </a:p>
         </p:txBody>
       </p:sp>
       <p:sp>
         <p:nvSpPr>
-          <p:cNvPr id="173" name="Text Placeholder 2"/>
-          <p:cNvSpPr txBox="1">
+          <p:cNvPr id="3" name="Text Placeholder 2">
+            <a:extLst>
+              <a:ext uri="{FF2B5EF4-FFF2-40B4-BE49-F238E27FC236}">
+                <a16:creationId xmlns:a16="http://schemas.microsoft.com/office/drawing/2014/main" id="{2B469654-7ACF-DA6E-229C-4698B439AC70}"/>
+              </a:ext>
+            </a:extLst>
+          </p:cNvPr>
+          <p:cNvSpPr>
             <a:spLocks noGrp="1"/>
           </p:cNvSpPr>
           <p:nvPr>
             <p:ph type="body" sz="half" idx="1"/>
           </p:nvPr>
         </p:nvSpPr>
-        <p:spPr>
-          <a:xfrm>
-            <a:off x="972600" y="2771832"/>
-            <a:ext cx="10251600" cy="3014801"/>
-          </a:xfrm>
-          <a:prstGeom prst="rect">
-            <a:avLst/>
-          </a:prstGeom>
-        </p:spPr>
+        <p:spPr/>
         <p:txBody>
           <a:bodyPr>
-            <a:normAutofit fontScale="92500" lnSpcReduction="20000"/>
+            <a:normAutofit/>
           </a:bodyPr>
           <a:lstStyle/>
           <a:p>
-            <a:pPr indent="-423322">
-              <a:spcBef>
-                <a:spcPts val="100"/>
-              </a:spcBef>
-              <a:buSzPts val="1800"/>
-              <a:defRPr sz="1800"/>
-            </a:pPr>
-            <a:r>
-              <a:rPr dirty="0"/>
-              <a:t>Game Code Base [Bin Xu]</a:t>
-            </a:r>
-          </a:p>
-          <a:p>
-            <a:pPr marL="1219169" lvl="1" indent="-406390">
-              <a:spcBef>
-                <a:spcPts val="100"/>
-              </a:spcBef>
-              <a:buSzPts val="1600"/>
-              <a:defRPr sz="1600"/>
-            </a:pPr>
-            <a:r>
-              <a:rPr lang="en-US" dirty="0"/>
-              <a:t>Change out button input for ADC output [11/11]</a:t>
-            </a:r>
-          </a:p>
-          <a:p>
-            <a:pPr marL="1828753" lvl="2" indent="-406390">
-              <a:spcBef>
-                <a:spcPts val="100"/>
-              </a:spcBef>
-              <a:buSzPts val="1600"/>
-              <a:defRPr sz="1600"/>
-            </a:pPr>
-            <a:r>
-              <a:rPr lang="en-US" dirty="0"/>
-              <a:t>Start with simple threshold and maintain single step of paddle</a:t>
-            </a:r>
-          </a:p>
-          <a:p>
-            <a:pPr marL="1219169" lvl="1" indent="-406390">
-              <a:spcBef>
-                <a:spcPts val="100"/>
-              </a:spcBef>
-              <a:buSzPts val="1600"/>
-              <a:defRPr sz="1600"/>
-            </a:pPr>
-            <a:r>
-              <a:rPr lang="en-US" dirty="0"/>
-              <a:t>Change from single step to step proportional to ADC output [11/18]</a:t>
-            </a:r>
-          </a:p>
-          <a:p>
-            <a:pPr indent="-423322">
-              <a:spcBef>
-                <a:spcPts val="100"/>
-              </a:spcBef>
-              <a:buSzPts val="1800"/>
-              <a:defRPr sz="1800"/>
-            </a:pPr>
-            <a:r>
-              <a:rPr dirty="0"/>
-              <a:t>ADC [Conor N]</a:t>
-            </a:r>
-          </a:p>
-          <a:p>
-            <a:pPr marL="1219169" lvl="1" indent="-406390">
-              <a:spcBef>
-                <a:spcPts val="100"/>
-              </a:spcBef>
-              <a:buSzPts val="1600"/>
-              <a:defRPr sz="1600"/>
-            </a:pPr>
-            <a:r>
-              <a:rPr dirty="0"/>
-              <a:t>Figure out how to make measurements more differentiable [11/4]</a:t>
-            </a:r>
-            <a:endParaRPr sz="1100" dirty="0"/>
-          </a:p>
-          <a:p>
-            <a:pPr marL="1828754" lvl="2" indent="-406390">
-              <a:spcBef>
-                <a:spcPts val="100"/>
-              </a:spcBef>
-              <a:buSzPts val="1600"/>
-              <a:defRPr sz="1600"/>
-            </a:pPr>
-            <a:r>
-              <a:rPr dirty="0"/>
-              <a:t>Likely replace with a load cell but in the mean time, try to find an EE solution</a:t>
-            </a:r>
-            <a:endParaRPr sz="1100" dirty="0"/>
-          </a:p>
-          <a:p>
-            <a:pPr marL="1219169" lvl="1" indent="-406390">
-              <a:spcBef>
-                <a:spcPts val="100"/>
-              </a:spcBef>
-              <a:buSzPts val="1600"/>
-              <a:defRPr sz="1600"/>
-            </a:pPr>
-            <a:r>
-              <a:rPr dirty="0"/>
-              <a:t>Characterize measurement repeatability, fidelity [11/9]</a:t>
-            </a:r>
-            <a:endParaRPr sz="1100" dirty="0"/>
-          </a:p>
-          <a:p>
-            <a:pPr marL="1219169" lvl="1" indent="-406390">
-              <a:spcBef>
-                <a:spcPts val="100"/>
-              </a:spcBef>
-              <a:buSzPts val="1600"/>
-              <a:defRPr sz="1600"/>
-            </a:pPr>
-            <a:r>
-              <a:rPr dirty="0"/>
-              <a:t>Finalize gameplay setup and demonstrate functionality [11/18]</a:t>
-            </a:r>
-            <a:endParaRPr sz="1100" dirty="0"/>
-          </a:p>
-          <a:p>
-            <a:pPr indent="-423322">
-              <a:spcBef>
-                <a:spcPts val="100"/>
-              </a:spcBef>
-              <a:buSzPts val="1800"/>
-              <a:defRPr sz="1800"/>
-            </a:pPr>
-            <a:r>
-              <a:rPr dirty="0"/>
-              <a:t>Quad SPI Flash [</a:t>
-            </a:r>
-            <a:r>
-              <a:rPr dirty="0" err="1"/>
-              <a:t>Yimin</a:t>
-            </a:r>
-            <a:r>
-              <a:rPr dirty="0"/>
-              <a:t> Xu]</a:t>
-            </a:r>
-          </a:p>
-          <a:p>
-            <a:pPr marL="1236102" lvl="1" indent="-423322">
-              <a:spcBef>
-                <a:spcPts val="100"/>
-              </a:spcBef>
-              <a:buSzPts val="1800"/>
-              <a:buChar char="●"/>
-              <a:defRPr sz="1800"/>
-            </a:pPr>
-            <a:r>
-              <a:rPr dirty="0"/>
-              <a:t>Combine the flash controller into game memory</a:t>
-            </a:r>
+            <a:r>
+              <a:rPr lang="en-US" sz="1800" dirty="0">
+                <a:hlinkClick r:id="rId2"/>
+              </a:rPr>
+              <a:t>https://github.com/Digilent/Nexys-A7-100T-XADC</a:t>
+            </a:r>
+            <a:endParaRPr lang="en-US" sz="1800" dirty="0"/>
+          </a:p>
+          <a:p>
+            <a:r>
+              <a:rPr lang="en-US" sz="1800" dirty="0">
+                <a:hlinkClick r:id="rId3"/>
+              </a:rPr>
+              <a:t>https://github.com/chmo2019/EC311_Final_Project</a:t>
+            </a:r>
+            <a:endParaRPr lang="en-US" sz="1800" dirty="0"/>
+          </a:p>
+          <a:p>
+            <a:r>
+              <a:rPr lang="en-US" sz="1800" dirty="0">
+                <a:hlinkClick r:id="rId4"/>
+              </a:rPr>
+              <a:t>https://www.chipverify.com/verilog/verilog-single-port-ram</a:t>
+            </a:r>
+            <a:endParaRPr lang="en-US" sz="1800" dirty="0"/>
           </a:p>
         </p:txBody>
       </p:sp>
     </p:spTree>
-  </p:cSld>
-  <p:clrMapOvr>
-    <a:masterClrMapping/>
-  </p:clrMapOvr>
-  <p:transition spd="med"/>
-</p:sld>
-</file>
-
-<file path=ppt/slides/slide17.xml><?xml version="1.0" encoding="utf-8"?>
-<p:sld xmlns:a="http://schemas.openxmlformats.org/drawingml/2006/main" xmlns:r="http://schemas.openxmlformats.org/officeDocument/2006/relationships" xmlns:p="http://schemas.openxmlformats.org/presentationml/2006/main">
-  <p:cSld>
-    <p:spTree>
-      <p:nvGrpSpPr>
-        <p:cNvPr id="1" name=""/>
-        <p:cNvGrpSpPr/>
-        <p:nvPr/>
-      </p:nvGrpSpPr>
-      <p:grpSpPr>
-        <a:xfrm>
-          <a:off x="0" y="0"/>
-          <a:ext cx="0" cy="0"/>
-          <a:chOff x="0" y="0"/>
-          <a:chExt cx="0" cy="0"/>
-        </a:xfrm>
-      </p:grpSpPr>
-      <p:sp>
-        <p:nvSpPr>
-          <p:cNvPr id="135" name="Google Shape;104;p16"/>
-          <p:cNvSpPr txBox="1">
-            <a:spLocks noGrp="1"/>
-          </p:cNvSpPr>
-          <p:nvPr>
-            <p:ph type="title"/>
-          </p:nvPr>
-        </p:nvSpPr>
-        <p:spPr>
-          <a:xfrm>
-            <a:off x="972600" y="1758200"/>
-            <a:ext cx="10251600" cy="713601"/>
-          </a:xfrm>
-          <a:prstGeom prst="rect">
-            <a:avLst/>
-          </a:prstGeom>
-        </p:spPr>
-        <p:txBody>
-          <a:bodyPr lIns="121899" tIns="121899" rIns="121899" bIns="121899">
-            <a:normAutofit fontScale="90000"/>
-          </a:bodyPr>
-          <a:lstStyle>
-            <a:lvl1pPr defTabSz="850391">
-              <a:defRPr sz="3162"/>
-            </a:lvl1pPr>
-          </a:lstStyle>
-          <a:p>
-            <a:r>
-              <a:t>High Level Diagram</a:t>
-            </a:r>
-          </a:p>
-        </p:txBody>
-      </p:sp>
-      <p:pic>
-        <p:nvPicPr>
-          <p:cNvPr id="136" name="Google Shape;105;p16" descr="Google Shape;105;p16"/>
-          <p:cNvPicPr>
-            <a:picLocks noChangeAspect="1"/>
-          </p:cNvPicPr>
-          <p:nvPr/>
-        </p:nvPicPr>
-        <p:blipFill>
-          <a:blip r:embed="rId2"/>
-          <a:stretch>
-            <a:fillRect/>
-          </a:stretch>
-        </p:blipFill>
-        <p:spPr>
-          <a:xfrm>
-            <a:off x="2449266" y="2625100"/>
-            <a:ext cx="6902254" cy="3979801"/>
-          </a:xfrm>
-          <a:prstGeom prst="rect">
-            <a:avLst/>
-          </a:prstGeom>
-          <a:ln w="12700">
-            <a:miter lim="400000"/>
-          </a:ln>
-        </p:spPr>
-      </p:pic>
-      <p:pic>
-        <p:nvPicPr>
-          <p:cNvPr id="137" name="Google Shape;106;p16" descr="Google Shape;106;p16"/>
-          <p:cNvPicPr>
-            <a:picLocks noChangeAspect="1"/>
-          </p:cNvPicPr>
-          <p:nvPr/>
-        </p:nvPicPr>
-        <p:blipFill>
-          <a:blip r:embed="rId3"/>
-          <a:stretch>
-            <a:fillRect/>
-          </a:stretch>
-        </p:blipFill>
-        <p:spPr>
-          <a:xfrm>
-            <a:off x="8062707" y="2157498"/>
-            <a:ext cx="3161492" cy="1854268"/>
-          </a:xfrm>
-          <a:prstGeom prst="rect">
-            <a:avLst/>
-          </a:prstGeom>
-          <a:ln w="12700">
-            <a:miter lim="400000"/>
-          </a:ln>
-        </p:spPr>
-      </p:pic>
-    </p:spTree>
+    <p:extLst>
+      <p:ext uri="{BB962C8B-B14F-4D97-AF65-F5344CB8AC3E}">
+        <p14:creationId xmlns:p14="http://schemas.microsoft.com/office/powerpoint/2010/main" val="1905147005"/>
+      </p:ext>
+    </p:extLst>
   </p:cSld>
   <p:clrMapOvr>
     <a:masterClrMapping/>
@@ -4620,10 +4393,10 @@
               <a:defRPr sz="2400"/>
             </a:pPr>
             <a:r>
-              <a:rPr lang="en-US" sz="2400" b="1" dirty="0"/>
+              <a:rPr lang="en-US" sz="2800" b="1" dirty="0"/>
               <a:t>Goals</a:t>
             </a:r>
-            <a:endParaRPr lang="en-US" sz="2000" b="1" dirty="0"/>
+            <a:endParaRPr lang="en-US" sz="2400" b="1" dirty="0"/>
           </a:p>
           <a:p>
             <a:pPr>
@@ -4656,10 +4429,10 @@
               <a:defRPr sz="2400"/>
             </a:pPr>
             <a:r>
-              <a:rPr lang="en-US" sz="2400" b="1" dirty="0"/>
+              <a:rPr lang="en-US" sz="2800" b="1" dirty="0"/>
               <a:t>Motivation</a:t>
             </a:r>
-            <a:endParaRPr sz="2000" b="1" dirty="0"/>
+            <a:endParaRPr sz="2400" b="1" dirty="0"/>
           </a:p>
           <a:p>
             <a:r>
@@ -4670,7 +4443,7 @@
           <a:p>
             <a:r>
               <a:rPr lang="en-US" sz="2000" dirty="0"/>
-              <a:t>Requires interacting with and controlling another component of the development board (Analog to Digital Converter (ADC))</a:t>
+              <a:t>Requires interacting with and controlling another component of the development board</a:t>
             </a:r>
           </a:p>
         </p:txBody>
@@ -4771,7 +4544,7 @@
           <a:p>
             <a:r>
               <a:rPr lang="en-US" dirty="0"/>
-              <a:t>Short Functionality</a:t>
+              <a:t>Game Description</a:t>
             </a:r>
           </a:p>
         </p:txBody>
@@ -4792,37 +4565,168 @@
             <p:ph type="body" sz="half" idx="1"/>
           </p:nvPr>
         </p:nvSpPr>
-        <p:spPr/>
+        <p:spPr>
+          <a:xfrm>
+            <a:off x="972600" y="2771832"/>
+            <a:ext cx="10251600" cy="4086168"/>
+          </a:xfrm>
+        </p:spPr>
         <p:txBody>
-          <a:bodyPr/>
+          <a:bodyPr>
+            <a:normAutofit/>
+          </a:bodyPr>
           <a:lstStyle/>
           <a:p>
             <a:r>
               <a:rPr lang="en-US" dirty="0"/>
-              <a:t>Describe game, rules</a:t>
-            </a:r>
-          </a:p>
-          <a:p>
+              <a:t>Two player Pong</a:t>
+            </a:r>
+          </a:p>
+          <a:p>
+            <a:pPr lvl="1"/>
             <a:r>
               <a:rPr lang="en-US" dirty="0"/>
-              <a:t>Balloons speed up after certain number of points</a:t>
-            </a:r>
-          </a:p>
-          <a:p>
+              <a:t>Player 1: Paddle on right edge of screen controlled via board buttons</a:t>
+            </a:r>
+          </a:p>
+          <a:p>
+            <a:pPr lvl="2"/>
             <a:r>
               <a:rPr lang="en-US" dirty="0"/>
-              <a:t>Additional </a:t>
-            </a:r>
-            <a:r>
-              <a:rPr lang="en-US"/>
-              <a:t>balloons coming in</a:t>
-            </a:r>
-          </a:p>
-          <a:p>
-            <a:endParaRPr lang="en-US" dirty="0"/>
+              <a:t>Moves a </a:t>
+            </a:r>
+            <a:r>
+              <a:rPr lang="en-US" b="1" u="sng" dirty="0"/>
+              <a:t>discrete</a:t>
+            </a:r>
+            <a:r>
+              <a:rPr lang="en-US" dirty="0"/>
+              <a:t> amount with each button press</a:t>
+            </a:r>
+          </a:p>
+          <a:p>
+            <a:pPr lvl="3"/>
+            <a:r>
+              <a:rPr lang="en-US" dirty="0"/>
+              <a:t>Demonstrates digital input</a:t>
+            </a:r>
+          </a:p>
+          <a:p>
+            <a:pPr lvl="1"/>
+            <a:r>
+              <a:rPr lang="en-US" dirty="0"/>
+              <a:t>Player 2: Paddle on bottom edge of screen controlled via analog controller</a:t>
+            </a:r>
+          </a:p>
+          <a:p>
+            <a:pPr lvl="2"/>
+            <a:r>
+              <a:rPr lang="en-US" dirty="0"/>
+              <a:t>Moves a </a:t>
+            </a:r>
+            <a:r>
+              <a:rPr lang="en-US" b="1" u="sng" dirty="0"/>
+              <a:t>variable</a:t>
+            </a:r>
+            <a:r>
+              <a:rPr lang="en-US" dirty="0"/>
+              <a:t> amount based on analog controller value</a:t>
+            </a:r>
+          </a:p>
+          <a:p>
+            <a:pPr lvl="3"/>
+            <a:r>
+              <a:rPr lang="en-US" dirty="0"/>
+              <a:t>Demonstrates analog input</a:t>
+            </a:r>
+          </a:p>
+          <a:p>
+            <a:r>
+              <a:rPr lang="en-US" dirty="0"/>
+              <a:t>Gameplay</a:t>
+            </a:r>
+          </a:p>
+          <a:p>
+            <a:pPr lvl="1"/>
+            <a:r>
+              <a:rPr lang="en-US" dirty="0"/>
+              <a:t>Ball starts moving slowly in random direction</a:t>
+            </a:r>
+          </a:p>
+          <a:p>
+            <a:pPr lvl="1"/>
+            <a:r>
+              <a:rPr lang="en-US" dirty="0"/>
+              <a:t>Players move paddles to prevent ball from hitting the edge of the screen</a:t>
+            </a:r>
+          </a:p>
+          <a:p>
+            <a:pPr lvl="1"/>
+            <a:r>
+              <a:rPr lang="en-US" dirty="0"/>
+              <a:t>Score increases every time the ball hits the paddle</a:t>
+            </a:r>
+          </a:p>
+          <a:p>
+            <a:pPr lvl="1"/>
+            <a:r>
+              <a:rPr lang="en-US" dirty="0"/>
+              <a:t>Ball also moves faster each time it hits a paddle</a:t>
+            </a:r>
+          </a:p>
+          <a:p>
+            <a:pPr lvl="1"/>
+            <a:r>
+              <a:rPr lang="en-US" dirty="0"/>
+              <a:t>After achieving a certain score, a second ball is inserted into the game</a:t>
+            </a:r>
+          </a:p>
+          <a:p>
+            <a:pPr lvl="1"/>
+            <a:r>
+              <a:rPr lang="en-US" dirty="0"/>
+              <a:t>Once the ball does hit the edge of the screen, a “game over” screen appears</a:t>
+            </a:r>
+          </a:p>
+          <a:p>
+            <a:pPr lvl="1"/>
+            <a:r>
+              <a:rPr lang="en-US" dirty="0"/>
+              <a:t>After game is lost, user can display the configuration of paddles and ball when they lost by flipping a switch</a:t>
+            </a:r>
           </a:p>
         </p:txBody>
       </p:sp>
+      <p:pic>
+        <p:nvPicPr>
+          <p:cNvPr id="5" name="Picture 4">
+            <a:extLst>
+              <a:ext uri="{FF2B5EF4-FFF2-40B4-BE49-F238E27FC236}">
+                <a16:creationId xmlns:a16="http://schemas.microsoft.com/office/drawing/2014/main" id="{3DC546B5-03CC-FACF-74B3-8698BAB256D4}"/>
+              </a:ext>
+            </a:extLst>
+          </p:cNvPr>
+          <p:cNvPicPr>
+            <a:picLocks noChangeAspect="1"/>
+          </p:cNvPicPr>
+          <p:nvPr/>
+        </p:nvPicPr>
+        <p:blipFill>
+          <a:blip r:embed="rId2"/>
+          <a:stretch>
+            <a:fillRect/>
+          </a:stretch>
+        </p:blipFill>
+        <p:spPr>
+          <a:xfrm>
+            <a:off x="7938138" y="2200216"/>
+            <a:ext cx="4144134" cy="2457568"/>
+          </a:xfrm>
+          <a:prstGeom prst="rect">
+            <a:avLst/>
+          </a:prstGeom>
+        </p:spPr>
+      </p:pic>
     </p:spTree>
     <p:extLst>
       <p:ext uri="{BB962C8B-B14F-4D97-AF65-F5344CB8AC3E}">
@@ -4838,90 +4742,6 @@
 </file>
 
 <file path=ppt/slides/slide4.xml><?xml version="1.0" encoding="utf-8"?>
-<p:sld xmlns:a="http://schemas.openxmlformats.org/drawingml/2006/main" xmlns:r="http://schemas.openxmlformats.org/officeDocument/2006/relationships" xmlns:p="http://schemas.openxmlformats.org/presentationml/2006/main">
-  <p:cSld>
-    <p:spTree>
-      <p:nvGrpSpPr>
-        <p:cNvPr id="1" name=""/>
-        <p:cNvGrpSpPr/>
-        <p:nvPr/>
-      </p:nvGrpSpPr>
-      <p:grpSpPr>
-        <a:xfrm>
-          <a:off x="0" y="0"/>
-          <a:ext cx="0" cy="0"/>
-          <a:chOff x="0" y="0"/>
-          <a:chExt cx="0" cy="0"/>
-        </a:xfrm>
-      </p:grpSpPr>
-      <p:sp>
-        <p:nvSpPr>
-          <p:cNvPr id="2" name="Title 1">
-            <a:extLst>
-              <a:ext uri="{FF2B5EF4-FFF2-40B4-BE49-F238E27FC236}">
-                <a16:creationId xmlns:a16="http://schemas.microsoft.com/office/drawing/2014/main" id="{3DED6804-9DE8-4922-82D9-3C597CD8C648}"/>
-              </a:ext>
-            </a:extLst>
-          </p:cNvPr>
-          <p:cNvSpPr>
-            <a:spLocks noGrp="1"/>
-          </p:cNvSpPr>
-          <p:nvPr>
-            <p:ph type="title"/>
-          </p:nvPr>
-        </p:nvSpPr>
-        <p:spPr/>
-        <p:txBody>
-          <a:bodyPr/>
-          <a:lstStyle/>
-          <a:p>
-            <a:r>
-              <a:rPr lang="en-US" dirty="0"/>
-              <a:t>Short Specification</a:t>
-            </a:r>
-          </a:p>
-        </p:txBody>
-      </p:sp>
-      <p:sp>
-        <p:nvSpPr>
-          <p:cNvPr id="3" name="Text Placeholder 2">
-            <a:extLst>
-              <a:ext uri="{FF2B5EF4-FFF2-40B4-BE49-F238E27FC236}">
-                <a16:creationId xmlns:a16="http://schemas.microsoft.com/office/drawing/2014/main" id="{B2FC5B7B-E502-46FB-9BC1-11AA481C3AF1}"/>
-              </a:ext>
-            </a:extLst>
-          </p:cNvPr>
-          <p:cNvSpPr>
-            <a:spLocks noGrp="1"/>
-          </p:cNvSpPr>
-          <p:nvPr>
-            <p:ph type="body" sz="half" idx="1"/>
-          </p:nvPr>
-        </p:nvSpPr>
-        <p:spPr/>
-        <p:txBody>
-          <a:bodyPr/>
-          <a:lstStyle/>
-          <a:p>
-            <a:endParaRPr lang="en-US"/>
-          </a:p>
-        </p:txBody>
-      </p:sp>
-    </p:spTree>
-    <p:extLst>
-      <p:ext uri="{BB962C8B-B14F-4D97-AF65-F5344CB8AC3E}">
-        <p14:creationId xmlns:p14="http://schemas.microsoft.com/office/powerpoint/2010/main" val="188392464"/>
-      </p:ext>
-    </p:extLst>
-  </p:cSld>
-  <p:clrMapOvr>
-    <a:masterClrMapping/>
-  </p:clrMapOvr>
-  <p:transition spd="med"/>
-</p:sld>
-</file>
-
-<file path=ppt/slides/slide5.xml><?xml version="1.0" encoding="utf-8"?>
 <p:sld xmlns:a="http://schemas.openxmlformats.org/drawingml/2006/main" xmlns:r="http://schemas.openxmlformats.org/officeDocument/2006/relationships" xmlns:p="http://schemas.openxmlformats.org/presentationml/2006/main">
   <p:cSld>
     <p:spTree>
@@ -5371,7 +5191,7 @@
 </p:sld>
 </file>
 
-<file path=ppt/slides/slide6.xml><?xml version="1.0" encoding="utf-8"?>
+<file path=ppt/slides/slide5.xml><?xml version="1.0" encoding="utf-8"?>
 <p:sld xmlns:a="http://schemas.openxmlformats.org/drawingml/2006/main" xmlns:r="http://schemas.openxmlformats.org/officeDocument/2006/relationships" xmlns:p="http://schemas.openxmlformats.org/presentationml/2006/main">
   <p:cSld>
     <p:spTree>
@@ -5446,7 +5266,15 @@
           <a:p>
             <a:r>
               <a:rPr lang="en-US" sz="1400" dirty="0"/>
-              <a:t>What are the peripheral components to the ADC?</a:t>
+              <a:t>What are the </a:t>
+            </a:r>
+            <a:r>
+              <a:rPr lang="en-US" sz="1400" b="1" u="sng" dirty="0"/>
+              <a:t>peripheral</a:t>
+            </a:r>
+            <a:r>
+              <a:rPr lang="en-US" sz="1400" dirty="0"/>
+              <a:t> components to the ADC?</a:t>
             </a:r>
           </a:p>
           <a:p>
@@ -5474,27 +5302,42 @@
             <a:pPr lvl="1"/>
             <a:r>
               <a:rPr lang="en-US" sz="1400" dirty="0"/>
-              <a:t>DRP Interface</a:t>
+              <a:t>Dynamic Reconfiguration Port (DRP) Interface</a:t>
             </a:r>
           </a:p>
           <a:p>
             <a:r>
               <a:rPr lang="en-US" sz="1400" dirty="0"/>
-              <a:t>What parameters define how the ADC works?</a:t>
+              <a:t>What </a:t>
+            </a:r>
+            <a:r>
+              <a:rPr lang="en-US" sz="1400" b="1" u="sng" dirty="0"/>
+              <a:t>parameters</a:t>
+            </a:r>
+            <a:r>
+              <a:rPr lang="en-US" sz="1400" dirty="0"/>
+              <a:t> define how the ADC works?</a:t>
             </a:r>
           </a:p>
           <a:p>
             <a:pPr lvl="1"/>
             <a:r>
               <a:rPr lang="en-US" sz="1400" dirty="0"/>
-              <a:t>Channel averaging</a:t>
+              <a:t>Sample averaging</a:t>
             </a:r>
           </a:p>
           <a:p>
             <a:pPr lvl="1"/>
             <a:r>
               <a:rPr lang="en-US" sz="1400" dirty="0"/>
-              <a:t>Unipolar and differential measurement</a:t>
+              <a:t>Unipolar or differential measurement mode</a:t>
+            </a:r>
+          </a:p>
+          <a:p>
+            <a:pPr lvl="1"/>
+            <a:r>
+              <a:rPr lang="en-US" sz="1400" dirty="0"/>
+              <a:t>Settling time</a:t>
             </a:r>
           </a:p>
           <a:p>
@@ -5580,22 +5423,362 @@
           </p:cNvPicPr>
           <p:nvPr/>
         </p:nvPicPr>
-        <p:blipFill>
+        <p:blipFill rotWithShape="1">
           <a:blip r:embed="rId4"/>
-          <a:stretch>
-            <a:fillRect/>
-          </a:stretch>
+          <a:srcRect t="10251"/>
+          <a:stretch/>
         </p:blipFill>
         <p:spPr>
           <a:xfrm>
-            <a:off x="2617784" y="4910166"/>
-            <a:ext cx="5166808" cy="1874682"/>
+            <a:off x="2617784" y="5102352"/>
+            <a:ext cx="5166808" cy="1682496"/>
           </a:xfrm>
           <a:prstGeom prst="rect">
             <a:avLst/>
           </a:prstGeom>
         </p:spPr>
       </p:pic>
+      <p:sp>
+        <p:nvSpPr>
+          <p:cNvPr id="5" name="Rectangle 4">
+            <a:extLst>
+              <a:ext uri="{FF2B5EF4-FFF2-40B4-BE49-F238E27FC236}">
+                <a16:creationId xmlns:a16="http://schemas.microsoft.com/office/drawing/2014/main" id="{8C8E0282-1BA6-9B3B-D3CA-34509FE3995F}"/>
+              </a:ext>
+            </a:extLst>
+          </p:cNvPr>
+          <p:cNvSpPr/>
+          <p:nvPr/>
+        </p:nvSpPr>
+        <p:spPr>
+          <a:xfrm>
+            <a:off x="9518904" y="1813064"/>
+            <a:ext cx="1017240" cy="1350760"/>
+          </a:xfrm>
+          <a:prstGeom prst="rect">
+            <a:avLst/>
+          </a:prstGeom>
+          <a:noFill/>
+          <a:ln w="25400" cap="flat">
+            <a:solidFill>
+              <a:srgbClr val="FF0000"/>
+            </a:solidFill>
+            <a:prstDash val="solid"/>
+            <a:round/>
+          </a:ln>
+          <a:effectLst>
+            <a:outerShdw blurRad="38100" dist="23000" dir="5400000" rotWithShape="0">
+              <a:srgbClr val="000000">
+                <a:alpha val="35000"/>
+              </a:srgbClr>
+            </a:outerShdw>
+          </a:effectLst>
+          <a:sp3d/>
+        </p:spPr>
+        <p:style>
+          <a:lnRef idx="0">
+            <a:scrgbClr r="0" g="0" b="0"/>
+          </a:lnRef>
+          <a:fillRef idx="0">
+            <a:scrgbClr r="0" g="0" b="0"/>
+          </a:fillRef>
+          <a:effectRef idx="0">
+            <a:scrgbClr r="0" g="0" b="0"/>
+          </a:effectRef>
+          <a:fontRef idx="none"/>
+        </p:style>
+        <p:txBody>
+          <a:bodyPr rot="0" spcFirstLastPara="1" vertOverflow="overflow" horzOverflow="overflow" vert="horz" wrap="square" lIns="45719" tIns="45719" rIns="45719" bIns="45719" numCol="1" spcCol="38100" rtlCol="0" anchor="ctr">
+            <a:spAutoFit/>
+          </a:bodyPr>
+          <a:lstStyle/>
+          <a:p>
+            <a:pPr marL="0" marR="0" indent="0" algn="l" defTabSz="914400" rtl="0" fontAlgn="auto" latinLnBrk="0" hangingPunct="0">
+              <a:lnSpc>
+                <a:spcPct val="100000"/>
+              </a:lnSpc>
+              <a:spcBef>
+                <a:spcPts val="0"/>
+              </a:spcBef>
+              <a:spcAft>
+                <a:spcPts val="0"/>
+              </a:spcAft>
+              <a:buClrTx/>
+              <a:buSzTx/>
+              <a:buFontTx/>
+              <a:buNone/>
+              <a:tabLst/>
+            </a:pPr>
+            <a:endParaRPr kumimoji="0" lang="en-US" sz="1800" b="0" i="0" u="none" strike="noStrike" cap="none" spc="0" normalizeH="0" baseline="0">
+              <a:ln>
+                <a:noFill/>
+              </a:ln>
+              <a:solidFill>
+                <a:srgbClr val="1A9988"/>
+              </a:solidFill>
+              <a:effectLst/>
+              <a:uFillTx/>
+              <a:latin typeface="Arial"/>
+              <a:ea typeface="Arial"/>
+              <a:cs typeface="Arial"/>
+              <a:sym typeface="Arial"/>
+            </a:endParaRPr>
+          </a:p>
+        </p:txBody>
+      </p:sp>
+      <p:sp>
+        <p:nvSpPr>
+          <p:cNvPr id="7" name="TextBox 6">
+            <a:extLst>
+              <a:ext uri="{FF2B5EF4-FFF2-40B4-BE49-F238E27FC236}">
+                <a16:creationId xmlns:a16="http://schemas.microsoft.com/office/drawing/2014/main" id="{B12F38CE-CA3C-B9A9-C1BF-807A5E8E9B86}"/>
+              </a:ext>
+            </a:extLst>
+          </p:cNvPr>
+          <p:cNvSpPr txBox="1"/>
+          <p:nvPr/>
+        </p:nvSpPr>
+        <p:spPr>
+          <a:xfrm>
+            <a:off x="7819501" y="3619602"/>
+            <a:ext cx="4112864" cy="261608"/>
+          </a:xfrm>
+          <a:prstGeom prst="rect">
+            <a:avLst/>
+          </a:prstGeom>
+          <a:noFill/>
+          <a:ln w="12700" cap="flat">
+            <a:noFill/>
+            <a:miter lim="400000"/>
+          </a:ln>
+          <a:effectLst/>
+          <a:sp3d/>
+        </p:spPr>
+        <p:style>
+          <a:lnRef idx="0">
+            <a:scrgbClr r="0" g="0" b="0"/>
+          </a:lnRef>
+          <a:fillRef idx="0">
+            <a:scrgbClr r="0" g="0" b="0"/>
+          </a:fillRef>
+          <a:effectRef idx="0">
+            <a:scrgbClr r="0" g="0" b="0"/>
+          </a:effectRef>
+          <a:fontRef idx="none"/>
+        </p:style>
+        <p:txBody>
+          <a:bodyPr rot="0" spcFirstLastPara="1" vertOverflow="overflow" horzOverflow="overflow" vert="horz" wrap="square" lIns="45719" tIns="45719" rIns="45719" bIns="45719" numCol="1" spcCol="38100" rtlCol="0" anchor="t">
+            <a:spAutoFit/>
+          </a:bodyPr>
+          <a:lstStyle/>
+          <a:p>
+            <a:pPr marL="0" marR="0" indent="0" algn="ctr" defTabSz="914400" rtl="0" fontAlgn="auto" latinLnBrk="0" hangingPunct="0">
+              <a:lnSpc>
+                <a:spcPct val="100000"/>
+              </a:lnSpc>
+              <a:spcBef>
+                <a:spcPts val="0"/>
+              </a:spcBef>
+              <a:spcAft>
+                <a:spcPts val="0"/>
+              </a:spcAft>
+              <a:buClrTx/>
+              <a:buSzTx/>
+              <a:buFontTx/>
+              <a:buNone/>
+              <a:tabLst/>
+            </a:pPr>
+            <a:r>
+              <a:rPr lang="en-US" sz="1100" dirty="0" err="1"/>
+              <a:t>Nexys</a:t>
+            </a:r>
+            <a:r>
+              <a:rPr lang="en-US" sz="1100" dirty="0"/>
+              <a:t> A7 ADC Block Diagram</a:t>
+            </a:r>
+            <a:endParaRPr kumimoji="0" lang="en-US" sz="1100" b="0" i="0" u="none" strike="noStrike" cap="none" spc="0" normalizeH="0" baseline="0" dirty="0">
+              <a:ln>
+                <a:noFill/>
+              </a:ln>
+              <a:solidFill>
+                <a:srgbClr val="1A9988"/>
+              </a:solidFill>
+              <a:effectLst/>
+              <a:uFillTx/>
+              <a:latin typeface="Arial"/>
+              <a:ea typeface="Arial"/>
+              <a:cs typeface="Arial"/>
+              <a:sym typeface="Arial"/>
+            </a:endParaRPr>
+          </a:p>
+        </p:txBody>
+      </p:sp>
+      <p:sp>
+        <p:nvSpPr>
+          <p:cNvPr id="10" name="TextBox 9">
+            <a:extLst>
+              <a:ext uri="{FF2B5EF4-FFF2-40B4-BE49-F238E27FC236}">
+                <a16:creationId xmlns:a16="http://schemas.microsoft.com/office/drawing/2014/main" id="{6C1BBC25-1636-2B8C-D328-5530E38227CA}"/>
+              </a:ext>
+            </a:extLst>
+          </p:cNvPr>
+          <p:cNvSpPr txBox="1"/>
+          <p:nvPr/>
+        </p:nvSpPr>
+        <p:spPr>
+          <a:xfrm>
+            <a:off x="7971092" y="6411948"/>
+            <a:ext cx="4112864" cy="261608"/>
+          </a:xfrm>
+          <a:prstGeom prst="rect">
+            <a:avLst/>
+          </a:prstGeom>
+          <a:noFill/>
+          <a:ln w="12700" cap="flat">
+            <a:noFill/>
+            <a:miter lim="400000"/>
+          </a:ln>
+          <a:effectLst/>
+          <a:sp3d/>
+        </p:spPr>
+        <p:style>
+          <a:lnRef idx="0">
+            <a:scrgbClr r="0" g="0" b="0"/>
+          </a:lnRef>
+          <a:fillRef idx="0">
+            <a:scrgbClr r="0" g="0" b="0"/>
+          </a:fillRef>
+          <a:effectRef idx="0">
+            <a:scrgbClr r="0" g="0" b="0"/>
+          </a:effectRef>
+          <a:fontRef idx="none"/>
+        </p:style>
+        <p:txBody>
+          <a:bodyPr rot="0" spcFirstLastPara="1" vertOverflow="overflow" horzOverflow="overflow" vert="horz" wrap="square" lIns="45719" tIns="45719" rIns="45719" bIns="45719" numCol="1" spcCol="38100" rtlCol="0" anchor="t">
+            <a:spAutoFit/>
+          </a:bodyPr>
+          <a:lstStyle/>
+          <a:p>
+            <a:pPr marL="0" marR="0" indent="0" algn="ctr" defTabSz="914400" rtl="0" fontAlgn="auto" latinLnBrk="0" hangingPunct="0">
+              <a:lnSpc>
+                <a:spcPct val="100000"/>
+              </a:lnSpc>
+              <a:spcBef>
+                <a:spcPts val="0"/>
+              </a:spcBef>
+              <a:spcAft>
+                <a:spcPts val="0"/>
+              </a:spcAft>
+              <a:buClrTx/>
+              <a:buSzTx/>
+              <a:buFontTx/>
+              <a:buNone/>
+              <a:tabLst/>
+            </a:pPr>
+            <a:r>
+              <a:rPr lang="en-US" sz="1100" dirty="0"/>
+              <a:t>ADC Input/Output Signals</a:t>
+            </a:r>
+            <a:endParaRPr kumimoji="0" lang="en-US" sz="1100" b="0" i="0" u="none" strike="noStrike" cap="none" spc="0" normalizeH="0" baseline="0" dirty="0">
+              <a:ln>
+                <a:noFill/>
+              </a:ln>
+              <a:solidFill>
+                <a:srgbClr val="1A9988"/>
+              </a:solidFill>
+              <a:effectLst/>
+              <a:uFillTx/>
+              <a:latin typeface="Arial"/>
+              <a:ea typeface="Arial"/>
+              <a:cs typeface="Arial"/>
+              <a:sym typeface="Arial"/>
+            </a:endParaRPr>
+          </a:p>
+        </p:txBody>
+      </p:sp>
+      <p:sp>
+        <p:nvSpPr>
+          <p:cNvPr id="11" name="TextBox 10">
+            <a:extLst>
+              <a:ext uri="{FF2B5EF4-FFF2-40B4-BE49-F238E27FC236}">
+                <a16:creationId xmlns:a16="http://schemas.microsoft.com/office/drawing/2014/main" id="{9892F360-DE02-74DA-F1F3-3A5797A067FD}"/>
+              </a:ext>
+            </a:extLst>
+          </p:cNvPr>
+          <p:cNvSpPr txBox="1"/>
+          <p:nvPr/>
+        </p:nvSpPr>
+        <p:spPr>
+          <a:xfrm>
+            <a:off x="3175141" y="6574675"/>
+            <a:ext cx="4112864" cy="261608"/>
+          </a:xfrm>
+          <a:prstGeom prst="rect">
+            <a:avLst/>
+          </a:prstGeom>
+          <a:noFill/>
+          <a:ln w="12700" cap="flat">
+            <a:noFill/>
+            <a:miter lim="400000"/>
+          </a:ln>
+          <a:effectLst/>
+          <a:sp3d/>
+        </p:spPr>
+        <p:style>
+          <a:lnRef idx="0">
+            <a:scrgbClr r="0" g="0" b="0"/>
+          </a:lnRef>
+          <a:fillRef idx="0">
+            <a:scrgbClr r="0" g="0" b="0"/>
+          </a:fillRef>
+          <a:effectRef idx="0">
+            <a:scrgbClr r="0" g="0" b="0"/>
+          </a:effectRef>
+          <a:fontRef idx="none"/>
+        </p:style>
+        <p:txBody>
+          <a:bodyPr rot="0" spcFirstLastPara="1" vertOverflow="overflow" horzOverflow="overflow" vert="horz" wrap="square" lIns="45719" tIns="45719" rIns="45719" bIns="45719" numCol="1" spcCol="38100" rtlCol="0" anchor="t">
+            <a:spAutoFit/>
+          </a:bodyPr>
+          <a:lstStyle/>
+          <a:p>
+            <a:pPr marL="0" marR="0" indent="0" algn="ctr" defTabSz="914400" rtl="0" fontAlgn="auto" latinLnBrk="0" hangingPunct="0">
+              <a:lnSpc>
+                <a:spcPct val="100000"/>
+              </a:lnSpc>
+              <a:spcBef>
+                <a:spcPts val="0"/>
+              </a:spcBef>
+              <a:spcAft>
+                <a:spcPts val="0"/>
+              </a:spcAft>
+              <a:buClrTx/>
+              <a:buSzTx/>
+              <a:buFontTx/>
+              <a:buNone/>
+              <a:tabLst/>
+            </a:pPr>
+            <a:r>
+              <a:rPr lang="en-US" sz="1100" dirty="0"/>
+              <a:t>ADC Timing Diagram</a:t>
+            </a:r>
+            <a:endParaRPr kumimoji="0" lang="en-US" sz="1100" b="0" i="0" u="none" strike="noStrike" cap="none" spc="0" normalizeH="0" baseline="0" dirty="0">
+              <a:ln>
+                <a:noFill/>
+              </a:ln>
+              <a:solidFill>
+                <a:srgbClr val="1A9988"/>
+              </a:solidFill>
+              <a:effectLst/>
+              <a:uFillTx/>
+              <a:latin typeface="Arial"/>
+              <a:ea typeface="Arial"/>
+              <a:cs typeface="Arial"/>
+              <a:sym typeface="Arial"/>
+            </a:endParaRPr>
+          </a:p>
+        </p:txBody>
+      </p:sp>
     </p:spTree>
     <p:extLst>
       <p:ext uri="{BB962C8B-B14F-4D97-AF65-F5344CB8AC3E}">
@@ -5610,7 +5793,7 @@
 </p:sld>
 </file>
 
-<file path=ppt/slides/slide7.xml><?xml version="1.0" encoding="utf-8"?>
+<file path=ppt/slides/slide6.xml><?xml version="1.0" encoding="utf-8"?>
 <p:sld xmlns:a="http://schemas.openxmlformats.org/drawingml/2006/main" xmlns:r="http://schemas.openxmlformats.org/officeDocument/2006/relationships" xmlns:p="http://schemas.openxmlformats.org/presentationml/2006/main">
   <p:cSld>
     <p:spTree>
@@ -5681,7 +5864,7 @@
         </p:spPr>
         <p:txBody>
           <a:bodyPr>
-            <a:normAutofit lnSpcReduction="10000"/>
+            <a:normAutofit/>
           </a:bodyPr>
           <a:lstStyle/>
           <a:p>
@@ -5693,25 +5876,25 @@
           <a:p>
             <a:r>
               <a:rPr lang="en-US" sz="1400" dirty="0"/>
-              <a:t>Composed by two substrate layers sandwiching together a conductive film and a spacer.</a:t>
+              <a:t>Composed of two substrate layers sandwiching together a conductive film and a spacer.</a:t>
             </a:r>
           </a:p>
           <a:p>
             <a:r>
               <a:rPr lang="en-US" sz="1400" dirty="0"/>
-              <a:t>The substrate layer which is on the spacer side also has a conductive ink printed on it.</a:t>
+              <a:t>The substrate layer on the spacer side also has a conductive ink printed on it.</a:t>
             </a:r>
           </a:p>
           <a:p>
             <a:r>
               <a:rPr lang="en-US" sz="1400" dirty="0"/>
-              <a:t>When force is applied to the sensor, the conductive film is deformed against the substrate and air is pushed out of the spacer causing the conductive film to come into contact with the conductive print on the substrate. The more of the conductive ink area touching the conductive film, the lower the resistance.</a:t>
+              <a:t>More force =&gt; air pushed out of space =&gt; film contacts conductive print =&gt; resistance decreases</a:t>
             </a:r>
           </a:p>
           <a:p>
             <a:r>
               <a:rPr lang="en-US" sz="1400" dirty="0"/>
-              <a:t>Not very </a:t>
+              <a:t>Problem: Not very </a:t>
             </a:r>
             <a:r>
               <a:rPr lang="en-US" sz="1400" b="1" u="sng" dirty="0"/>
@@ -5719,7 +5902,7 @@
             </a:r>
             <a:r>
               <a:rPr lang="en-US" sz="1400" dirty="0"/>
-              <a:t> (i.e. basically a 1 or 0)</a:t>
+              <a:t> (i.e., basically a 1 or 0)</a:t>
             </a:r>
           </a:p>
           <a:p>
@@ -5999,8 +6182,8 @@
           </a:p>
         </p:txBody>
       </p:sp>
-      <mc:AlternateContent xmlns:mc="http://schemas.openxmlformats.org/markup-compatibility/2006">
-        <mc:Choice xmlns:a14="http://schemas.microsoft.com/office/drawing/2010/main" Requires="a14">
+      <mc:AlternateContent xmlns:mc="http://schemas.openxmlformats.org/markup-compatibility/2006" xmlns:a14="http://schemas.microsoft.com/office/drawing/2010/main">
+        <mc:Choice Requires="a14">
           <p:sp>
             <p:nvSpPr>
               <p:cNvPr id="6" name="TextBox 5">
@@ -6047,6 +6230,7 @@
               </a:bodyPr>
               <a:lstStyle/>
               <a:p>
+                <a:pPr/>
                 <a14:m>
                   <m:oMathPara xmlns:m="http://schemas.openxmlformats.org/officeDocument/2006/math">
                     <m:oMathParaPr>
@@ -6465,7 +6649,7 @@
             </p:txBody>
           </p:sp>
         </mc:Choice>
-        <mc:Fallback>
+        <mc:Fallback xmlns="">
           <p:sp>
             <p:nvSpPr>
               <p:cNvPr id="6" name="TextBox 5">
@@ -6529,7 +6713,7 @@
 </p:sld>
 </file>
 
-<file path=ppt/slides/slide8.xml><?xml version="1.0" encoding="utf-8"?>
+<file path=ppt/slides/slide7.xml><?xml version="1.0" encoding="utf-8"?>
 <p:sld xmlns:a="http://schemas.openxmlformats.org/drawingml/2006/main" xmlns:r="http://schemas.openxmlformats.org/officeDocument/2006/relationships" xmlns:p="http://schemas.openxmlformats.org/presentationml/2006/main">
   <p:cSld>
     <p:spTree>
@@ -6562,14 +6746,21 @@
             <p:ph type="title"/>
           </p:nvPr>
         </p:nvSpPr>
-        <p:spPr/>
+        <p:spPr>
+          <a:xfrm>
+            <a:off x="972600" y="1758200"/>
+            <a:ext cx="5549941" cy="713601"/>
+          </a:xfrm>
+        </p:spPr>
         <p:txBody>
-          <a:bodyPr/>
+          <a:bodyPr>
+            <a:normAutofit/>
+          </a:bodyPr>
           <a:lstStyle/>
           <a:p>
             <a:r>
               <a:rPr lang="en-US" dirty="0"/>
-              <a:t>Detailed Functionality-Game [Bin]</a:t>
+              <a:t>Pong Game</a:t>
             </a:r>
           </a:p>
         </p:txBody>
@@ -6590,6 +6781,532 @@
             <p:ph type="body" sz="half" idx="1"/>
           </p:nvPr>
         </p:nvSpPr>
+        <p:spPr>
+          <a:xfrm>
+            <a:off x="652291" y="2573357"/>
+            <a:ext cx="7623029" cy="3304116"/>
+          </a:xfrm>
+        </p:spPr>
+        <p:txBody>
+          <a:bodyPr>
+            <a:normAutofit/>
+          </a:bodyPr>
+          <a:lstStyle/>
+          <a:p>
+            <a:r>
+              <a:rPr lang="en-US" sz="1400" dirty="0"/>
+              <a:t>How did we change the game?</a:t>
+            </a:r>
+          </a:p>
+          <a:p>
+            <a:pPr lvl="1">
+              <a:buFont typeface="Courier New" panose="02070309020205020404" pitchFamily="49" charset="0"/>
+              <a:buChar char="o"/>
+            </a:pPr>
+            <a:r>
+              <a:rPr lang="en-US" sz="1400" dirty="0"/>
+              <a:t>We need to pass the analog signal to the game.  </a:t>
+            </a:r>
+          </a:p>
+          <a:p>
+            <a:pPr lvl="1">
+              <a:buFont typeface="Courier New" panose="02070309020205020404" pitchFamily="49" charset="0"/>
+              <a:buChar char="o"/>
+            </a:pPr>
+            <a:r>
+              <a:rPr lang="en-US" sz="1400" dirty="0"/>
+              <a:t>Replaced the original input</a:t>
+            </a:r>
+            <a:r>
+              <a:rPr lang="zh-CN" altLang="en-US" sz="1400" dirty="0"/>
+              <a:t> </a:t>
+            </a:r>
+            <a:r>
+              <a:rPr lang="en-US" sz="1400" dirty="0"/>
+              <a:t>buttons with with the analog signal from the ADC.</a:t>
+            </a:r>
+            <a:r>
+              <a:rPr lang="zh-CN" altLang="en-US" sz="1400" dirty="0"/>
+              <a:t> </a:t>
+            </a:r>
+            <a:endParaRPr lang="en-US" sz="1400" dirty="0"/>
+          </a:p>
+          <a:p>
+            <a:pPr lvl="1">
+              <a:buFont typeface="Courier New" panose="02070309020205020404" pitchFamily="49" charset="0"/>
+              <a:buChar char="o"/>
+            </a:pPr>
+            <a:r>
+              <a:rPr lang="en-US" sz="1400" dirty="0"/>
+              <a:t>Added replay </a:t>
+            </a:r>
+            <a:r>
+              <a:rPr lang="en-US" altLang="zh-CN" sz="1400" dirty="0"/>
+              <a:t>button</a:t>
+            </a:r>
+            <a:r>
+              <a:rPr lang="en-US" sz="1400" dirty="0"/>
+              <a:t> for capturing the last image before game over. </a:t>
+            </a:r>
+          </a:p>
+          <a:p>
+            <a:pPr lvl="1">
+              <a:buFont typeface="Courier New" panose="02070309020205020404" pitchFamily="49" charset="0"/>
+              <a:buChar char="o"/>
+            </a:pPr>
+            <a:r>
+              <a:rPr lang="en-US" altLang="zh-CN" sz="1400" dirty="0"/>
+              <a:t>C</a:t>
+            </a:r>
+            <a:r>
+              <a:rPr lang="en-US" sz="1400" dirty="0"/>
+              <a:t>aptur</a:t>
+            </a:r>
+            <a:r>
+              <a:rPr lang="en-US" altLang="zh-CN" sz="1400" dirty="0"/>
+              <a:t>ing</a:t>
+            </a:r>
+            <a:r>
+              <a:rPr lang="en-US" sz="1400" dirty="0"/>
+              <a:t> the end game signal to VGA</a:t>
+            </a:r>
+            <a:r>
+              <a:rPr lang="en-US" altLang="zh-CN" sz="1400" dirty="0"/>
+              <a:t>.</a:t>
+            </a:r>
+          </a:p>
+          <a:p>
+            <a:pPr lvl="1">
+              <a:buFont typeface="Courier New" panose="02070309020205020404" pitchFamily="49" charset="0"/>
+              <a:buChar char="o"/>
+            </a:pPr>
+            <a:r>
+              <a:rPr lang="en-US" altLang="zh-CN" sz="1400" dirty="0"/>
+              <a:t>Getting</a:t>
+            </a:r>
+            <a:r>
+              <a:rPr lang="zh-CN" altLang="en-US" sz="1400" dirty="0"/>
+              <a:t> </a:t>
+            </a:r>
+            <a:r>
+              <a:rPr lang="en-US" altLang="zh-CN" sz="1400" dirty="0"/>
+              <a:t>the</a:t>
+            </a:r>
+            <a:r>
+              <a:rPr lang="zh-CN" altLang="en-US" sz="1400" dirty="0"/>
+              <a:t> </a:t>
+            </a:r>
+            <a:r>
+              <a:rPr lang="en-US" altLang="zh-CN" sz="1400" dirty="0"/>
+              <a:t>speed</a:t>
+            </a:r>
+            <a:r>
+              <a:rPr lang="zh-CN" altLang="en-US" sz="1400" dirty="0"/>
+              <a:t> </a:t>
+            </a:r>
+            <a:r>
+              <a:rPr lang="en-US" altLang="zh-CN" sz="1400" dirty="0"/>
+              <a:t>signal</a:t>
+            </a:r>
+            <a:r>
+              <a:rPr lang="zh-CN" altLang="en-US" sz="1400" dirty="0"/>
+              <a:t> </a:t>
+            </a:r>
+            <a:r>
+              <a:rPr lang="en-US" altLang="zh-CN" sz="1400" dirty="0"/>
+              <a:t>from</a:t>
+            </a:r>
+            <a:r>
+              <a:rPr lang="zh-CN" altLang="en-US" sz="1400" dirty="0"/>
+              <a:t> </a:t>
+            </a:r>
+            <a:r>
+              <a:rPr lang="en-US" altLang="zh-CN" sz="1400" dirty="0"/>
+              <a:t>ADC</a:t>
+            </a:r>
+            <a:r>
+              <a:rPr lang="zh-CN" altLang="en-US" sz="1400" dirty="0"/>
+              <a:t> </a:t>
+            </a:r>
+            <a:r>
+              <a:rPr lang="en-US" altLang="zh-CN" sz="1400" dirty="0"/>
+              <a:t>to</a:t>
+            </a:r>
+            <a:r>
+              <a:rPr lang="zh-CN" altLang="en-US" sz="1400" dirty="0"/>
+              <a:t> </a:t>
+            </a:r>
+            <a:r>
+              <a:rPr lang="en-US" altLang="zh-CN" sz="1400" dirty="0"/>
+              <a:t>control</a:t>
+            </a:r>
+            <a:r>
+              <a:rPr lang="zh-CN" altLang="en-US" sz="1400" dirty="0"/>
+              <a:t> </a:t>
+            </a:r>
+            <a:r>
+              <a:rPr lang="en-US" altLang="zh-CN" sz="1400" dirty="0"/>
+              <a:t>the</a:t>
+            </a:r>
+            <a:r>
+              <a:rPr lang="zh-CN" altLang="en-US" sz="1400" dirty="0"/>
+              <a:t> </a:t>
+            </a:r>
+            <a:r>
+              <a:rPr lang="en-US" altLang="zh-CN" sz="1400" dirty="0"/>
+              <a:t>speed</a:t>
+            </a:r>
+            <a:r>
+              <a:rPr lang="zh-CN" altLang="en-US" sz="1400" dirty="0"/>
+              <a:t> </a:t>
+            </a:r>
+            <a:r>
+              <a:rPr lang="en-US" altLang="zh-CN" sz="1400" dirty="0"/>
+              <a:t>of</a:t>
+            </a:r>
+            <a:r>
+              <a:rPr lang="zh-CN" altLang="en-US" sz="1400" dirty="0"/>
+              <a:t> </a:t>
+            </a:r>
+            <a:r>
+              <a:rPr lang="en-US" altLang="zh-CN" sz="1400" dirty="0"/>
+              <a:t>paddle</a:t>
+            </a:r>
+            <a:r>
+              <a:rPr lang="zh-CN" altLang="en-US" sz="1400" dirty="0"/>
+              <a:t> </a:t>
+            </a:r>
+            <a:r>
+              <a:rPr lang="en-US" altLang="zh-CN" sz="1400" dirty="0"/>
+              <a:t>movement.</a:t>
+            </a:r>
+            <a:r>
+              <a:rPr lang="zh-CN" altLang="en-US" sz="1400" dirty="0"/>
+              <a:t> </a:t>
+            </a:r>
+            <a:endParaRPr lang="en-US" altLang="zh-CN" sz="1400" dirty="0"/>
+          </a:p>
+          <a:p>
+            <a:pPr marL="194729" indent="0">
+              <a:buNone/>
+            </a:pPr>
+            <a:r>
+              <a:rPr lang="zh-CN" altLang="en-US" sz="1400" dirty="0"/>
+              <a:t>         </a:t>
+            </a:r>
+            <a:r>
+              <a:rPr lang="en-US" sz="1400" dirty="0"/>
+              <a:t>    </a:t>
+            </a:r>
+          </a:p>
+          <a:p>
+            <a:r>
+              <a:rPr lang="en-US" sz="1400" dirty="0"/>
+              <a:t>How do we use the output of the ADC</a:t>
+            </a:r>
+          </a:p>
+          <a:p>
+            <a:pPr lvl="1">
+              <a:buFont typeface="Courier New" panose="02070309020205020404" pitchFamily="49" charset="0"/>
+              <a:buChar char="o"/>
+            </a:pPr>
+            <a:r>
+              <a:rPr lang="en-US" altLang="zh-CN" sz="1400" dirty="0"/>
+              <a:t>There</a:t>
+            </a:r>
+            <a:r>
+              <a:rPr lang="zh-CN" altLang="en-US" sz="1400" dirty="0"/>
+              <a:t> </a:t>
+            </a:r>
+            <a:r>
+              <a:rPr lang="en-US" altLang="zh-CN" sz="1400" dirty="0"/>
+              <a:t>is</a:t>
+            </a:r>
+            <a:r>
+              <a:rPr lang="zh-CN" altLang="en-US" sz="1400" dirty="0"/>
+              <a:t> </a:t>
+            </a:r>
+            <a:r>
+              <a:rPr lang="en-US" altLang="zh-CN" sz="1400" dirty="0"/>
+              <a:t>only one</a:t>
+            </a:r>
+            <a:r>
+              <a:rPr lang="zh-CN" altLang="en-US" sz="1400" dirty="0"/>
+              <a:t> </a:t>
+            </a:r>
+            <a:r>
+              <a:rPr lang="en-US" altLang="zh-CN" sz="1400" dirty="0"/>
+              <a:t>analog</a:t>
+            </a:r>
+            <a:r>
+              <a:rPr lang="zh-CN" altLang="en-US" sz="1400" dirty="0"/>
+              <a:t> </a:t>
+            </a:r>
+            <a:r>
+              <a:rPr lang="en-US" altLang="zh-CN" sz="1400" dirty="0"/>
+              <a:t>output</a:t>
+            </a:r>
+            <a:r>
+              <a:rPr lang="zh-CN" altLang="en-US" sz="1400" dirty="0"/>
+              <a:t> </a:t>
+            </a:r>
+            <a:r>
+              <a:rPr lang="en-US" altLang="zh-CN" sz="1400" dirty="0"/>
+              <a:t>each</a:t>
+            </a:r>
+            <a:r>
+              <a:rPr lang="zh-CN" altLang="en-US" sz="1400" dirty="0"/>
+              <a:t> </a:t>
+            </a:r>
+            <a:r>
+              <a:rPr lang="en-US" altLang="zh-CN" sz="1400" dirty="0"/>
+              <a:t>time.</a:t>
+            </a:r>
+            <a:r>
+              <a:rPr lang="zh-CN" altLang="en-US" sz="1400" dirty="0"/>
+              <a:t> </a:t>
+            </a:r>
+            <a:r>
+              <a:rPr lang="en-US" altLang="zh-CN" sz="1400" dirty="0"/>
+              <a:t>The signal is passed to the Analog2Game. Analog2Game will pass the direction to the game.</a:t>
+            </a:r>
+            <a:endParaRPr lang="en-US" sz="1400" dirty="0"/>
+          </a:p>
+        </p:txBody>
+      </p:sp>
+      <p:pic>
+        <p:nvPicPr>
+          <p:cNvPr id="2050" name="Picture 2">
+            <a:extLst>
+              <a:ext uri="{FF2B5EF4-FFF2-40B4-BE49-F238E27FC236}">
+                <a16:creationId xmlns:a16="http://schemas.microsoft.com/office/drawing/2014/main" id="{9CA0EB04-7852-4B4C-9A96-72A3F2F9D838}"/>
+              </a:ext>
+            </a:extLst>
+          </p:cNvPr>
+          <p:cNvPicPr>
+            <a:picLocks noChangeAspect="1" noChangeArrowheads="1"/>
+          </p:cNvPicPr>
+          <p:nvPr/>
+        </p:nvPicPr>
+        <p:blipFill>
+          <a:blip r:embed="rId2">
+            <a:extLst>
+              <a:ext uri="{28A0092B-C50C-407E-A947-70E740481C1C}">
+                <a14:useLocalDpi xmlns:a14="http://schemas.microsoft.com/office/drawing/2010/main" val="0"/>
+              </a:ext>
+            </a:extLst>
+          </a:blip>
+          <a:srcRect/>
+          <a:stretch>
+            <a:fillRect/>
+          </a:stretch>
+        </p:blipFill>
+        <p:spPr bwMode="auto">
+          <a:xfrm>
+            <a:off x="7909372" y="634054"/>
+            <a:ext cx="4067420" cy="2399263"/>
+          </a:xfrm>
+          <a:prstGeom prst="rect">
+            <a:avLst/>
+          </a:prstGeom>
+          <a:noFill/>
+          <a:extLst>
+            <a:ext uri="{909E8E84-426E-40DD-AFC4-6F175D3DCCD1}">
+              <a14:hiddenFill xmlns:a14="http://schemas.microsoft.com/office/drawing/2010/main">
+                <a:solidFill>
+                  <a:srgbClr val="FFFFFF"/>
+                </a:solidFill>
+              </a14:hiddenFill>
+            </a:ext>
+          </a:extLst>
+        </p:spPr>
+      </p:pic>
+      <p:pic>
+        <p:nvPicPr>
+          <p:cNvPr id="2052" name="Picture 4">
+            <a:extLst>
+              <a:ext uri="{FF2B5EF4-FFF2-40B4-BE49-F238E27FC236}">
+                <a16:creationId xmlns:a16="http://schemas.microsoft.com/office/drawing/2014/main" id="{F61D496B-C532-1D4A-92F5-655C5EAAA594}"/>
+              </a:ext>
+            </a:extLst>
+          </p:cNvPr>
+          <p:cNvPicPr>
+            <a:picLocks noChangeAspect="1" noChangeArrowheads="1"/>
+          </p:cNvPicPr>
+          <p:nvPr/>
+        </p:nvPicPr>
+        <p:blipFill rotWithShape="1">
+          <a:blip r:embed="rId3">
+            <a:extLst>
+              <a:ext uri="{28A0092B-C50C-407E-A947-70E740481C1C}">
+                <a14:useLocalDpi xmlns:a14="http://schemas.microsoft.com/office/drawing/2010/main" val="0"/>
+              </a:ext>
+            </a:extLst>
+          </a:blip>
+          <a:srcRect l="7479" t="9301" r="9101" b="11370"/>
+          <a:stretch/>
+        </p:blipFill>
+        <p:spPr bwMode="auto">
+          <a:xfrm>
+            <a:off x="5641848" y="5140252"/>
+            <a:ext cx="3374137" cy="1612024"/>
+          </a:xfrm>
+          <a:prstGeom prst="rect">
+            <a:avLst/>
+          </a:prstGeom>
+          <a:noFill/>
+          <a:extLst>
+            <a:ext uri="{909E8E84-426E-40DD-AFC4-6F175D3DCCD1}">
+              <a14:hiddenFill xmlns:a14="http://schemas.microsoft.com/office/drawing/2010/main">
+                <a:solidFill>
+                  <a:srgbClr val="FFFFFF"/>
+                </a:solidFill>
+              </a14:hiddenFill>
+            </a:ext>
+          </a:extLst>
+        </p:spPr>
+      </p:pic>
+      <p:pic>
+        <p:nvPicPr>
+          <p:cNvPr id="2054" name="Picture 6">
+            <a:extLst>
+              <a:ext uri="{FF2B5EF4-FFF2-40B4-BE49-F238E27FC236}">
+                <a16:creationId xmlns:a16="http://schemas.microsoft.com/office/drawing/2014/main" id="{0002F2C1-81FC-764C-A027-7B42EC5713E2}"/>
+              </a:ext>
+            </a:extLst>
+          </p:cNvPr>
+          <p:cNvPicPr>
+            <a:picLocks noChangeAspect="1" noChangeArrowheads="1"/>
+          </p:cNvPicPr>
+          <p:nvPr/>
+        </p:nvPicPr>
+        <p:blipFill>
+          <a:blip r:embed="rId4">
+            <a:extLst>
+              <a:ext uri="{28A0092B-C50C-407E-A947-70E740481C1C}">
+                <a14:useLocalDpi xmlns:a14="http://schemas.microsoft.com/office/drawing/2010/main" val="0"/>
+              </a:ext>
+            </a:extLst>
+          </a:blip>
+          <a:srcRect/>
+          <a:stretch>
+            <a:fillRect/>
+          </a:stretch>
+        </p:blipFill>
+        <p:spPr bwMode="auto">
+          <a:xfrm>
+            <a:off x="9015985" y="3041146"/>
+            <a:ext cx="3084575" cy="3711130"/>
+          </a:xfrm>
+          <a:prstGeom prst="rect">
+            <a:avLst/>
+          </a:prstGeom>
+          <a:noFill/>
+          <a:extLst>
+            <a:ext uri="{909E8E84-426E-40DD-AFC4-6F175D3DCCD1}">
+              <a14:hiddenFill xmlns:a14="http://schemas.microsoft.com/office/drawing/2010/main">
+                <a:solidFill>
+                  <a:srgbClr val="FFFFFF"/>
+                </a:solidFill>
+              </a14:hiddenFill>
+            </a:ext>
+          </a:extLst>
+        </p:spPr>
+      </p:pic>
+    </p:spTree>
+    <p:extLst>
+      <p:ext uri="{BB962C8B-B14F-4D97-AF65-F5344CB8AC3E}">
+        <p14:creationId xmlns:p14="http://schemas.microsoft.com/office/powerpoint/2010/main" val="512314688"/>
+      </p:ext>
+    </p:extLst>
+  </p:cSld>
+  <p:clrMapOvr>
+    <a:masterClrMapping/>
+  </p:clrMapOvr>
+  <p:transition spd="med"/>
+</p:sld>
+</file>
+
+<file path=ppt/slides/slide8.xml><?xml version="1.0" encoding="utf-8"?>
+<p:sld xmlns:a="http://schemas.openxmlformats.org/drawingml/2006/main" xmlns:r="http://schemas.openxmlformats.org/officeDocument/2006/relationships" xmlns:p="http://schemas.openxmlformats.org/presentationml/2006/main">
+  <p:cSld>
+    <p:spTree>
+      <p:nvGrpSpPr>
+        <p:cNvPr id="1" name=""/>
+        <p:cNvGrpSpPr/>
+        <p:nvPr/>
+      </p:nvGrpSpPr>
+      <p:grpSpPr>
+        <a:xfrm>
+          <a:off x="0" y="0"/>
+          <a:ext cx="0" cy="0"/>
+          <a:chOff x="0" y="0"/>
+          <a:chExt cx="0" cy="0"/>
+        </a:xfrm>
+      </p:grpSpPr>
+      <p:pic>
+        <p:nvPicPr>
+          <p:cNvPr id="2052" name="Picture 4">
+            <a:extLst>
+              <a:ext uri="{FF2B5EF4-FFF2-40B4-BE49-F238E27FC236}">
+                <a16:creationId xmlns:a16="http://schemas.microsoft.com/office/drawing/2014/main" id="{77C6A1F3-A232-8145-A52A-943B3DC98AAC}"/>
+              </a:ext>
+            </a:extLst>
+          </p:cNvPr>
+          <p:cNvPicPr>
+            <a:picLocks noChangeAspect="1" noChangeArrowheads="1"/>
+          </p:cNvPicPr>
+          <p:nvPr/>
+        </p:nvPicPr>
+        <p:blipFill>
+          <a:blip r:embed="rId2">
+            <a:extLst>
+              <a:ext uri="{28A0092B-C50C-407E-A947-70E740481C1C}">
+                <a14:useLocalDpi xmlns:a14="http://schemas.microsoft.com/office/drawing/2010/main" val="0"/>
+              </a:ext>
+            </a:extLst>
+          </a:blip>
+          <a:srcRect/>
+          <a:stretch>
+            <a:fillRect/>
+          </a:stretch>
+        </p:blipFill>
+        <p:spPr bwMode="auto">
+          <a:xfrm>
+            <a:off x="357839" y="3997932"/>
+            <a:ext cx="8575849" cy="2844873"/>
+          </a:xfrm>
+          <a:prstGeom prst="rect">
+            <a:avLst/>
+          </a:prstGeom>
+          <a:noFill/>
+          <a:extLst>
+            <a:ext uri="{909E8E84-426E-40DD-AFC4-6F175D3DCCD1}">
+              <a14:hiddenFill xmlns:a14="http://schemas.microsoft.com/office/drawing/2010/main">
+                <a:solidFill>
+                  <a:srgbClr val="FFFFFF"/>
+                </a:solidFill>
+              </a14:hiddenFill>
+            </a:ext>
+          </a:extLst>
+        </p:spPr>
+      </p:pic>
+      <p:sp>
+        <p:nvSpPr>
+          <p:cNvPr id="2" name="Title 1">
+            <a:extLst>
+              <a:ext uri="{FF2B5EF4-FFF2-40B4-BE49-F238E27FC236}">
+                <a16:creationId xmlns:a16="http://schemas.microsoft.com/office/drawing/2014/main" id="{CAF38674-0580-974E-B19A-D94B66DBD495}"/>
+              </a:ext>
+            </a:extLst>
+          </p:cNvPr>
+          <p:cNvSpPr>
+            <a:spLocks noGrp="1"/>
+          </p:cNvSpPr>
+          <p:nvPr>
+            <p:ph type="title"/>
+          </p:nvPr>
+        </p:nvSpPr>
         <p:spPr/>
         <p:txBody>
           <a:bodyPr/>
@@ -6597,21 +7314,109 @@
           <a:p>
             <a:r>
               <a:rPr lang="en-US" dirty="0"/>
-              <a:t>How did we change the game?</a:t>
-            </a:r>
-          </a:p>
-          <a:p>
-            <a:r>
-              <a:rPr lang="en-US" dirty="0"/>
-              <a:t>How do we use the output of the ADC</a:t>
+              <a:t>VGA Controller</a:t>
             </a:r>
           </a:p>
         </p:txBody>
       </p:sp>
+      <p:sp>
+        <p:nvSpPr>
+          <p:cNvPr id="3" name="Text Placeholder 2">
+            <a:extLst>
+              <a:ext uri="{FF2B5EF4-FFF2-40B4-BE49-F238E27FC236}">
+                <a16:creationId xmlns:a16="http://schemas.microsoft.com/office/drawing/2014/main" id="{1F937C65-DB9B-E04D-A93D-3CDEAB039F98}"/>
+              </a:ext>
+            </a:extLst>
+          </p:cNvPr>
+          <p:cNvSpPr>
+            <a:spLocks noGrp="1"/>
+          </p:cNvSpPr>
+          <p:nvPr>
+            <p:ph type="body" sz="half" idx="1"/>
+          </p:nvPr>
+        </p:nvSpPr>
+        <p:spPr>
+          <a:xfrm>
+            <a:off x="454380" y="2702177"/>
+            <a:ext cx="6037860" cy="3014802"/>
+          </a:xfrm>
+        </p:spPr>
+        <p:txBody>
+          <a:bodyPr>
+            <a:normAutofit/>
+          </a:bodyPr>
+          <a:lstStyle/>
+          <a:p>
+            <a:r>
+              <a:rPr lang="en-US" sz="1400" dirty="0"/>
+              <a:t>We also need to replay the last frame of game</a:t>
+            </a:r>
+          </a:p>
+          <a:p>
+            <a:r>
+              <a:rPr lang="en-US" sz="1400" dirty="0"/>
+              <a:t>Capture the position of paddle and square, send it to the VGA</a:t>
+            </a:r>
+          </a:p>
+          <a:p>
+            <a:r>
+              <a:rPr lang="en-US" sz="1400" dirty="0"/>
+              <a:t>Using mode switch to show the image we capture from the game</a:t>
+            </a:r>
+          </a:p>
+        </p:txBody>
+      </p:sp>
+      <p:pic>
+        <p:nvPicPr>
+          <p:cNvPr id="2050" name="Picture 2">
+            <a:extLst>
+              <a:ext uri="{FF2B5EF4-FFF2-40B4-BE49-F238E27FC236}">
+                <a16:creationId xmlns:a16="http://schemas.microsoft.com/office/drawing/2014/main" id="{68386606-00C1-5746-A91C-7122A98D95F9}"/>
+              </a:ext>
+            </a:extLst>
+          </p:cNvPr>
+          <p:cNvPicPr>
+            <a:picLocks noChangeAspect="1" noChangeArrowheads="1"/>
+          </p:cNvPicPr>
+          <p:nvPr/>
+        </p:nvPicPr>
+        <p:blipFill>
+          <a:blip r:embed="rId3">
+            <a:extLst>
+              <a:ext uri="{28A0092B-C50C-407E-A947-70E740481C1C}">
+                <a14:useLocalDpi xmlns:a14="http://schemas.microsoft.com/office/drawing/2010/main" val="0"/>
+              </a:ext>
+            </a:extLst>
+          </a:blip>
+          <a:srcRect/>
+          <a:stretch>
+            <a:fillRect/>
+          </a:stretch>
+        </p:blipFill>
+        <p:spPr bwMode="auto">
+          <a:xfrm>
+            <a:off x="6378469" y="690246"/>
+            <a:ext cx="5681031" cy="3778250"/>
+          </a:xfrm>
+          <a:prstGeom prst="rect">
+            <a:avLst/>
+          </a:prstGeom>
+          <a:noFill/>
+          <a:extLst>
+            <a:ext uri="{909E8E84-426E-40DD-AFC4-6F175D3DCCD1}">
+              <a14:hiddenFill xmlns:a14="http://schemas.microsoft.com/office/drawing/2010/main">
+                <a:solidFill>
+                  <a:srgbClr val="FFFFFF"/>
+                </a:solidFill>
+              </a14:hiddenFill>
+            </a:ext>
+          </a:extLst>
+        </p:spPr>
+      </p:pic>
     </p:spTree>
     <p:extLst>
       <p:ext uri="{BB962C8B-B14F-4D97-AF65-F5344CB8AC3E}">
-        <p14:creationId xmlns:p14="http://schemas.microsoft.com/office/powerpoint/2010/main" val="528772889"/>
+        <p14:creationId xmlns:p14="http://schemas.microsoft.com/office/powerpoint/2010/main" val="3586621806"/>
       </p:ext>
     </p:extLst>
   </p:cSld>
@@ -6662,15 +7467,7 @@
           <a:p>
             <a:r>
               <a:rPr lang="en-US" dirty="0"/>
-              <a:t>Detailed Functionality-Memory [</a:t>
-            </a:r>
-            <a:r>
-              <a:rPr lang="en-US" dirty="0" err="1"/>
-              <a:t>Yimin</a:t>
-            </a:r>
-            <a:r>
-              <a:rPr lang="en-US" dirty="0"/>
-              <a:t>] </a:t>
+              <a:t>Memory</a:t>
             </a:r>
           </a:p>
         </p:txBody>
@@ -6693,7 +7490,9 @@
         </p:nvSpPr>
         <p:spPr/>
         <p:txBody>
-          <a:bodyPr/>
+          <a:bodyPr>
+            <a:normAutofit/>
+          </a:bodyPr>
           <a:lstStyle/>
           <a:p>
             <a:r>
@@ -6702,25 +7501,130 @@
             </a:r>
           </a:p>
           <a:p>
+            <a:pPr lvl="1"/>
+            <a:r>
+              <a:rPr lang="en-US" dirty="0"/>
+              <a:t>Record the process of playing and replay it after game over</a:t>
+            </a:r>
+          </a:p>
+          <a:p>
             <a:r>
               <a:rPr lang="en-US" dirty="0"/>
               <a:t>Why didn’t it work?</a:t>
             </a:r>
           </a:p>
           <a:p>
+            <a:pPr lvl="1"/>
+            <a:r>
+              <a:rPr lang="en-US" dirty="0"/>
+              <a:t>Possible overwritten data </a:t>
+            </a:r>
+          </a:p>
+          <a:p>
+            <a:pPr lvl="1"/>
+            <a:r>
+              <a:rPr lang="en-US" dirty="0"/>
+              <a:t>The delay of redrawing is overlapped by next redrawing </a:t>
+            </a:r>
+          </a:p>
+          <a:p>
             <a:r>
               <a:rPr lang="en-US" dirty="0"/>
               <a:t>How does Quad SPI flash work?</a:t>
             </a:r>
           </a:p>
           <a:p>
+            <a:pPr lvl="1"/>
+            <a:r>
+              <a:rPr lang="en-US" dirty="0"/>
+              <a:t>Not suitable for saving data</a:t>
+            </a:r>
+          </a:p>
+          <a:p>
             <a:r>
               <a:rPr lang="en-US" dirty="0"/>
               <a:t>What did we end up doing instead?</a:t>
             </a:r>
           </a:p>
+          <a:p>
+            <a:pPr lvl="1"/>
+            <a:r>
+              <a:rPr lang="en-US" dirty="0"/>
+              <a:t>Saving images of game process such as when square hits the edge</a:t>
+            </a:r>
+          </a:p>
         </p:txBody>
       </p:sp>
+      <p:pic>
+        <p:nvPicPr>
+          <p:cNvPr id="4" name="Picture 3">
+            <a:extLst>
+              <a:ext uri="{FF2B5EF4-FFF2-40B4-BE49-F238E27FC236}">
+                <a16:creationId xmlns:a16="http://schemas.microsoft.com/office/drawing/2014/main" id="{5889C0BD-15AF-4E0B-9DEA-E9AA6A7FEC24}"/>
+              </a:ext>
+            </a:extLst>
+          </p:cNvPr>
+          <p:cNvPicPr>
+            <a:picLocks noChangeAspect="1"/>
+          </p:cNvPicPr>
+          <p:nvPr/>
+        </p:nvPicPr>
+        <p:blipFill rotWithShape="1">
+          <a:blip r:embed="rId2">
+            <a:extLst>
+              <a:ext uri="{28A0092B-C50C-407E-A947-70E740481C1C}">
+                <a14:useLocalDpi xmlns:a14="http://schemas.microsoft.com/office/drawing/2010/main" val="0"/>
+              </a:ext>
+            </a:extLst>
+          </a:blip>
+          <a:srcRect r="15445" b="-1064"/>
+          <a:stretch/>
+        </p:blipFill>
+        <p:spPr>
+          <a:xfrm>
+            <a:off x="8238282" y="2471801"/>
+            <a:ext cx="3871885" cy="4124823"/>
+          </a:xfrm>
+          <a:prstGeom prst="rect">
+            <a:avLst/>
+          </a:prstGeom>
+        </p:spPr>
+      </p:pic>
+      <p:pic>
+        <p:nvPicPr>
+          <p:cNvPr id="5" name="Picture 4">
+            <a:extLst>
+              <a:ext uri="{FF2B5EF4-FFF2-40B4-BE49-F238E27FC236}">
+                <a16:creationId xmlns:a16="http://schemas.microsoft.com/office/drawing/2014/main" id="{1986732E-5267-4B74-84B8-2FF632E432F4}"/>
+              </a:ext>
+            </a:extLst>
+          </p:cNvPr>
+          <p:cNvPicPr>
+            <a:picLocks noChangeAspect="1"/>
+          </p:cNvPicPr>
+          <p:nvPr/>
+        </p:nvPicPr>
+        <p:blipFill rotWithShape="1">
+          <a:blip r:embed="rId3">
+            <a:extLst>
+              <a:ext uri="{28A0092B-C50C-407E-A947-70E740481C1C}">
+                <a14:useLocalDpi xmlns:a14="http://schemas.microsoft.com/office/drawing/2010/main" val="0"/>
+              </a:ext>
+            </a:extLst>
+          </a:blip>
+          <a:srcRect l="1" r="369" b="12396"/>
+          <a:stretch/>
+        </p:blipFill>
+        <p:spPr>
+          <a:xfrm>
+            <a:off x="4858652" y="4883086"/>
+            <a:ext cx="3379630" cy="1807095"/>
+          </a:xfrm>
+          <a:prstGeom prst="rect">
+            <a:avLst/>
+          </a:prstGeom>
+        </p:spPr>
+      </p:pic>
     </p:spTree>
     <p:extLst>
       <p:ext uri="{BB962C8B-B14F-4D97-AF65-F5344CB8AC3E}">
